--- a/visio/patterns - Copy.pptx
+++ b/visio/patterns - Copy.pptx
@@ -2,13 +2,13 @@
 <file path=ppt/presentation.xml><?xml version="1.0" encoding="utf-8"?>
 <p:presentation xmlns:a="http://schemas.openxmlformats.org/drawingml/2006/main" xmlns:r="http://schemas.openxmlformats.org/officeDocument/2006/relationships" xmlns:p="http://schemas.openxmlformats.org/presentationml/2006/main" saveSubsetFonts="1">
   <p:sldMasterIdLst>
-    <p:sldMasterId id="2147483744" r:id="rId1"/>
+    <p:sldMasterId id="2147483792" r:id="rId1"/>
   </p:sldMasterIdLst>
   <p:sldIdLst>
     <p:sldId id="257" r:id="rId2"/>
     <p:sldId id="258" r:id="rId3"/>
   </p:sldIdLst>
-  <p:sldSz cx="12192000" cy="14538325"/>
+  <p:sldSz cx="12192000" cy="5943600"/>
   <p:notesSz cx="6858000" cy="9144000"/>
   <p:defaultTextStyle>
     <a:defPPr>
@@ -142,15 +142,15 @@
         </p:nvSpPr>
         <p:spPr>
           <a:xfrm>
-            <a:off x="914400" y="2379306"/>
-            <a:ext cx="10363200" cy="5061491"/>
+            <a:off x="1524000" y="972715"/>
+            <a:ext cx="9144000" cy="2069253"/>
           </a:xfrm>
         </p:spPr>
         <p:txBody>
           <a:bodyPr anchor="b"/>
           <a:lstStyle>
             <a:lvl1pPr algn="ctr">
-              <a:defRPr sz="8000"/>
+              <a:defRPr sz="5200"/>
             </a:lvl1pPr>
           </a:lstStyle>
           <a:p>
@@ -174,8 +174,8 @@
         </p:nvSpPr>
         <p:spPr>
           <a:xfrm>
-            <a:off x="1524000" y="7635987"/>
-            <a:ext cx="9144000" cy="3510062"/>
+            <a:off x="1524000" y="3121766"/>
+            <a:ext cx="9144000" cy="1434994"/>
           </a:xfrm>
         </p:spPr>
         <p:txBody>
@@ -183,39 +183,39 @@
           <a:lstStyle>
             <a:lvl1pPr marL="0" indent="0" algn="ctr">
               <a:buNone/>
-              <a:defRPr sz="3200"/>
+              <a:defRPr sz="2080"/>
             </a:lvl1pPr>
-            <a:lvl2pPr marL="609585" indent="0" algn="ctr">
+            <a:lvl2pPr marL="396255" indent="0" algn="ctr">
               <a:buNone/>
-              <a:defRPr sz="2667"/>
+              <a:defRPr sz="1733"/>
             </a:lvl2pPr>
-            <a:lvl3pPr marL="1219170" indent="0" algn="ctr">
+            <a:lvl3pPr marL="792510" indent="0" algn="ctr">
               <a:buNone/>
-              <a:defRPr sz="2400"/>
+              <a:defRPr sz="1560"/>
             </a:lvl3pPr>
-            <a:lvl4pPr marL="1828754" indent="0" algn="ctr">
+            <a:lvl4pPr marL="1188766" indent="0" algn="ctr">
               <a:buNone/>
-              <a:defRPr sz="2133"/>
+              <a:defRPr sz="1387"/>
             </a:lvl4pPr>
-            <a:lvl5pPr marL="2438339" indent="0" algn="ctr">
+            <a:lvl5pPr marL="1585021" indent="0" algn="ctr">
               <a:buNone/>
-              <a:defRPr sz="2133"/>
+              <a:defRPr sz="1387"/>
             </a:lvl5pPr>
-            <a:lvl6pPr marL="3047924" indent="0" algn="ctr">
+            <a:lvl6pPr marL="1981276" indent="0" algn="ctr">
               <a:buNone/>
-              <a:defRPr sz="2133"/>
+              <a:defRPr sz="1387"/>
             </a:lvl6pPr>
-            <a:lvl7pPr marL="3657509" indent="0" algn="ctr">
+            <a:lvl7pPr marL="2377531" indent="0" algn="ctr">
               <a:buNone/>
-              <a:defRPr sz="2133"/>
+              <a:defRPr sz="1387"/>
             </a:lvl7pPr>
-            <a:lvl8pPr marL="4267093" indent="0" algn="ctr">
+            <a:lvl8pPr marL="2773787" indent="0" algn="ctr">
               <a:buNone/>
-              <a:defRPr sz="2133"/>
+              <a:defRPr sz="1387"/>
             </a:lvl8pPr>
-            <a:lvl9pPr marL="4876678" indent="0" algn="ctr">
+            <a:lvl9pPr marL="3170042" indent="0" algn="ctr">
               <a:buNone/>
-              <a:defRPr sz="2133"/>
+              <a:defRPr sz="1387"/>
             </a:lvl9pPr>
           </a:lstStyle>
           <a:p>
@@ -295,7 +295,7 @@
     </p:spTree>
     <p:extLst>
       <p:ext uri="{BB962C8B-B14F-4D97-AF65-F5344CB8AC3E}">
-        <p14:creationId xmlns:p14="http://schemas.microsoft.com/office/powerpoint/2010/main" val="2816721818"/>
+        <p14:creationId xmlns:p14="http://schemas.microsoft.com/office/powerpoint/2010/main" val="4269922051"/>
       </p:ext>
     </p:extLst>
   </p:cSld>
@@ -465,7 +465,7 @@
     </p:spTree>
     <p:extLst>
       <p:ext uri="{BB962C8B-B14F-4D97-AF65-F5344CB8AC3E}">
-        <p14:creationId xmlns:p14="http://schemas.microsoft.com/office/powerpoint/2010/main" val="2977084"/>
+        <p14:creationId xmlns:p14="http://schemas.microsoft.com/office/powerpoint/2010/main" val="3557675561"/>
       </p:ext>
     </p:extLst>
   </p:cSld>
@@ -504,8 +504,8 @@
         </p:nvSpPr>
         <p:spPr>
           <a:xfrm>
-            <a:off x="8724901" y="774031"/>
-            <a:ext cx="2628900" cy="12320558"/>
+            <a:off x="8724900" y="316442"/>
+            <a:ext cx="2628900" cy="5036926"/>
           </a:xfrm>
         </p:spPr>
         <p:txBody>
@@ -532,8 +532,8 @@
         </p:nvSpPr>
         <p:spPr>
           <a:xfrm>
-            <a:off x="838201" y="774031"/>
-            <a:ext cx="7734300" cy="12320558"/>
+            <a:off x="838200" y="316442"/>
+            <a:ext cx="7734300" cy="5036926"/>
           </a:xfrm>
         </p:spPr>
         <p:txBody>
@@ -645,7 +645,7 @@
     </p:spTree>
     <p:extLst>
       <p:ext uri="{BB962C8B-B14F-4D97-AF65-F5344CB8AC3E}">
-        <p14:creationId xmlns:p14="http://schemas.microsoft.com/office/powerpoint/2010/main" val="1665838495"/>
+        <p14:creationId xmlns:p14="http://schemas.microsoft.com/office/powerpoint/2010/main" val="2026959897"/>
       </p:ext>
     </p:extLst>
   </p:cSld>
@@ -815,7 +815,7 @@
     </p:spTree>
     <p:extLst>
       <p:ext uri="{BB962C8B-B14F-4D97-AF65-F5344CB8AC3E}">
-        <p14:creationId xmlns:p14="http://schemas.microsoft.com/office/powerpoint/2010/main" val="3493105935"/>
+        <p14:creationId xmlns:p14="http://schemas.microsoft.com/office/powerpoint/2010/main" val="2177975855"/>
       </p:ext>
     </p:extLst>
   </p:cSld>
@@ -854,15 +854,15 @@
         </p:nvSpPr>
         <p:spPr>
           <a:xfrm>
-            <a:off x="831851" y="3624490"/>
-            <a:ext cx="10515600" cy="6047538"/>
+            <a:off x="831850" y="1481773"/>
+            <a:ext cx="10515600" cy="2472372"/>
           </a:xfrm>
         </p:spPr>
         <p:txBody>
           <a:bodyPr anchor="b"/>
           <a:lstStyle>
             <a:lvl1pPr>
-              <a:defRPr sz="8000"/>
+              <a:defRPr sz="5200"/>
             </a:lvl1pPr>
           </a:lstStyle>
           <a:p>
@@ -886,8 +886,8 @@
         </p:nvSpPr>
         <p:spPr>
           <a:xfrm>
-            <a:off x="831851" y="9729240"/>
-            <a:ext cx="10515600" cy="3180258"/>
+            <a:off x="831850" y="3977535"/>
+            <a:ext cx="10515600" cy="1300162"/>
           </a:xfrm>
         </p:spPr>
         <p:txBody>
@@ -895,15 +895,17 @@
           <a:lstStyle>
             <a:lvl1pPr marL="0" indent="0">
               <a:buNone/>
-              <a:defRPr sz="3200">
+              <a:defRPr sz="2080">
                 <a:solidFill>
-                  <a:schemeClr val="tx1"/>
+                  <a:schemeClr val="tx1">
+                    <a:tint val="75000"/>
+                  </a:schemeClr>
                 </a:solidFill>
               </a:defRPr>
             </a:lvl1pPr>
-            <a:lvl2pPr marL="609585" indent="0">
+            <a:lvl2pPr marL="396255" indent="0">
               <a:buNone/>
-              <a:defRPr sz="2667">
+              <a:defRPr sz="1733">
                 <a:solidFill>
                   <a:schemeClr val="tx1">
                     <a:tint val="75000"/>
@@ -911,9 +913,9 @@
                 </a:solidFill>
               </a:defRPr>
             </a:lvl2pPr>
-            <a:lvl3pPr marL="1219170" indent="0">
+            <a:lvl3pPr marL="792510" indent="0">
               <a:buNone/>
-              <a:defRPr sz="2400">
+              <a:defRPr sz="1560">
                 <a:solidFill>
                   <a:schemeClr val="tx1">
                     <a:tint val="75000"/>
@@ -921,9 +923,9 @@
                 </a:solidFill>
               </a:defRPr>
             </a:lvl3pPr>
-            <a:lvl4pPr marL="1828754" indent="0">
+            <a:lvl4pPr marL="1188766" indent="0">
               <a:buNone/>
-              <a:defRPr sz="2133">
+              <a:defRPr sz="1387">
                 <a:solidFill>
                   <a:schemeClr val="tx1">
                     <a:tint val="75000"/>
@@ -931,9 +933,9 @@
                 </a:solidFill>
               </a:defRPr>
             </a:lvl4pPr>
-            <a:lvl5pPr marL="2438339" indent="0">
+            <a:lvl5pPr marL="1585021" indent="0">
               <a:buNone/>
-              <a:defRPr sz="2133">
+              <a:defRPr sz="1387">
                 <a:solidFill>
                   <a:schemeClr val="tx1">
                     <a:tint val="75000"/>
@@ -941,9 +943,9 @@
                 </a:solidFill>
               </a:defRPr>
             </a:lvl5pPr>
-            <a:lvl6pPr marL="3047924" indent="0">
+            <a:lvl6pPr marL="1981276" indent="0">
               <a:buNone/>
-              <a:defRPr sz="2133">
+              <a:defRPr sz="1387">
                 <a:solidFill>
                   <a:schemeClr val="tx1">
                     <a:tint val="75000"/>
@@ -951,9 +953,9 @@
                 </a:solidFill>
               </a:defRPr>
             </a:lvl6pPr>
-            <a:lvl7pPr marL="3657509" indent="0">
+            <a:lvl7pPr marL="2377531" indent="0">
               <a:buNone/>
-              <a:defRPr sz="2133">
+              <a:defRPr sz="1387">
                 <a:solidFill>
                   <a:schemeClr val="tx1">
                     <a:tint val="75000"/>
@@ -961,9 +963,9 @@
                 </a:solidFill>
               </a:defRPr>
             </a:lvl7pPr>
-            <a:lvl8pPr marL="4267093" indent="0">
+            <a:lvl8pPr marL="2773787" indent="0">
               <a:buNone/>
-              <a:defRPr sz="2133">
+              <a:defRPr sz="1387">
                 <a:solidFill>
                   <a:schemeClr val="tx1">
                     <a:tint val="75000"/>
@@ -971,9 +973,9 @@
                 </a:solidFill>
               </a:defRPr>
             </a:lvl8pPr>
-            <a:lvl9pPr marL="4876678" indent="0">
+            <a:lvl9pPr marL="3170042" indent="0">
               <a:buNone/>
-              <a:defRPr sz="2133">
+              <a:defRPr sz="1387">
                 <a:solidFill>
                   <a:schemeClr val="tx1">
                     <a:tint val="75000"/>
@@ -1059,7 +1061,7 @@
     </p:spTree>
     <p:extLst>
       <p:ext uri="{BB962C8B-B14F-4D97-AF65-F5344CB8AC3E}">
-        <p14:creationId xmlns:p14="http://schemas.microsoft.com/office/powerpoint/2010/main" val="3002503097"/>
+        <p14:creationId xmlns:p14="http://schemas.microsoft.com/office/powerpoint/2010/main" val="51483173"/>
       </p:ext>
     </p:extLst>
   </p:cSld>
@@ -1121,8 +1123,8 @@
         </p:nvSpPr>
         <p:spPr>
           <a:xfrm>
-            <a:off x="838200" y="3870156"/>
-            <a:ext cx="5181600" cy="9224434"/>
+            <a:off x="838200" y="1582208"/>
+            <a:ext cx="5181600" cy="3771160"/>
           </a:xfrm>
         </p:spPr>
         <p:txBody>
@@ -1178,8 +1180,8 @@
         </p:nvSpPr>
         <p:spPr>
           <a:xfrm>
-            <a:off x="6172200" y="3870156"/>
-            <a:ext cx="5181600" cy="9224434"/>
+            <a:off x="6172200" y="1582208"/>
+            <a:ext cx="5181600" cy="3771160"/>
           </a:xfrm>
         </p:spPr>
         <p:txBody>
@@ -1291,7 +1293,7 @@
     </p:spTree>
     <p:extLst>
       <p:ext uri="{BB962C8B-B14F-4D97-AF65-F5344CB8AC3E}">
-        <p14:creationId xmlns:p14="http://schemas.microsoft.com/office/powerpoint/2010/main" val="4239688593"/>
+        <p14:creationId xmlns:p14="http://schemas.microsoft.com/office/powerpoint/2010/main" val="320227591"/>
       </p:ext>
     </p:extLst>
   </p:cSld>
@@ -1330,8 +1332,8 @@
         </p:nvSpPr>
         <p:spPr>
           <a:xfrm>
-            <a:off x="839788" y="774034"/>
-            <a:ext cx="10515600" cy="2810071"/>
+            <a:off x="839788" y="316442"/>
+            <a:ext cx="10515600" cy="1148821"/>
           </a:xfrm>
         </p:spPr>
         <p:txBody>
@@ -1358,8 +1360,8 @@
         </p:nvSpPr>
         <p:spPr>
           <a:xfrm>
-            <a:off x="839789" y="3563910"/>
-            <a:ext cx="5157787" cy="1746617"/>
+            <a:off x="839789" y="1457008"/>
+            <a:ext cx="5157787" cy="714057"/>
           </a:xfrm>
         </p:spPr>
         <p:txBody>
@@ -1367,39 +1369,39 @@
           <a:lstStyle>
             <a:lvl1pPr marL="0" indent="0">
               <a:buNone/>
-              <a:defRPr sz="3200" b="1"/>
+              <a:defRPr sz="2080" b="1"/>
             </a:lvl1pPr>
-            <a:lvl2pPr marL="609585" indent="0">
+            <a:lvl2pPr marL="396255" indent="0">
               <a:buNone/>
-              <a:defRPr sz="2667" b="1"/>
+              <a:defRPr sz="1733" b="1"/>
             </a:lvl2pPr>
-            <a:lvl3pPr marL="1219170" indent="0">
+            <a:lvl3pPr marL="792510" indent="0">
               <a:buNone/>
-              <a:defRPr sz="2400" b="1"/>
+              <a:defRPr sz="1560" b="1"/>
             </a:lvl3pPr>
-            <a:lvl4pPr marL="1828754" indent="0">
+            <a:lvl4pPr marL="1188766" indent="0">
               <a:buNone/>
-              <a:defRPr sz="2133" b="1"/>
+              <a:defRPr sz="1387" b="1"/>
             </a:lvl4pPr>
-            <a:lvl5pPr marL="2438339" indent="0">
+            <a:lvl5pPr marL="1585021" indent="0">
               <a:buNone/>
-              <a:defRPr sz="2133" b="1"/>
+              <a:defRPr sz="1387" b="1"/>
             </a:lvl5pPr>
-            <a:lvl6pPr marL="3047924" indent="0">
+            <a:lvl6pPr marL="1981276" indent="0">
               <a:buNone/>
-              <a:defRPr sz="2133" b="1"/>
+              <a:defRPr sz="1387" b="1"/>
             </a:lvl6pPr>
-            <a:lvl7pPr marL="3657509" indent="0">
+            <a:lvl7pPr marL="2377531" indent="0">
               <a:buNone/>
-              <a:defRPr sz="2133" b="1"/>
+              <a:defRPr sz="1387" b="1"/>
             </a:lvl7pPr>
-            <a:lvl8pPr marL="4267093" indent="0">
+            <a:lvl8pPr marL="2773787" indent="0">
               <a:buNone/>
-              <a:defRPr sz="2133" b="1"/>
+              <a:defRPr sz="1387" b="1"/>
             </a:lvl8pPr>
-            <a:lvl9pPr marL="4876678" indent="0">
+            <a:lvl9pPr marL="3170042" indent="0">
               <a:buNone/>
-              <a:defRPr sz="2133" b="1"/>
+              <a:defRPr sz="1387" b="1"/>
             </a:lvl9pPr>
           </a:lstStyle>
           <a:p>
@@ -1423,8 +1425,8 @@
         </p:nvSpPr>
         <p:spPr>
           <a:xfrm>
-            <a:off x="839789" y="5310527"/>
-            <a:ext cx="5157787" cy="7810985"/>
+            <a:off x="839789" y="2171065"/>
+            <a:ext cx="5157787" cy="3193310"/>
           </a:xfrm>
         </p:spPr>
         <p:txBody>
@@ -1480,8 +1482,8 @@
         </p:nvSpPr>
         <p:spPr>
           <a:xfrm>
-            <a:off x="6172201" y="3563910"/>
-            <a:ext cx="5183188" cy="1746617"/>
+            <a:off x="6172200" y="1457008"/>
+            <a:ext cx="5183188" cy="714057"/>
           </a:xfrm>
         </p:spPr>
         <p:txBody>
@@ -1489,39 +1491,39 @@
           <a:lstStyle>
             <a:lvl1pPr marL="0" indent="0">
               <a:buNone/>
-              <a:defRPr sz="3200" b="1"/>
+              <a:defRPr sz="2080" b="1"/>
             </a:lvl1pPr>
-            <a:lvl2pPr marL="609585" indent="0">
+            <a:lvl2pPr marL="396255" indent="0">
               <a:buNone/>
-              <a:defRPr sz="2667" b="1"/>
+              <a:defRPr sz="1733" b="1"/>
             </a:lvl2pPr>
-            <a:lvl3pPr marL="1219170" indent="0">
+            <a:lvl3pPr marL="792510" indent="0">
               <a:buNone/>
-              <a:defRPr sz="2400" b="1"/>
+              <a:defRPr sz="1560" b="1"/>
             </a:lvl3pPr>
-            <a:lvl4pPr marL="1828754" indent="0">
+            <a:lvl4pPr marL="1188766" indent="0">
               <a:buNone/>
-              <a:defRPr sz="2133" b="1"/>
+              <a:defRPr sz="1387" b="1"/>
             </a:lvl4pPr>
-            <a:lvl5pPr marL="2438339" indent="0">
+            <a:lvl5pPr marL="1585021" indent="0">
               <a:buNone/>
-              <a:defRPr sz="2133" b="1"/>
+              <a:defRPr sz="1387" b="1"/>
             </a:lvl5pPr>
-            <a:lvl6pPr marL="3047924" indent="0">
+            <a:lvl6pPr marL="1981276" indent="0">
               <a:buNone/>
-              <a:defRPr sz="2133" b="1"/>
+              <a:defRPr sz="1387" b="1"/>
             </a:lvl6pPr>
-            <a:lvl7pPr marL="3657509" indent="0">
+            <a:lvl7pPr marL="2377531" indent="0">
               <a:buNone/>
-              <a:defRPr sz="2133" b="1"/>
+              <a:defRPr sz="1387" b="1"/>
             </a:lvl7pPr>
-            <a:lvl8pPr marL="4267093" indent="0">
+            <a:lvl8pPr marL="2773787" indent="0">
               <a:buNone/>
-              <a:defRPr sz="2133" b="1"/>
+              <a:defRPr sz="1387" b="1"/>
             </a:lvl8pPr>
-            <a:lvl9pPr marL="4876678" indent="0">
+            <a:lvl9pPr marL="3170042" indent="0">
               <a:buNone/>
-              <a:defRPr sz="2133" b="1"/>
+              <a:defRPr sz="1387" b="1"/>
             </a:lvl9pPr>
           </a:lstStyle>
           <a:p>
@@ -1545,8 +1547,8 @@
         </p:nvSpPr>
         <p:spPr>
           <a:xfrm>
-            <a:off x="6172201" y="5310527"/>
-            <a:ext cx="5183188" cy="7810985"/>
+            <a:off x="6172200" y="2171065"/>
+            <a:ext cx="5183188" cy="3193310"/>
           </a:xfrm>
         </p:spPr>
         <p:txBody>
@@ -1658,7 +1660,7 @@
     </p:spTree>
     <p:extLst>
       <p:ext uri="{BB962C8B-B14F-4D97-AF65-F5344CB8AC3E}">
-        <p14:creationId xmlns:p14="http://schemas.microsoft.com/office/powerpoint/2010/main" val="1164285773"/>
+        <p14:creationId xmlns:p14="http://schemas.microsoft.com/office/powerpoint/2010/main" val="3871944422"/>
       </p:ext>
     </p:extLst>
   </p:cSld>
@@ -1776,7 +1778,7 @@
     </p:spTree>
     <p:extLst>
       <p:ext uri="{BB962C8B-B14F-4D97-AF65-F5344CB8AC3E}">
-        <p14:creationId xmlns:p14="http://schemas.microsoft.com/office/powerpoint/2010/main" val="4205206089"/>
+        <p14:creationId xmlns:p14="http://schemas.microsoft.com/office/powerpoint/2010/main" val="3905356469"/>
       </p:ext>
     </p:extLst>
   </p:cSld>
@@ -1871,7 +1873,7 @@
     </p:spTree>
     <p:extLst>
       <p:ext uri="{BB962C8B-B14F-4D97-AF65-F5344CB8AC3E}">
-        <p14:creationId xmlns:p14="http://schemas.microsoft.com/office/powerpoint/2010/main" val="752583777"/>
+        <p14:creationId xmlns:p14="http://schemas.microsoft.com/office/powerpoint/2010/main" val="1952859879"/>
       </p:ext>
     </p:extLst>
   </p:cSld>
@@ -1910,15 +1912,15 @@
         </p:nvSpPr>
         <p:spPr>
           <a:xfrm>
-            <a:off x="839788" y="969222"/>
-            <a:ext cx="3932237" cy="3392276"/>
+            <a:off x="839789" y="396240"/>
+            <a:ext cx="3932237" cy="1386840"/>
           </a:xfrm>
         </p:spPr>
         <p:txBody>
           <a:bodyPr anchor="b"/>
           <a:lstStyle>
             <a:lvl1pPr>
-              <a:defRPr sz="4267"/>
+              <a:defRPr sz="2773"/>
             </a:lvl1pPr>
           </a:lstStyle>
           <a:p>
@@ -1942,39 +1944,39 @@
         </p:nvSpPr>
         <p:spPr>
           <a:xfrm>
-            <a:off x="5183188" y="2093253"/>
-            <a:ext cx="6172200" cy="10331634"/>
+            <a:off x="5183188" y="855769"/>
+            <a:ext cx="6172200" cy="4223808"/>
           </a:xfrm>
         </p:spPr>
         <p:txBody>
           <a:bodyPr/>
           <a:lstStyle>
             <a:lvl1pPr>
-              <a:defRPr sz="4267"/>
+              <a:defRPr sz="2773"/>
             </a:lvl1pPr>
             <a:lvl2pPr>
-              <a:defRPr sz="3733"/>
+              <a:defRPr sz="2427"/>
             </a:lvl2pPr>
             <a:lvl3pPr>
-              <a:defRPr sz="3200"/>
+              <a:defRPr sz="2080"/>
             </a:lvl3pPr>
             <a:lvl4pPr>
-              <a:defRPr sz="2667"/>
+              <a:defRPr sz="1733"/>
             </a:lvl4pPr>
             <a:lvl5pPr>
-              <a:defRPr sz="2667"/>
+              <a:defRPr sz="1733"/>
             </a:lvl5pPr>
             <a:lvl6pPr>
-              <a:defRPr sz="2667"/>
+              <a:defRPr sz="1733"/>
             </a:lvl6pPr>
             <a:lvl7pPr>
-              <a:defRPr sz="2667"/>
+              <a:defRPr sz="1733"/>
             </a:lvl7pPr>
             <a:lvl8pPr>
-              <a:defRPr sz="2667"/>
+              <a:defRPr sz="1733"/>
             </a:lvl8pPr>
             <a:lvl9pPr>
-              <a:defRPr sz="2667"/>
+              <a:defRPr sz="1733"/>
             </a:lvl9pPr>
           </a:lstStyle>
           <a:p>
@@ -2027,8 +2029,8 @@
         </p:nvSpPr>
         <p:spPr>
           <a:xfrm>
-            <a:off x="839788" y="4361497"/>
-            <a:ext cx="3932237" cy="8080214"/>
+            <a:off x="839789" y="1783080"/>
+            <a:ext cx="3932237" cy="3303376"/>
           </a:xfrm>
         </p:spPr>
         <p:txBody>
@@ -2036,39 +2038,39 @@
           <a:lstStyle>
             <a:lvl1pPr marL="0" indent="0">
               <a:buNone/>
-              <a:defRPr sz="2133"/>
+              <a:defRPr sz="1387"/>
             </a:lvl1pPr>
-            <a:lvl2pPr marL="609585" indent="0">
+            <a:lvl2pPr marL="396255" indent="0">
               <a:buNone/>
-              <a:defRPr sz="1867"/>
+              <a:defRPr sz="1213"/>
             </a:lvl2pPr>
-            <a:lvl3pPr marL="1219170" indent="0">
+            <a:lvl3pPr marL="792510" indent="0">
               <a:buNone/>
-              <a:defRPr sz="1600"/>
+              <a:defRPr sz="1040"/>
             </a:lvl3pPr>
-            <a:lvl4pPr marL="1828754" indent="0">
+            <a:lvl4pPr marL="1188766" indent="0">
               <a:buNone/>
-              <a:defRPr sz="1333"/>
+              <a:defRPr sz="867"/>
             </a:lvl4pPr>
-            <a:lvl5pPr marL="2438339" indent="0">
+            <a:lvl5pPr marL="1585021" indent="0">
               <a:buNone/>
-              <a:defRPr sz="1333"/>
+              <a:defRPr sz="867"/>
             </a:lvl5pPr>
-            <a:lvl6pPr marL="3047924" indent="0">
+            <a:lvl6pPr marL="1981276" indent="0">
               <a:buNone/>
-              <a:defRPr sz="1333"/>
+              <a:defRPr sz="867"/>
             </a:lvl6pPr>
-            <a:lvl7pPr marL="3657509" indent="0">
+            <a:lvl7pPr marL="2377531" indent="0">
               <a:buNone/>
-              <a:defRPr sz="1333"/>
+              <a:defRPr sz="867"/>
             </a:lvl7pPr>
-            <a:lvl8pPr marL="4267093" indent="0">
+            <a:lvl8pPr marL="2773787" indent="0">
               <a:buNone/>
-              <a:defRPr sz="1333"/>
+              <a:defRPr sz="867"/>
             </a:lvl8pPr>
-            <a:lvl9pPr marL="4876678" indent="0">
+            <a:lvl9pPr marL="3170042" indent="0">
               <a:buNone/>
-              <a:defRPr sz="1333"/>
+              <a:defRPr sz="867"/>
             </a:lvl9pPr>
           </a:lstStyle>
           <a:p>
@@ -2148,7 +2150,7 @@
     </p:spTree>
     <p:extLst>
       <p:ext uri="{BB962C8B-B14F-4D97-AF65-F5344CB8AC3E}">
-        <p14:creationId xmlns:p14="http://schemas.microsoft.com/office/powerpoint/2010/main" val="3596755858"/>
+        <p14:creationId xmlns:p14="http://schemas.microsoft.com/office/powerpoint/2010/main" val="1837208215"/>
       </p:ext>
     </p:extLst>
   </p:cSld>
@@ -2187,15 +2189,15 @@
         </p:nvSpPr>
         <p:spPr>
           <a:xfrm>
-            <a:off x="839788" y="969222"/>
-            <a:ext cx="3932237" cy="3392276"/>
+            <a:off x="839789" y="396240"/>
+            <a:ext cx="3932237" cy="1386840"/>
           </a:xfrm>
         </p:spPr>
         <p:txBody>
           <a:bodyPr anchor="b"/>
           <a:lstStyle>
             <a:lvl1pPr>
-              <a:defRPr sz="4267"/>
+              <a:defRPr sz="2773"/>
             </a:lvl1pPr>
           </a:lstStyle>
           <a:p>
@@ -2219,8 +2221,8 @@
         </p:nvSpPr>
         <p:spPr>
           <a:xfrm>
-            <a:off x="5183188" y="2093253"/>
-            <a:ext cx="6172200" cy="10331634"/>
+            <a:off x="5183188" y="855769"/>
+            <a:ext cx="6172200" cy="4223808"/>
           </a:xfrm>
         </p:spPr>
         <p:txBody>
@@ -2228,39 +2230,39 @@
           <a:lstStyle>
             <a:lvl1pPr marL="0" indent="0">
               <a:buNone/>
-              <a:defRPr sz="4267"/>
+              <a:defRPr sz="2773"/>
             </a:lvl1pPr>
-            <a:lvl2pPr marL="609585" indent="0">
+            <a:lvl2pPr marL="396255" indent="0">
               <a:buNone/>
-              <a:defRPr sz="3733"/>
+              <a:defRPr sz="2427"/>
             </a:lvl2pPr>
-            <a:lvl3pPr marL="1219170" indent="0">
+            <a:lvl3pPr marL="792510" indent="0">
               <a:buNone/>
-              <a:defRPr sz="3200"/>
+              <a:defRPr sz="2080"/>
             </a:lvl3pPr>
-            <a:lvl4pPr marL="1828754" indent="0">
+            <a:lvl4pPr marL="1188766" indent="0">
               <a:buNone/>
-              <a:defRPr sz="2667"/>
+              <a:defRPr sz="1733"/>
             </a:lvl4pPr>
-            <a:lvl5pPr marL="2438339" indent="0">
+            <a:lvl5pPr marL="1585021" indent="0">
               <a:buNone/>
-              <a:defRPr sz="2667"/>
+              <a:defRPr sz="1733"/>
             </a:lvl5pPr>
-            <a:lvl6pPr marL="3047924" indent="0">
+            <a:lvl6pPr marL="1981276" indent="0">
               <a:buNone/>
-              <a:defRPr sz="2667"/>
+              <a:defRPr sz="1733"/>
             </a:lvl6pPr>
-            <a:lvl7pPr marL="3657509" indent="0">
+            <a:lvl7pPr marL="2377531" indent="0">
               <a:buNone/>
-              <a:defRPr sz="2667"/>
+              <a:defRPr sz="1733"/>
             </a:lvl7pPr>
-            <a:lvl8pPr marL="4267093" indent="0">
+            <a:lvl8pPr marL="2773787" indent="0">
               <a:buNone/>
-              <a:defRPr sz="2667"/>
+              <a:defRPr sz="1733"/>
             </a:lvl8pPr>
-            <a:lvl9pPr marL="4876678" indent="0">
+            <a:lvl9pPr marL="3170042" indent="0">
               <a:buNone/>
-              <a:defRPr sz="2667"/>
+              <a:defRPr sz="1733"/>
             </a:lvl9pPr>
           </a:lstStyle>
           <a:p>
@@ -2284,8 +2286,8 @@
         </p:nvSpPr>
         <p:spPr>
           <a:xfrm>
-            <a:off x="839788" y="4361497"/>
-            <a:ext cx="3932237" cy="8080214"/>
+            <a:off x="839789" y="1783080"/>
+            <a:ext cx="3932237" cy="3303376"/>
           </a:xfrm>
         </p:spPr>
         <p:txBody>
@@ -2293,39 +2295,39 @@
           <a:lstStyle>
             <a:lvl1pPr marL="0" indent="0">
               <a:buNone/>
-              <a:defRPr sz="2133"/>
+              <a:defRPr sz="1387"/>
             </a:lvl1pPr>
-            <a:lvl2pPr marL="609585" indent="0">
+            <a:lvl2pPr marL="396255" indent="0">
               <a:buNone/>
-              <a:defRPr sz="1867"/>
+              <a:defRPr sz="1213"/>
             </a:lvl2pPr>
-            <a:lvl3pPr marL="1219170" indent="0">
+            <a:lvl3pPr marL="792510" indent="0">
               <a:buNone/>
-              <a:defRPr sz="1600"/>
+              <a:defRPr sz="1040"/>
             </a:lvl3pPr>
-            <a:lvl4pPr marL="1828754" indent="0">
+            <a:lvl4pPr marL="1188766" indent="0">
               <a:buNone/>
-              <a:defRPr sz="1333"/>
+              <a:defRPr sz="867"/>
             </a:lvl4pPr>
-            <a:lvl5pPr marL="2438339" indent="0">
+            <a:lvl5pPr marL="1585021" indent="0">
               <a:buNone/>
-              <a:defRPr sz="1333"/>
+              <a:defRPr sz="867"/>
             </a:lvl5pPr>
-            <a:lvl6pPr marL="3047924" indent="0">
+            <a:lvl6pPr marL="1981276" indent="0">
               <a:buNone/>
-              <a:defRPr sz="1333"/>
+              <a:defRPr sz="867"/>
             </a:lvl6pPr>
-            <a:lvl7pPr marL="3657509" indent="0">
+            <a:lvl7pPr marL="2377531" indent="0">
               <a:buNone/>
-              <a:defRPr sz="1333"/>
+              <a:defRPr sz="867"/>
             </a:lvl7pPr>
-            <a:lvl8pPr marL="4267093" indent="0">
+            <a:lvl8pPr marL="2773787" indent="0">
               <a:buNone/>
-              <a:defRPr sz="1333"/>
+              <a:defRPr sz="867"/>
             </a:lvl8pPr>
-            <a:lvl9pPr marL="4876678" indent="0">
+            <a:lvl9pPr marL="3170042" indent="0">
               <a:buNone/>
-              <a:defRPr sz="1333"/>
+              <a:defRPr sz="867"/>
             </a:lvl9pPr>
           </a:lstStyle>
           <a:p>
@@ -2405,7 +2407,7 @@
     </p:spTree>
     <p:extLst>
       <p:ext uri="{BB962C8B-B14F-4D97-AF65-F5344CB8AC3E}">
-        <p14:creationId xmlns:p14="http://schemas.microsoft.com/office/powerpoint/2010/main" val="1484455567"/>
+        <p14:creationId xmlns:p14="http://schemas.microsoft.com/office/powerpoint/2010/main" val="1402643939"/>
       </p:ext>
     </p:extLst>
   </p:cSld>
@@ -2449,8 +2451,8 @@
         </p:nvSpPr>
         <p:spPr>
           <a:xfrm>
-            <a:off x="838200" y="774034"/>
-            <a:ext cx="10515600" cy="2810071"/>
+            <a:off x="838200" y="316442"/>
+            <a:ext cx="10515600" cy="1148821"/>
           </a:xfrm>
           <a:prstGeom prst="rect">
             <a:avLst/>
@@ -2482,8 +2484,8 @@
         </p:nvSpPr>
         <p:spPr>
           <a:xfrm>
-            <a:off x="838200" y="3870156"/>
-            <a:ext cx="10515600" cy="9224434"/>
+            <a:off x="838200" y="1582208"/>
+            <a:ext cx="10515600" cy="3771160"/>
           </a:xfrm>
           <a:prstGeom prst="rect">
             <a:avLst/>
@@ -2544,8 +2546,8 @@
         </p:nvSpPr>
         <p:spPr>
           <a:xfrm>
-            <a:off x="838200" y="13474877"/>
-            <a:ext cx="2743200" cy="774031"/>
+            <a:off x="838200" y="5508837"/>
+            <a:ext cx="2743200" cy="316442"/>
           </a:xfrm>
           <a:prstGeom prst="rect">
             <a:avLst/>
@@ -2555,7 +2557,7 @@
           <a:bodyPr vert="horz" lIns="91440" tIns="45720" rIns="91440" bIns="45720" rtlCol="0" anchor="ctr"/>
           <a:lstStyle>
             <a:lvl1pPr algn="l">
-              <a:defRPr sz="1600">
+              <a:defRPr sz="1040">
                 <a:solidFill>
                   <a:schemeClr val="tx1">
                     <a:tint val="75000"/>
@@ -2585,8 +2587,8 @@
         </p:nvSpPr>
         <p:spPr>
           <a:xfrm>
-            <a:off x="4038600" y="13474877"/>
-            <a:ext cx="4114800" cy="774031"/>
+            <a:off x="4038600" y="5508837"/>
+            <a:ext cx="4114800" cy="316442"/>
           </a:xfrm>
           <a:prstGeom prst="rect">
             <a:avLst/>
@@ -2596,7 +2598,7 @@
           <a:bodyPr vert="horz" lIns="91440" tIns="45720" rIns="91440" bIns="45720" rtlCol="0" anchor="ctr"/>
           <a:lstStyle>
             <a:lvl1pPr algn="ctr">
-              <a:defRPr sz="1600">
+              <a:defRPr sz="1040">
                 <a:solidFill>
                   <a:schemeClr val="tx1">
                     <a:tint val="75000"/>
@@ -2622,8 +2624,8 @@
         </p:nvSpPr>
         <p:spPr>
           <a:xfrm>
-            <a:off x="8610600" y="13474877"/>
-            <a:ext cx="2743200" cy="774031"/>
+            <a:off x="8610600" y="5508837"/>
+            <a:ext cx="2743200" cy="316442"/>
           </a:xfrm>
           <a:prstGeom prst="rect">
             <a:avLst/>
@@ -2633,7 +2635,7 @@
           <a:bodyPr vert="horz" lIns="91440" tIns="45720" rIns="91440" bIns="45720" rtlCol="0" anchor="ctr"/>
           <a:lstStyle>
             <a:lvl1pPr algn="r">
-              <a:defRPr sz="1600">
+              <a:defRPr sz="1040">
                 <a:solidFill>
                   <a:schemeClr val="tx1">
                     <a:tint val="75000"/>
@@ -2654,27 +2656,27 @@
     </p:spTree>
     <p:extLst>
       <p:ext uri="{BB962C8B-B14F-4D97-AF65-F5344CB8AC3E}">
-        <p14:creationId xmlns:p14="http://schemas.microsoft.com/office/powerpoint/2010/main" val="3415118009"/>
+        <p14:creationId xmlns:p14="http://schemas.microsoft.com/office/powerpoint/2010/main" val="321030447"/>
       </p:ext>
     </p:extLst>
   </p:cSld>
   <p:clrMap bg1="lt1" tx1="dk1" bg2="lt2" tx2="dk2" accent1="accent1" accent2="accent2" accent3="accent3" accent4="accent4" accent5="accent5" accent6="accent6" hlink="hlink" folHlink="folHlink"/>
   <p:sldLayoutIdLst>
-    <p:sldLayoutId id="2147483745" r:id="rId1"/>
-    <p:sldLayoutId id="2147483746" r:id="rId2"/>
-    <p:sldLayoutId id="2147483747" r:id="rId3"/>
-    <p:sldLayoutId id="2147483748" r:id="rId4"/>
-    <p:sldLayoutId id="2147483749" r:id="rId5"/>
-    <p:sldLayoutId id="2147483750" r:id="rId6"/>
-    <p:sldLayoutId id="2147483751" r:id="rId7"/>
-    <p:sldLayoutId id="2147483752" r:id="rId8"/>
-    <p:sldLayoutId id="2147483753" r:id="rId9"/>
-    <p:sldLayoutId id="2147483754" r:id="rId10"/>
-    <p:sldLayoutId id="2147483755" r:id="rId11"/>
+    <p:sldLayoutId id="2147483793" r:id="rId1"/>
+    <p:sldLayoutId id="2147483794" r:id="rId2"/>
+    <p:sldLayoutId id="2147483795" r:id="rId3"/>
+    <p:sldLayoutId id="2147483796" r:id="rId4"/>
+    <p:sldLayoutId id="2147483797" r:id="rId5"/>
+    <p:sldLayoutId id="2147483798" r:id="rId6"/>
+    <p:sldLayoutId id="2147483799" r:id="rId7"/>
+    <p:sldLayoutId id="2147483800" r:id="rId8"/>
+    <p:sldLayoutId id="2147483801" r:id="rId9"/>
+    <p:sldLayoutId id="2147483802" r:id="rId10"/>
+    <p:sldLayoutId id="2147483803" r:id="rId11"/>
   </p:sldLayoutIdLst>
   <p:txStyles>
     <p:titleStyle>
-      <a:lvl1pPr algn="l" defTabSz="1219170" rtl="0" eaLnBrk="1" latinLnBrk="0" hangingPunct="1">
+      <a:lvl1pPr algn="l" defTabSz="792510" rtl="0" eaLnBrk="1" latinLnBrk="0" hangingPunct="1">
         <a:lnSpc>
           <a:spcPct val="90000"/>
         </a:lnSpc>
@@ -2682,7 +2684,7 @@
           <a:spcPct val="0"/>
         </a:spcBef>
         <a:buNone/>
-        <a:defRPr sz="5867" kern="1200">
+        <a:defRPr sz="3813" kern="1200">
           <a:solidFill>
             <a:schemeClr val="tx1"/>
           </a:solidFill>
@@ -2693,16 +2695,16 @@
       </a:lvl1pPr>
     </p:titleStyle>
     <p:bodyStyle>
-      <a:lvl1pPr marL="304792" indent="-304792" algn="l" defTabSz="1219170" rtl="0" eaLnBrk="1" latinLnBrk="0" hangingPunct="1">
+      <a:lvl1pPr marL="198128" indent="-198128" algn="l" defTabSz="792510" rtl="0" eaLnBrk="1" latinLnBrk="0" hangingPunct="1">
         <a:lnSpc>
           <a:spcPct val="90000"/>
         </a:lnSpc>
         <a:spcBef>
-          <a:spcPts val="1333"/>
+          <a:spcPts val="867"/>
         </a:spcBef>
         <a:buFont typeface="Arial" panose="020B0604020202020204" pitchFamily="34" charset="0"/>
         <a:buChar char="•"/>
-        <a:defRPr sz="3733" kern="1200">
+        <a:defRPr sz="2427" kern="1200">
           <a:solidFill>
             <a:schemeClr val="tx1"/>
           </a:solidFill>
@@ -2711,16 +2713,16 @@
           <a:cs typeface="+mn-cs"/>
         </a:defRPr>
       </a:lvl1pPr>
-      <a:lvl2pPr marL="914377" indent="-304792" algn="l" defTabSz="1219170" rtl="0" eaLnBrk="1" latinLnBrk="0" hangingPunct="1">
+      <a:lvl2pPr marL="594383" indent="-198128" algn="l" defTabSz="792510" rtl="0" eaLnBrk="1" latinLnBrk="0" hangingPunct="1">
         <a:lnSpc>
           <a:spcPct val="90000"/>
         </a:lnSpc>
         <a:spcBef>
-          <a:spcPts val="667"/>
+          <a:spcPts val="433"/>
         </a:spcBef>
         <a:buFont typeface="Arial" panose="020B0604020202020204" pitchFamily="34" charset="0"/>
         <a:buChar char="•"/>
-        <a:defRPr sz="3200" kern="1200">
+        <a:defRPr sz="2080" kern="1200">
           <a:solidFill>
             <a:schemeClr val="tx1"/>
           </a:solidFill>
@@ -2729,16 +2731,16 @@
           <a:cs typeface="+mn-cs"/>
         </a:defRPr>
       </a:lvl2pPr>
-      <a:lvl3pPr marL="1523962" indent="-304792" algn="l" defTabSz="1219170" rtl="0" eaLnBrk="1" latinLnBrk="0" hangingPunct="1">
+      <a:lvl3pPr marL="990638" indent="-198128" algn="l" defTabSz="792510" rtl="0" eaLnBrk="1" latinLnBrk="0" hangingPunct="1">
         <a:lnSpc>
           <a:spcPct val="90000"/>
         </a:lnSpc>
         <a:spcBef>
-          <a:spcPts val="667"/>
+          <a:spcPts val="433"/>
         </a:spcBef>
         <a:buFont typeface="Arial" panose="020B0604020202020204" pitchFamily="34" charset="0"/>
         <a:buChar char="•"/>
-        <a:defRPr sz="2667" kern="1200">
+        <a:defRPr sz="1733" kern="1200">
           <a:solidFill>
             <a:schemeClr val="tx1"/>
           </a:solidFill>
@@ -2747,16 +2749,16 @@
           <a:cs typeface="+mn-cs"/>
         </a:defRPr>
       </a:lvl3pPr>
-      <a:lvl4pPr marL="2133547" indent="-304792" algn="l" defTabSz="1219170" rtl="0" eaLnBrk="1" latinLnBrk="0" hangingPunct="1">
+      <a:lvl4pPr marL="1386893" indent="-198128" algn="l" defTabSz="792510" rtl="0" eaLnBrk="1" latinLnBrk="0" hangingPunct="1">
         <a:lnSpc>
           <a:spcPct val="90000"/>
         </a:lnSpc>
         <a:spcBef>
-          <a:spcPts val="667"/>
+          <a:spcPts val="433"/>
         </a:spcBef>
         <a:buFont typeface="Arial" panose="020B0604020202020204" pitchFamily="34" charset="0"/>
         <a:buChar char="•"/>
-        <a:defRPr sz="2400" kern="1200">
+        <a:defRPr sz="1560" kern="1200">
           <a:solidFill>
             <a:schemeClr val="tx1"/>
           </a:solidFill>
@@ -2765,16 +2767,16 @@
           <a:cs typeface="+mn-cs"/>
         </a:defRPr>
       </a:lvl4pPr>
-      <a:lvl5pPr marL="2743131" indent="-304792" algn="l" defTabSz="1219170" rtl="0" eaLnBrk="1" latinLnBrk="0" hangingPunct="1">
+      <a:lvl5pPr marL="1783149" indent="-198128" algn="l" defTabSz="792510" rtl="0" eaLnBrk="1" latinLnBrk="0" hangingPunct="1">
         <a:lnSpc>
           <a:spcPct val="90000"/>
         </a:lnSpc>
         <a:spcBef>
-          <a:spcPts val="667"/>
+          <a:spcPts val="433"/>
         </a:spcBef>
         <a:buFont typeface="Arial" panose="020B0604020202020204" pitchFamily="34" charset="0"/>
         <a:buChar char="•"/>
-        <a:defRPr sz="2400" kern="1200">
+        <a:defRPr sz="1560" kern="1200">
           <a:solidFill>
             <a:schemeClr val="tx1"/>
           </a:solidFill>
@@ -2783,16 +2785,16 @@
           <a:cs typeface="+mn-cs"/>
         </a:defRPr>
       </a:lvl5pPr>
-      <a:lvl6pPr marL="3352716" indent="-304792" algn="l" defTabSz="1219170" rtl="0" eaLnBrk="1" latinLnBrk="0" hangingPunct="1">
+      <a:lvl6pPr marL="2179404" indent="-198128" algn="l" defTabSz="792510" rtl="0" eaLnBrk="1" latinLnBrk="0" hangingPunct="1">
         <a:lnSpc>
           <a:spcPct val="90000"/>
         </a:lnSpc>
         <a:spcBef>
-          <a:spcPts val="667"/>
+          <a:spcPts val="433"/>
         </a:spcBef>
         <a:buFont typeface="Arial" panose="020B0604020202020204" pitchFamily="34" charset="0"/>
         <a:buChar char="•"/>
-        <a:defRPr sz="2400" kern="1200">
+        <a:defRPr sz="1560" kern="1200">
           <a:solidFill>
             <a:schemeClr val="tx1"/>
           </a:solidFill>
@@ -2801,16 +2803,16 @@
           <a:cs typeface="+mn-cs"/>
         </a:defRPr>
       </a:lvl6pPr>
-      <a:lvl7pPr marL="3962301" indent="-304792" algn="l" defTabSz="1219170" rtl="0" eaLnBrk="1" latinLnBrk="0" hangingPunct="1">
+      <a:lvl7pPr marL="2575659" indent="-198128" algn="l" defTabSz="792510" rtl="0" eaLnBrk="1" latinLnBrk="0" hangingPunct="1">
         <a:lnSpc>
           <a:spcPct val="90000"/>
         </a:lnSpc>
         <a:spcBef>
-          <a:spcPts val="667"/>
+          <a:spcPts val="433"/>
         </a:spcBef>
         <a:buFont typeface="Arial" panose="020B0604020202020204" pitchFamily="34" charset="0"/>
         <a:buChar char="•"/>
-        <a:defRPr sz="2400" kern="1200">
+        <a:defRPr sz="1560" kern="1200">
           <a:solidFill>
             <a:schemeClr val="tx1"/>
           </a:solidFill>
@@ -2819,16 +2821,16 @@
           <a:cs typeface="+mn-cs"/>
         </a:defRPr>
       </a:lvl7pPr>
-      <a:lvl8pPr marL="4571886" indent="-304792" algn="l" defTabSz="1219170" rtl="0" eaLnBrk="1" latinLnBrk="0" hangingPunct="1">
+      <a:lvl8pPr marL="2971914" indent="-198128" algn="l" defTabSz="792510" rtl="0" eaLnBrk="1" latinLnBrk="0" hangingPunct="1">
         <a:lnSpc>
           <a:spcPct val="90000"/>
         </a:lnSpc>
         <a:spcBef>
-          <a:spcPts val="667"/>
+          <a:spcPts val="433"/>
         </a:spcBef>
         <a:buFont typeface="Arial" panose="020B0604020202020204" pitchFamily="34" charset="0"/>
         <a:buChar char="•"/>
-        <a:defRPr sz="2400" kern="1200">
+        <a:defRPr sz="1560" kern="1200">
           <a:solidFill>
             <a:schemeClr val="tx1"/>
           </a:solidFill>
@@ -2837,16 +2839,16 @@
           <a:cs typeface="+mn-cs"/>
         </a:defRPr>
       </a:lvl8pPr>
-      <a:lvl9pPr marL="5181470" indent="-304792" algn="l" defTabSz="1219170" rtl="0" eaLnBrk="1" latinLnBrk="0" hangingPunct="1">
+      <a:lvl9pPr marL="3368170" indent="-198128" algn="l" defTabSz="792510" rtl="0" eaLnBrk="1" latinLnBrk="0" hangingPunct="1">
         <a:lnSpc>
           <a:spcPct val="90000"/>
         </a:lnSpc>
         <a:spcBef>
-          <a:spcPts val="667"/>
+          <a:spcPts val="433"/>
         </a:spcBef>
         <a:buFont typeface="Arial" panose="020B0604020202020204" pitchFamily="34" charset="0"/>
         <a:buChar char="•"/>
-        <a:defRPr sz="2400" kern="1200">
+        <a:defRPr sz="1560" kern="1200">
           <a:solidFill>
             <a:schemeClr val="tx1"/>
           </a:solidFill>
@@ -2860,8 +2862,8 @@
       <a:defPPr>
         <a:defRPr lang="en-US"/>
       </a:defPPr>
-      <a:lvl1pPr marL="0" algn="l" defTabSz="1219170" rtl="0" eaLnBrk="1" latinLnBrk="0" hangingPunct="1">
-        <a:defRPr sz="2400" kern="1200">
+      <a:lvl1pPr marL="0" algn="l" defTabSz="792510" rtl="0" eaLnBrk="1" latinLnBrk="0" hangingPunct="1">
+        <a:defRPr sz="1560" kern="1200">
           <a:solidFill>
             <a:schemeClr val="tx1"/>
           </a:solidFill>
@@ -2870,8 +2872,8 @@
           <a:cs typeface="+mn-cs"/>
         </a:defRPr>
       </a:lvl1pPr>
-      <a:lvl2pPr marL="609585" algn="l" defTabSz="1219170" rtl="0" eaLnBrk="1" latinLnBrk="0" hangingPunct="1">
-        <a:defRPr sz="2400" kern="1200">
+      <a:lvl2pPr marL="396255" algn="l" defTabSz="792510" rtl="0" eaLnBrk="1" latinLnBrk="0" hangingPunct="1">
+        <a:defRPr sz="1560" kern="1200">
           <a:solidFill>
             <a:schemeClr val="tx1"/>
           </a:solidFill>
@@ -2880,8 +2882,8 @@
           <a:cs typeface="+mn-cs"/>
         </a:defRPr>
       </a:lvl2pPr>
-      <a:lvl3pPr marL="1219170" algn="l" defTabSz="1219170" rtl="0" eaLnBrk="1" latinLnBrk="0" hangingPunct="1">
-        <a:defRPr sz="2400" kern="1200">
+      <a:lvl3pPr marL="792510" algn="l" defTabSz="792510" rtl="0" eaLnBrk="1" latinLnBrk="0" hangingPunct="1">
+        <a:defRPr sz="1560" kern="1200">
           <a:solidFill>
             <a:schemeClr val="tx1"/>
           </a:solidFill>
@@ -2890,8 +2892,8 @@
           <a:cs typeface="+mn-cs"/>
         </a:defRPr>
       </a:lvl3pPr>
-      <a:lvl4pPr marL="1828754" algn="l" defTabSz="1219170" rtl="0" eaLnBrk="1" latinLnBrk="0" hangingPunct="1">
-        <a:defRPr sz="2400" kern="1200">
+      <a:lvl4pPr marL="1188766" algn="l" defTabSz="792510" rtl="0" eaLnBrk="1" latinLnBrk="0" hangingPunct="1">
+        <a:defRPr sz="1560" kern="1200">
           <a:solidFill>
             <a:schemeClr val="tx1"/>
           </a:solidFill>
@@ -2900,8 +2902,8 @@
           <a:cs typeface="+mn-cs"/>
         </a:defRPr>
       </a:lvl4pPr>
-      <a:lvl5pPr marL="2438339" algn="l" defTabSz="1219170" rtl="0" eaLnBrk="1" latinLnBrk="0" hangingPunct="1">
-        <a:defRPr sz="2400" kern="1200">
+      <a:lvl5pPr marL="1585021" algn="l" defTabSz="792510" rtl="0" eaLnBrk="1" latinLnBrk="0" hangingPunct="1">
+        <a:defRPr sz="1560" kern="1200">
           <a:solidFill>
             <a:schemeClr val="tx1"/>
           </a:solidFill>
@@ -2910,8 +2912,8 @@
           <a:cs typeface="+mn-cs"/>
         </a:defRPr>
       </a:lvl5pPr>
-      <a:lvl6pPr marL="3047924" algn="l" defTabSz="1219170" rtl="0" eaLnBrk="1" latinLnBrk="0" hangingPunct="1">
-        <a:defRPr sz="2400" kern="1200">
+      <a:lvl6pPr marL="1981276" algn="l" defTabSz="792510" rtl="0" eaLnBrk="1" latinLnBrk="0" hangingPunct="1">
+        <a:defRPr sz="1560" kern="1200">
           <a:solidFill>
             <a:schemeClr val="tx1"/>
           </a:solidFill>
@@ -2920,8 +2922,8 @@
           <a:cs typeface="+mn-cs"/>
         </a:defRPr>
       </a:lvl6pPr>
-      <a:lvl7pPr marL="3657509" algn="l" defTabSz="1219170" rtl="0" eaLnBrk="1" latinLnBrk="0" hangingPunct="1">
-        <a:defRPr sz="2400" kern="1200">
+      <a:lvl7pPr marL="2377531" algn="l" defTabSz="792510" rtl="0" eaLnBrk="1" latinLnBrk="0" hangingPunct="1">
+        <a:defRPr sz="1560" kern="1200">
           <a:solidFill>
             <a:schemeClr val="tx1"/>
           </a:solidFill>
@@ -2930,8 +2932,8 @@
           <a:cs typeface="+mn-cs"/>
         </a:defRPr>
       </a:lvl7pPr>
-      <a:lvl8pPr marL="4267093" algn="l" defTabSz="1219170" rtl="0" eaLnBrk="1" latinLnBrk="0" hangingPunct="1">
-        <a:defRPr sz="2400" kern="1200">
+      <a:lvl8pPr marL="2773787" algn="l" defTabSz="792510" rtl="0" eaLnBrk="1" latinLnBrk="0" hangingPunct="1">
+        <a:defRPr sz="1560" kern="1200">
           <a:solidFill>
             <a:schemeClr val="tx1"/>
           </a:solidFill>
@@ -2940,8 +2942,8 @@
           <a:cs typeface="+mn-cs"/>
         </a:defRPr>
       </a:lvl8pPr>
-      <a:lvl9pPr marL="4876678" algn="l" defTabSz="1219170" rtl="0" eaLnBrk="1" latinLnBrk="0" hangingPunct="1">
-        <a:defRPr sz="2400" kern="1200">
+      <a:lvl9pPr marL="3170042" algn="l" defTabSz="792510" rtl="0" eaLnBrk="1" latinLnBrk="0" hangingPunct="1">
+        <a:defRPr sz="1560" kern="1200">
           <a:solidFill>
             <a:schemeClr val="tx1"/>
           </a:solidFill>
@@ -2982,14 +2984,14 @@
             <p:ph idx="1"/>
             <p:extLst>
               <p:ext uri="{D42A27DB-BD31-4B8C-83A1-F6EECF244321}">
-                <p14:modId xmlns:p14="http://schemas.microsoft.com/office/powerpoint/2010/main" val="479003811"/>
+                <p14:modId xmlns:p14="http://schemas.microsoft.com/office/powerpoint/2010/main" val="2203489437"/>
               </p:ext>
             </p:extLst>
           </p:nvPr>
         </p:nvGraphicFramePr>
         <p:xfrm>
-          <a:off x="4" y="999812"/>
-          <a:ext cx="12184381" cy="13379116"/>
+          <a:off x="8" y="-4037778"/>
+          <a:ext cx="12184381" cy="14123582"/>
         </p:xfrm>
         <a:graphic>
           <a:graphicData uri="http://schemas.openxmlformats.org/drawingml/2006/table">
@@ -3001,35 +3003,35 @@
                 <a:gridCol w="371794">
                   <a:extLst>
                     <a:ext uri="{9D8B030D-6E8A-4147-A177-3AD203B41FA5}">
-                      <a16:colId xmlns="" xmlns:a16="http://schemas.microsoft.com/office/drawing/2014/main" val="1495994520"/>
+                      <a16:colId xmlns:a16="http://schemas.microsoft.com/office/drawing/2014/main" xmlns="" val="1495994520"/>
                     </a:ext>
                   </a:extLst>
                 </a:gridCol>
                 <a:gridCol w="4274343">
                   <a:extLst>
                     <a:ext uri="{9D8B030D-6E8A-4147-A177-3AD203B41FA5}">
-                      <a16:colId xmlns="" xmlns:a16="http://schemas.microsoft.com/office/drawing/2014/main" val="1129046455"/>
+                      <a16:colId xmlns:a16="http://schemas.microsoft.com/office/drawing/2014/main" xmlns="" val="1129046455"/>
                     </a:ext>
                   </a:extLst>
                 </a:gridCol>
                 <a:gridCol w="4088288">
                   <a:extLst>
                     <a:ext uri="{9D8B030D-6E8A-4147-A177-3AD203B41FA5}">
-                      <a16:colId xmlns="" xmlns:a16="http://schemas.microsoft.com/office/drawing/2014/main" val="2369603338"/>
+                      <a16:colId xmlns:a16="http://schemas.microsoft.com/office/drawing/2014/main" xmlns="" val="2369603338"/>
                     </a:ext>
                   </a:extLst>
                 </a:gridCol>
                 <a:gridCol w="1794988">
                   <a:extLst>
                     <a:ext uri="{9D8B030D-6E8A-4147-A177-3AD203B41FA5}">
-                      <a16:colId xmlns="" xmlns:a16="http://schemas.microsoft.com/office/drawing/2014/main" val="2935269635"/>
+                      <a16:colId xmlns:a16="http://schemas.microsoft.com/office/drawing/2014/main" xmlns="" val="2935269635"/>
                     </a:ext>
                   </a:extLst>
                 </a:gridCol>
                 <a:gridCol w="1654968">
                   <a:extLst>
                     <a:ext uri="{9D8B030D-6E8A-4147-A177-3AD203B41FA5}">
-                      <a16:colId xmlns="" xmlns:a16="http://schemas.microsoft.com/office/drawing/2014/main" val="3987723325"/>
+                      <a16:colId xmlns:a16="http://schemas.microsoft.com/office/drawing/2014/main" xmlns="" val="3987723325"/>
                     </a:ext>
                   </a:extLst>
                 </a:gridCol>
@@ -3043,14 +3045,14 @@
                       <a:pPr algn="ctr"/>
                       <a:r>
                         <a:rPr lang="en-US" altLang="zh-CN" sz="1100" dirty="0">
-                          <a:latin typeface="Courier New" panose="02070309020205020404" pitchFamily="49" charset="0"/>
-                          <a:cs typeface="Courier New" panose="02070309020205020404" pitchFamily="49" charset="0"/>
+                          <a:latin typeface="Times New Roman" panose="02020603050405020304" pitchFamily="18" charset="0"/>
+                          <a:cs typeface="Times New Roman" panose="02020603050405020304" pitchFamily="18" charset="0"/>
                         </a:rPr>
                         <a:t>#</a:t>
                       </a:r>
                       <a:endParaRPr lang="zh-CN" altLang="en-US" sz="1100" dirty="0">
-                        <a:latin typeface="Courier New" panose="02070309020205020404" pitchFamily="49" charset="0"/>
-                        <a:cs typeface="Courier New" panose="02070309020205020404" pitchFamily="49" charset="0"/>
+                        <a:latin typeface="Times New Roman" panose="02020603050405020304" pitchFamily="18" charset="0"/>
+                        <a:cs typeface="Times New Roman" panose="02020603050405020304" pitchFamily="18" charset="0"/>
                       </a:endParaRPr>
                     </a:p>
                   </a:txBody>
@@ -3064,14 +3066,14 @@
                       <a:pPr algn="ctr"/>
                       <a:r>
                         <a:rPr lang="en-US" altLang="zh-CN" sz="1100" dirty="0">
-                          <a:latin typeface="Courier New" panose="02070309020205020404" pitchFamily="49" charset="0"/>
-                          <a:cs typeface="Courier New" panose="02070309020205020404" pitchFamily="49" charset="0"/>
+                          <a:latin typeface="Times New Roman" panose="02020603050405020304" pitchFamily="18" charset="0"/>
+                          <a:cs typeface="Times New Roman" panose="02020603050405020304" pitchFamily="18" charset="0"/>
                         </a:rPr>
                         <a:t>Source</a:t>
                       </a:r>
                       <a:endParaRPr lang="zh-CN" altLang="en-US" sz="1100" dirty="0">
-                        <a:latin typeface="Courier New" panose="02070309020205020404" pitchFamily="49" charset="0"/>
-                        <a:cs typeface="Courier New" panose="02070309020205020404" pitchFamily="49" charset="0"/>
+                        <a:latin typeface="Times New Roman" panose="02020603050405020304" pitchFamily="18" charset="0"/>
+                        <a:cs typeface="Times New Roman" panose="02020603050405020304" pitchFamily="18" charset="0"/>
                       </a:endParaRPr>
                     </a:p>
                   </a:txBody>
@@ -3096,14 +3098,14 @@
                       <a:pPr marR="0" algn="ctr" rtl="0"/>
                       <a:r>
                         <a:rPr lang="en-US" altLang="zh-CN" sz="1100" dirty="0">
-                          <a:latin typeface="Courier New" panose="02070309020205020404" pitchFamily="49" charset="0"/>
-                          <a:cs typeface="Courier New" panose="02070309020205020404" pitchFamily="49" charset="0"/>
+                          <a:latin typeface="Times New Roman" panose="02020603050405020304" pitchFamily="18" charset="0"/>
+                          <a:cs typeface="Times New Roman" panose="02020603050405020304" pitchFamily="18" charset="0"/>
                         </a:rPr>
                         <a:t>Pattern</a:t>
                       </a:r>
                       <a:endParaRPr lang="zh-CN" altLang="en-US" sz="1100" dirty="0">
-                        <a:latin typeface="Courier New" panose="02070309020205020404" pitchFamily="49" charset="0"/>
-                        <a:cs typeface="Courier New" panose="02070309020205020404" pitchFamily="49" charset="0"/>
+                        <a:latin typeface="Times New Roman" panose="02020603050405020304" pitchFamily="18" charset="0"/>
+                        <a:cs typeface="Times New Roman" panose="02020603050405020304" pitchFamily="18" charset="0"/>
                       </a:endParaRPr>
                     </a:p>
                   </a:txBody>
@@ -3122,7 +3124,7 @@
                 </a:tc>
                 <a:extLst>
                   <a:ext uri="{0D108BD9-81ED-4DB2-BD59-A6C34878D82A}">
-                    <a16:rowId xmlns="" xmlns:a16="http://schemas.microsoft.com/office/drawing/2014/main" val="436986935"/>
+                    <a16:rowId xmlns:a16="http://schemas.microsoft.com/office/drawing/2014/main" xmlns="" val="436986935"/>
                   </a:ext>
                 </a:extLst>
               </a:tr>
@@ -3145,14 +3147,14 @@
                       <a:pPr algn="ctr"/>
                       <a:r>
                         <a:rPr lang="en-US" altLang="zh-CN" sz="1100" b="0" i="0" dirty="0">
-                          <a:latin typeface="Courier New" panose="02070309020205020404" pitchFamily="49" charset="0"/>
-                          <a:cs typeface="Courier New" panose="02070309020205020404" pitchFamily="49" charset="0"/>
+                          <a:latin typeface="Times New Roman" panose="02020603050405020304" pitchFamily="18" charset="0"/>
+                          <a:cs typeface="Times New Roman" panose="02020603050405020304" pitchFamily="18" charset="0"/>
                         </a:rPr>
                         <a:t>Original</a:t>
                       </a:r>
                       <a:endParaRPr lang="zh-CN" altLang="en-US" sz="1100" b="0" i="0" dirty="0">
-                        <a:latin typeface="Courier New" panose="02070309020205020404" pitchFamily="49" charset="0"/>
-                        <a:cs typeface="Courier New" panose="02070309020205020404" pitchFamily="49" charset="0"/>
+                        <a:latin typeface="Times New Roman" panose="02020603050405020304" pitchFamily="18" charset="0"/>
+                        <a:cs typeface="Times New Roman" panose="02020603050405020304" pitchFamily="18" charset="0"/>
                       </a:endParaRPr>
                     </a:p>
                   </a:txBody>
@@ -3166,14 +3168,14 @@
                       <a:pPr algn="ctr"/>
                       <a:r>
                         <a:rPr lang="en-US" altLang="zh-CN" sz="1100" b="0" i="0" dirty="0">
-                          <a:latin typeface="Courier New" panose="02070309020205020404" pitchFamily="49" charset="0"/>
-                          <a:cs typeface="Courier New" panose="02070309020205020404" pitchFamily="49" charset="0"/>
+                          <a:latin typeface="Times New Roman" panose="02020603050405020304" pitchFamily="18" charset="0"/>
+                          <a:cs typeface="Times New Roman" panose="02020603050405020304" pitchFamily="18" charset="0"/>
                         </a:rPr>
                         <a:t>Modified</a:t>
                       </a:r>
                       <a:endParaRPr lang="zh-CN" altLang="en-US" sz="1100" b="0" i="0" dirty="0">
-                        <a:latin typeface="Courier New" panose="02070309020205020404" pitchFamily="49" charset="0"/>
-                        <a:cs typeface="Courier New" panose="02070309020205020404" pitchFamily="49" charset="0"/>
+                        <a:latin typeface="Times New Roman" panose="02020603050405020304" pitchFamily="18" charset="0"/>
+                        <a:cs typeface="Times New Roman" panose="02020603050405020304" pitchFamily="18" charset="0"/>
                       </a:endParaRPr>
                     </a:p>
                   </a:txBody>
@@ -3187,14 +3189,14 @@
                       <a:pPr marR="0" algn="ctr" rtl="0"/>
                       <a:r>
                         <a:rPr lang="en-US" altLang="zh-CN" sz="1100" b="0" i="0" dirty="0">
-                          <a:latin typeface="Courier New" panose="02070309020205020404" pitchFamily="49" charset="0"/>
-                          <a:cs typeface="Courier New" panose="02070309020205020404" pitchFamily="49" charset="0"/>
+                          <a:latin typeface="Times New Roman" panose="02020603050405020304" pitchFamily="18" charset="0"/>
+                          <a:cs typeface="Times New Roman" panose="02020603050405020304" pitchFamily="18" charset="0"/>
                         </a:rPr>
                         <a:t>Original</a:t>
                       </a:r>
                       <a:endParaRPr lang="zh-CN" altLang="en-US" sz="1100" b="0" i="0" dirty="0">
-                        <a:latin typeface="Courier New" panose="02070309020205020404" pitchFamily="49" charset="0"/>
-                        <a:cs typeface="Courier New" panose="02070309020205020404" pitchFamily="49" charset="0"/>
+                        <a:latin typeface="Times New Roman" panose="02020603050405020304" pitchFamily="18" charset="0"/>
+                        <a:cs typeface="Times New Roman" panose="02020603050405020304" pitchFamily="18" charset="0"/>
                       </a:endParaRPr>
                     </a:p>
                   </a:txBody>
@@ -3208,14 +3210,14 @@
                       <a:pPr algn="ctr"/>
                       <a:r>
                         <a:rPr lang="en-US" altLang="zh-CN" sz="1100" b="0" i="0" dirty="0">
-                          <a:latin typeface="Courier New" panose="02070309020205020404" pitchFamily="49" charset="0"/>
-                          <a:cs typeface="Courier New" panose="02070309020205020404" pitchFamily="49" charset="0"/>
+                          <a:latin typeface="Times New Roman" panose="02020603050405020304" pitchFamily="18" charset="0"/>
+                          <a:cs typeface="Times New Roman" panose="02020603050405020304" pitchFamily="18" charset="0"/>
                         </a:rPr>
                         <a:t>Modified</a:t>
                       </a:r>
                       <a:endParaRPr lang="zh-CN" altLang="en-US" sz="1100" b="0" i="0" dirty="0">
-                        <a:latin typeface="Courier New" panose="02070309020205020404" pitchFamily="49" charset="0"/>
-                        <a:cs typeface="Courier New" panose="02070309020205020404" pitchFamily="49" charset="0"/>
+                        <a:latin typeface="Times New Roman" panose="02020603050405020304" pitchFamily="18" charset="0"/>
+                        <a:cs typeface="Times New Roman" panose="02020603050405020304" pitchFamily="18" charset="0"/>
                       </a:endParaRPr>
                     </a:p>
                   </a:txBody>
@@ -3223,7 +3225,7 @@
                 </a:tc>
                 <a:extLst>
                   <a:ext uri="{0D108BD9-81ED-4DB2-BD59-A6C34878D82A}">
-                    <a16:rowId xmlns="" xmlns:a16="http://schemas.microsoft.com/office/drawing/2014/main" val="2327670510"/>
+                    <a16:rowId xmlns:a16="http://schemas.microsoft.com/office/drawing/2014/main" xmlns="" val="2327670510"/>
                   </a:ext>
                 </a:extLst>
               </a:tr>
@@ -3236,14 +3238,14 @@
                       <a:pPr algn="ctr"/>
                       <a:r>
                         <a:rPr lang="en-US" altLang="zh-CN" sz="1100" dirty="0">
-                          <a:latin typeface="Courier New" panose="02070309020205020404" pitchFamily="49" charset="0"/>
-                          <a:cs typeface="Courier New" panose="02070309020205020404" pitchFamily="49" charset="0"/>
+                          <a:latin typeface="Times New Roman" panose="02020603050405020304" pitchFamily="18" charset="0"/>
+                          <a:cs typeface="Times New Roman" panose="02020603050405020304" pitchFamily="18" charset="0"/>
                         </a:rPr>
                         <a:t>1</a:t>
                       </a:r>
                       <a:endParaRPr lang="zh-CN" altLang="en-US" sz="1100" dirty="0">
-                        <a:latin typeface="Courier New" panose="02070309020205020404" pitchFamily="49" charset="0"/>
-                        <a:cs typeface="Courier New" panose="02070309020205020404" pitchFamily="49" charset="0"/>
+                        <a:latin typeface="Times New Roman" panose="02020603050405020304" pitchFamily="18" charset="0"/>
+                        <a:cs typeface="Times New Roman" panose="02020603050405020304" pitchFamily="18" charset="0"/>
                       </a:endParaRPr>
                     </a:p>
                   </a:txBody>
@@ -3896,11 +3898,11 @@
                 </a:tc>
                 <a:extLst>
                   <a:ext uri="{0D108BD9-81ED-4DB2-BD59-A6C34878D82A}">
-                    <a16:rowId xmlns="" xmlns:a16="http://schemas.microsoft.com/office/drawing/2014/main" val="491477770"/>
+                    <a16:rowId xmlns:a16="http://schemas.microsoft.com/office/drawing/2014/main" xmlns="" val="491477770"/>
                   </a:ext>
                 </a:extLst>
               </a:tr>
-              <a:tr h="4422808">
+              <a:tr h="3824550">
                 <a:tc>
                   <a:txBody>
                     <a:bodyPr/>
@@ -3909,14 +3911,14 @@
                       <a:pPr marR="0" algn="ctr" rtl="0"/>
                       <a:r>
                         <a:rPr lang="en-US" altLang="zh-CN" sz="1100" dirty="0">
-                          <a:latin typeface="Courier New" panose="02070309020205020404" pitchFamily="49" charset="0"/>
-                          <a:cs typeface="Courier New" panose="02070309020205020404" pitchFamily="49" charset="0"/>
+                          <a:latin typeface="Times New Roman" panose="02020603050405020304" pitchFamily="18" charset="0"/>
+                          <a:cs typeface="Times New Roman" panose="02020603050405020304" pitchFamily="18" charset="0"/>
                         </a:rPr>
                         <a:t>2</a:t>
                       </a:r>
                       <a:endParaRPr lang="zh-CN" altLang="en-US" sz="1100" dirty="0">
-                        <a:latin typeface="Courier New" panose="02070309020205020404" pitchFamily="49" charset="0"/>
-                        <a:cs typeface="Courier New" panose="02070309020205020404" pitchFamily="49" charset="0"/>
+                        <a:latin typeface="Times New Roman" panose="02020603050405020304" pitchFamily="18" charset="0"/>
+                        <a:cs typeface="Times New Roman" panose="02020603050405020304" pitchFamily="18" charset="0"/>
                       </a:endParaRPr>
                     </a:p>
                   </a:txBody>
@@ -5226,7 +5228,7 @@
                 </a:tc>
                 <a:extLst>
                   <a:ext uri="{0D108BD9-81ED-4DB2-BD59-A6C34878D82A}">
-                    <a16:rowId xmlns="" xmlns:a16="http://schemas.microsoft.com/office/drawing/2014/main" val="2969912682"/>
+                    <a16:rowId xmlns:a16="http://schemas.microsoft.com/office/drawing/2014/main" xmlns="" val="2969912682"/>
                   </a:ext>
                 </a:extLst>
               </a:tr>
@@ -5239,14 +5241,14 @@
                       <a:pPr marR="0" algn="ctr" rtl="0"/>
                       <a:r>
                         <a:rPr lang="en-US" altLang="zh-CN" sz="1100" dirty="0">
-                          <a:latin typeface="Courier New" panose="02070309020205020404" pitchFamily="49" charset="0"/>
-                          <a:cs typeface="Courier New" panose="02070309020205020404" pitchFamily="49" charset="0"/>
+                          <a:latin typeface="Times New Roman" panose="02020603050405020304" pitchFamily="18" charset="0"/>
+                          <a:cs typeface="Times New Roman" panose="02020603050405020304" pitchFamily="18" charset="0"/>
                         </a:rPr>
                         <a:t>3</a:t>
                       </a:r>
                       <a:endParaRPr lang="zh-CN" altLang="en-US" sz="1100" dirty="0">
-                        <a:latin typeface="Courier New" panose="02070309020205020404" pitchFamily="49" charset="0"/>
-                        <a:cs typeface="Courier New" panose="02070309020205020404" pitchFamily="49" charset="0"/>
+                        <a:latin typeface="Times New Roman" panose="02020603050405020304" pitchFamily="18" charset="0"/>
+                        <a:cs typeface="Times New Roman" panose="02020603050405020304" pitchFamily="18" charset="0"/>
                       </a:endParaRPr>
                     </a:p>
                   </a:txBody>
@@ -6236,9 +6238,1325 @@
                 </a:tc>
                 <a:extLst>
                   <a:ext uri="{0D108BD9-81ED-4DB2-BD59-A6C34878D82A}">
-                    <a16:rowId xmlns="" xmlns:a16="http://schemas.microsoft.com/office/drawing/2014/main" val="1325939187"/>
+                    <a16:rowId xmlns:a16="http://schemas.microsoft.com/office/drawing/2014/main" xmlns="" val="1325939187"/>
                   </a:ext>
                 </a:extLst>
+              </a:tr>
+              <a:tr h="766689">
+                <a:tc>
+                  <a:txBody>
+                    <a:bodyPr/>
+                    <a:lstStyle/>
+                    <a:p>
+                      <a:pPr marR="0" algn="ctr" rtl="0"/>
+                      <a:r>
+                        <a:rPr lang="en-US" altLang="zh-CN" sz="1100" dirty="0" smtClean="0">
+                          <a:latin typeface="Times New Roman" panose="02020603050405020304" pitchFamily="18" charset="0"/>
+                          <a:cs typeface="Times New Roman" panose="02020603050405020304" pitchFamily="18" charset="0"/>
+                        </a:rPr>
+                        <a:t>4</a:t>
+                      </a:r>
+                      <a:endParaRPr lang="zh-CN" altLang="en-US" sz="1100" dirty="0">
+                        <a:latin typeface="Times New Roman" panose="02020603050405020304" pitchFamily="18" charset="0"/>
+                        <a:cs typeface="Times New Roman" panose="02020603050405020304" pitchFamily="18" charset="0"/>
+                      </a:endParaRPr>
+                    </a:p>
+                  </a:txBody>
+                  <a:tcPr anchor="ctr"/>
+                </a:tc>
+                <a:tc>
+                  <a:txBody>
+                    <a:bodyPr/>
+                    <a:lstStyle/>
+                    <a:p>
+                      <a:pPr marR="0" algn="l" rtl="0"/>
+                      <a:r>
+                        <a:rPr lang="en-US" altLang="zh-CN" sz="1100" dirty="0">
+                          <a:solidFill>
+                            <a:srgbClr val="C00000"/>
+                          </a:solidFill>
+                          <a:latin typeface="Courier New" panose="02070309020205020404" pitchFamily="49" charset="0"/>
+                          <a:cs typeface="Courier New" panose="02070309020205020404" pitchFamily="49" charset="0"/>
+                        </a:rPr>
+                        <a:t>-public </a:t>
+                      </a:r>
+                      <a:r>
+                        <a:rPr lang="en-US" altLang="zh-CN" sz="1100" dirty="0" err="1">
+                          <a:solidFill>
+                            <a:srgbClr val="C00000"/>
+                          </a:solidFill>
+                          <a:latin typeface="Courier New" panose="02070309020205020404" pitchFamily="49" charset="0"/>
+                          <a:cs typeface="Courier New" panose="02070309020205020404" pitchFamily="49" charset="0"/>
+                        </a:rPr>
+                        <a:t>boolean</a:t>
+                      </a:r>
+                      <a:r>
+                        <a:rPr lang="en-US" altLang="zh-CN" sz="1100" dirty="0">
+                          <a:solidFill>
+                            <a:srgbClr val="C00000"/>
+                          </a:solidFill>
+                          <a:latin typeface="Courier New" panose="02070309020205020404" pitchFamily="49" charset="0"/>
+                          <a:cs typeface="Courier New" panose="02070309020205020404" pitchFamily="49" charset="0"/>
+                        </a:rPr>
+                        <a:t> </a:t>
+                      </a:r>
+                      <a:r>
+                        <a:rPr lang="en-US" altLang="zh-CN" sz="1100" dirty="0" err="1">
+                          <a:solidFill>
+                            <a:srgbClr val="C00000"/>
+                          </a:solidFill>
+                          <a:latin typeface="Courier New" panose="02070309020205020404" pitchFamily="49" charset="0"/>
+                          <a:cs typeface="Courier New" panose="02070309020205020404" pitchFamily="49" charset="0"/>
+                        </a:rPr>
+                        <a:t>isAccessed</a:t>
+                      </a:r>
+                      <a:r>
+                        <a:rPr lang="en-US" altLang="zh-CN" sz="1100" dirty="0">
+                          <a:solidFill>
+                            <a:srgbClr val="C00000"/>
+                          </a:solidFill>
+                          <a:latin typeface="Courier New" panose="02070309020205020404" pitchFamily="49" charset="0"/>
+                          <a:cs typeface="Courier New" panose="02070309020205020404" pitchFamily="49" charset="0"/>
+                        </a:rPr>
+                        <a:t>() {</a:t>
+                      </a:r>
+                    </a:p>
+                    <a:p>
+                      <a:pPr marR="0" algn="l" rtl="0"/>
+                      <a:r>
+                        <a:rPr lang="en-US" altLang="zh-CN" sz="1100" dirty="0">
+                          <a:latin typeface="Courier New" panose="02070309020205020404" pitchFamily="49" charset="0"/>
+                          <a:cs typeface="Courier New" panose="02070309020205020404" pitchFamily="49" charset="0"/>
+                        </a:rPr>
+                        <a:t>   return </a:t>
+                      </a:r>
+                      <a:r>
+                        <a:rPr lang="en-US" altLang="zh-CN" sz="1100" dirty="0" err="1">
+                          <a:latin typeface="Courier New" panose="02070309020205020404" pitchFamily="49" charset="0"/>
+                          <a:cs typeface="Courier New" panose="02070309020205020404" pitchFamily="49" charset="0"/>
+                        </a:rPr>
+                        <a:t>this.accessed</a:t>
+                      </a:r>
+                      <a:r>
+                        <a:rPr lang="en-US" altLang="zh-CN" sz="1100" dirty="0">
+                          <a:latin typeface="Courier New" panose="02070309020205020404" pitchFamily="49" charset="0"/>
+                          <a:cs typeface="Courier New" panose="02070309020205020404" pitchFamily="49" charset="0"/>
+                        </a:rPr>
+                        <a:t>;</a:t>
+                      </a:r>
+                    </a:p>
+                    <a:p>
+                      <a:pPr marR="0" algn="l" rtl="0"/>
+                      <a:r>
+                        <a:rPr lang="en-US" altLang="zh-CN" sz="1100" dirty="0">
+                          <a:latin typeface="Courier New" panose="02070309020205020404" pitchFamily="49" charset="0"/>
+                          <a:cs typeface="Courier New" panose="02070309020205020404" pitchFamily="49" charset="0"/>
+                        </a:rPr>
+                        <a:t> }</a:t>
+                      </a:r>
+                    </a:p>
+                  </a:txBody>
+                  <a:tcPr/>
+                </a:tc>
+                <a:tc>
+                  <a:txBody>
+                    <a:bodyPr/>
+                    <a:lstStyle/>
+                    <a:p>
+                      <a:pPr marR="0" algn="l" rtl="0"/>
+                      <a:r>
+                        <a:rPr lang="en-US" altLang="zh-CN" sz="1100" dirty="0">
+                          <a:solidFill>
+                            <a:srgbClr val="0070C0"/>
+                          </a:solidFill>
+                          <a:latin typeface="Courier New" panose="02070309020205020404" pitchFamily="49" charset="0"/>
+                          <a:cs typeface="Courier New" panose="02070309020205020404" pitchFamily="49" charset="0"/>
+                        </a:rPr>
+                        <a:t>+public synchronized </a:t>
+                      </a:r>
+                      <a:r>
+                        <a:rPr lang="en-US" altLang="zh-CN" sz="1100" dirty="0" err="1">
+                          <a:solidFill>
+                            <a:srgbClr val="0070C0"/>
+                          </a:solidFill>
+                          <a:latin typeface="Courier New" panose="02070309020205020404" pitchFamily="49" charset="0"/>
+                          <a:cs typeface="Courier New" panose="02070309020205020404" pitchFamily="49" charset="0"/>
+                        </a:rPr>
+                        <a:t>boolean</a:t>
+                      </a:r>
+                      <a:r>
+                        <a:rPr lang="en-US" altLang="zh-CN" sz="1100" dirty="0">
+                          <a:solidFill>
+                            <a:srgbClr val="0070C0"/>
+                          </a:solidFill>
+                          <a:latin typeface="Courier New" panose="02070309020205020404" pitchFamily="49" charset="0"/>
+                          <a:cs typeface="Courier New" panose="02070309020205020404" pitchFamily="49" charset="0"/>
+                        </a:rPr>
+                        <a:t> </a:t>
+                      </a:r>
+                      <a:r>
+                        <a:rPr lang="en-US" altLang="zh-CN" sz="1100" dirty="0" err="1">
+                          <a:solidFill>
+                            <a:srgbClr val="0070C0"/>
+                          </a:solidFill>
+                          <a:latin typeface="Courier New" panose="02070309020205020404" pitchFamily="49" charset="0"/>
+                          <a:cs typeface="Courier New" panose="02070309020205020404" pitchFamily="49" charset="0"/>
+                        </a:rPr>
+                        <a:t>isAccessed</a:t>
+                      </a:r>
+                      <a:r>
+                        <a:rPr lang="en-US" altLang="zh-CN" sz="1100" dirty="0">
+                          <a:solidFill>
+                            <a:srgbClr val="0070C0"/>
+                          </a:solidFill>
+                          <a:latin typeface="Courier New" panose="02070309020205020404" pitchFamily="49" charset="0"/>
+                          <a:cs typeface="Courier New" panose="02070309020205020404" pitchFamily="49" charset="0"/>
+                        </a:rPr>
+                        <a:t>() {</a:t>
+                      </a:r>
+                    </a:p>
+                    <a:p>
+                      <a:pPr marR="0" algn="l" rtl="0"/>
+                      <a:r>
+                        <a:rPr lang="en-US" altLang="zh-CN" sz="1100" dirty="0">
+                          <a:latin typeface="Courier New" panose="02070309020205020404" pitchFamily="49" charset="0"/>
+                          <a:cs typeface="Courier New" panose="02070309020205020404" pitchFamily="49" charset="0"/>
+                        </a:rPr>
+                        <a:t>   return </a:t>
+                      </a:r>
+                      <a:r>
+                        <a:rPr lang="en-US" altLang="zh-CN" sz="1100" dirty="0" err="1">
+                          <a:latin typeface="Courier New" panose="02070309020205020404" pitchFamily="49" charset="0"/>
+                          <a:cs typeface="Courier New" panose="02070309020205020404" pitchFamily="49" charset="0"/>
+                        </a:rPr>
+                        <a:t>this.accessed</a:t>
+                      </a:r>
+                      <a:r>
+                        <a:rPr lang="en-US" altLang="zh-CN" sz="1100" dirty="0">
+                          <a:latin typeface="Courier New" panose="02070309020205020404" pitchFamily="49" charset="0"/>
+                          <a:cs typeface="Courier New" panose="02070309020205020404" pitchFamily="49" charset="0"/>
+                        </a:rPr>
+                        <a:t>;</a:t>
+                      </a:r>
+                    </a:p>
+                    <a:p>
+                      <a:pPr marR="0" algn="l" rtl="0"/>
+                      <a:r>
+                        <a:rPr lang="en-US" altLang="zh-CN" sz="1100" dirty="0">
+                          <a:latin typeface="Courier New" panose="02070309020205020404" pitchFamily="49" charset="0"/>
+                          <a:cs typeface="Courier New" panose="02070309020205020404" pitchFamily="49" charset="0"/>
+                        </a:rPr>
+                        <a:t> }</a:t>
+                      </a:r>
+                      <a:endParaRPr lang="zh-CN" altLang="en-US" sz="1100" dirty="0">
+                        <a:latin typeface="Courier New" panose="02070309020205020404" pitchFamily="49" charset="0"/>
+                        <a:cs typeface="Courier New" panose="02070309020205020404" pitchFamily="49" charset="0"/>
+                      </a:endParaRPr>
+                    </a:p>
+                  </a:txBody>
+                  <a:tcPr/>
+                </a:tc>
+                <a:tc>
+                  <a:txBody>
+                    <a:bodyPr/>
+                    <a:lstStyle/>
+                    <a:p>
+                      <a:pPr marR="0" algn="l" rtl="0"/>
+                      <a:r>
+                        <a:rPr lang="en-US" altLang="zh-CN" sz="1100" dirty="0">
+                          <a:latin typeface="Courier New" panose="02070309020205020404" pitchFamily="49" charset="0"/>
+                          <a:cs typeface="Courier New" panose="02070309020205020404" pitchFamily="49" charset="0"/>
+                        </a:rPr>
+                        <a:t>void foo() {</a:t>
+                      </a:r>
+                    </a:p>
+                    <a:p>
+                      <a:pPr marR="0" algn="l" rtl="0"/>
+                      <a:r>
+                        <a:rPr lang="en-US" altLang="zh-CN" sz="1100" dirty="0">
+                          <a:latin typeface="Courier New" panose="02070309020205020404" pitchFamily="49" charset="0"/>
+                          <a:cs typeface="Courier New" panose="02070309020205020404" pitchFamily="49" charset="0"/>
+                        </a:rPr>
+                        <a:t>  ...</a:t>
+                      </a:r>
+                    </a:p>
+                    <a:p>
+                      <a:pPr marR="0" algn="l" rtl="0"/>
+                      <a:r>
+                        <a:rPr lang="en-US" altLang="zh-CN" sz="1100" dirty="0">
+                          <a:latin typeface="Courier New" panose="02070309020205020404" pitchFamily="49" charset="0"/>
+                          <a:cs typeface="Courier New" panose="02070309020205020404" pitchFamily="49" charset="0"/>
+                        </a:rPr>
+                        <a:t>}</a:t>
+                      </a:r>
+                      <a:endParaRPr lang="zh-CN" altLang="en-US" sz="1100" dirty="0">
+                        <a:latin typeface="Courier New" panose="02070309020205020404" pitchFamily="49" charset="0"/>
+                        <a:cs typeface="Courier New" panose="02070309020205020404" pitchFamily="49" charset="0"/>
+                      </a:endParaRPr>
+                    </a:p>
+                  </a:txBody>
+                  <a:tcPr anchor="ctr"/>
+                </a:tc>
+                <a:tc>
+                  <a:txBody>
+                    <a:bodyPr/>
+                    <a:lstStyle/>
+                    <a:p>
+                      <a:pPr marR="0" algn="l" rtl="0"/>
+                      <a:r>
+                        <a:rPr lang="en-US" altLang="zh-CN" sz="1100" dirty="0">
+                          <a:latin typeface="Courier New" panose="02070309020205020404" pitchFamily="49" charset="0"/>
+                          <a:cs typeface="Courier New" panose="02070309020205020404" pitchFamily="49" charset="0"/>
+                        </a:rPr>
+                        <a:t>synchronized void foo() {</a:t>
+                      </a:r>
+                    </a:p>
+                    <a:p>
+                      <a:pPr marR="0" algn="l" rtl="0"/>
+                      <a:r>
+                        <a:rPr lang="en-US" altLang="zh-CN" sz="1100" dirty="0">
+                          <a:latin typeface="Courier New" panose="02070309020205020404" pitchFamily="49" charset="0"/>
+                          <a:cs typeface="Courier New" panose="02070309020205020404" pitchFamily="49" charset="0"/>
+                        </a:rPr>
+                        <a:t>  ...</a:t>
+                      </a:r>
+                    </a:p>
+                    <a:p>
+                      <a:pPr marR="0" algn="l" rtl="0"/>
+                      <a:r>
+                        <a:rPr lang="en-US" altLang="zh-CN" sz="1100" dirty="0">
+                          <a:latin typeface="Courier New" panose="02070309020205020404" pitchFamily="49" charset="0"/>
+                          <a:cs typeface="Courier New" panose="02070309020205020404" pitchFamily="49" charset="0"/>
+                        </a:rPr>
+                        <a:t>}</a:t>
+                      </a:r>
+                      <a:endParaRPr lang="zh-CN" altLang="en-US" sz="1100" dirty="0">
+                        <a:latin typeface="Courier New" panose="02070309020205020404" pitchFamily="49" charset="0"/>
+                        <a:cs typeface="Courier New" panose="02070309020205020404" pitchFamily="49" charset="0"/>
+                      </a:endParaRPr>
+                    </a:p>
+                  </a:txBody>
+                  <a:tcPr anchor="ctr"/>
+                </a:tc>
+              </a:tr>
+              <a:tr h="2117188">
+                <a:tc>
+                  <a:txBody>
+                    <a:bodyPr/>
+                    <a:lstStyle/>
+                    <a:p>
+                      <a:pPr marR="0" algn="ctr" rtl="0"/>
+                      <a:r>
+                        <a:rPr lang="en-US" altLang="zh-CN" sz="1100" dirty="0" smtClean="0">
+                          <a:latin typeface="Times New Roman" panose="02020603050405020304" pitchFamily="18" charset="0"/>
+                          <a:cs typeface="Times New Roman" panose="02020603050405020304" pitchFamily="18" charset="0"/>
+                        </a:rPr>
+                        <a:t>5</a:t>
+                      </a:r>
+                      <a:endParaRPr lang="zh-CN" altLang="en-US" sz="1100" dirty="0">
+                        <a:latin typeface="Times New Roman" panose="02020603050405020304" pitchFamily="18" charset="0"/>
+                        <a:cs typeface="Times New Roman" panose="02020603050405020304" pitchFamily="18" charset="0"/>
+                      </a:endParaRPr>
+                    </a:p>
+                  </a:txBody>
+                  <a:tcPr anchor="ctr"/>
+                </a:tc>
+                <a:tc>
+                  <a:txBody>
+                    <a:bodyPr/>
+                    <a:lstStyle/>
+                    <a:p>
+                      <a:pPr marR="0" algn="l" rtl="0"/>
+                      <a:r>
+                        <a:rPr lang="en-US" altLang="zh-CN" sz="1100" dirty="0">
+                          <a:solidFill>
+                            <a:srgbClr val="C00000"/>
+                          </a:solidFill>
+                          <a:latin typeface="Courier New" panose="02070309020205020404" pitchFamily="49" charset="0"/>
+                          <a:cs typeface="Courier New" panose="02070309020205020404" pitchFamily="49" charset="0"/>
+                        </a:rPr>
+                        <a:t>-synchronized (</a:t>
+                      </a:r>
+                      <a:r>
+                        <a:rPr lang="en-US" altLang="zh-CN" sz="1100" dirty="0" err="1">
+                          <a:solidFill>
+                            <a:srgbClr val="C00000"/>
+                          </a:solidFill>
+                          <a:latin typeface="Courier New" panose="02070309020205020404" pitchFamily="49" charset="0"/>
+                          <a:cs typeface="Courier New" panose="02070309020205020404" pitchFamily="49" charset="0"/>
+                        </a:rPr>
+                        <a:t>this.channelLookup</a:t>
+                      </a:r>
+                      <a:r>
+                        <a:rPr lang="en-US" altLang="zh-CN" sz="1100" dirty="0">
+                          <a:solidFill>
+                            <a:srgbClr val="C00000"/>
+                          </a:solidFill>
+                          <a:latin typeface="Courier New" panose="02070309020205020404" pitchFamily="49" charset="0"/>
+                          <a:cs typeface="Courier New" panose="02070309020205020404" pitchFamily="49" charset="0"/>
+                        </a:rPr>
+                        <a:t>) {</a:t>
+                      </a:r>
+                    </a:p>
+                    <a:p>
+                      <a:pPr marR="0" algn="l" rtl="0"/>
+                      <a:r>
+                        <a:rPr lang="en-US" altLang="zh-CN" sz="1100" dirty="0">
+                          <a:solidFill>
+                            <a:srgbClr val="C00000"/>
+                          </a:solidFill>
+                          <a:latin typeface="Courier New" panose="02070309020205020404" pitchFamily="49" charset="0"/>
+                          <a:cs typeface="Courier New" panose="02070309020205020404" pitchFamily="49" charset="0"/>
+                        </a:rPr>
+                        <a:t>-  try{</a:t>
+                      </a:r>
+                    </a:p>
+                    <a:p>
+                      <a:pPr marL="0" marR="0" indent="0" algn="l" rtl="0">
+                        <a:buFontTx/>
+                        <a:buNone/>
+                      </a:pPr>
+                      <a:r>
+                        <a:rPr lang="en-US" altLang="zh-CN" sz="1100" dirty="0">
+                          <a:latin typeface="Courier New" panose="02070309020205020404" pitchFamily="49" charset="0"/>
+                          <a:cs typeface="Courier New" panose="02070309020205020404" pitchFamily="49" charset="0"/>
+                        </a:rPr>
+                        <a:t>     </a:t>
+                      </a:r>
+                      <a:r>
+                        <a:rPr lang="en-US" altLang="zh-CN" sz="1100" dirty="0" err="1">
+                          <a:latin typeface="Courier New" panose="02070309020205020404" pitchFamily="49" charset="0"/>
+                          <a:cs typeface="Courier New" panose="02070309020205020404" pitchFamily="49" charset="0"/>
+                        </a:rPr>
+                        <a:t>lookupResponse</a:t>
+                      </a:r>
+                      <a:r>
+                        <a:rPr lang="en-US" altLang="zh-CN" sz="1100" dirty="0">
+                          <a:latin typeface="Courier New" panose="02070309020205020404" pitchFamily="49" charset="0"/>
+                          <a:cs typeface="Courier New" panose="02070309020205020404" pitchFamily="49" charset="0"/>
+                        </a:rPr>
+                        <a:t> = </a:t>
+                      </a:r>
+                      <a:r>
+                        <a:rPr lang="en-US" altLang="zh-CN" sz="1100" dirty="0" err="1">
+                          <a:latin typeface="Courier New" panose="02070309020205020404" pitchFamily="49" charset="0"/>
+                          <a:cs typeface="Courier New" panose="02070309020205020404" pitchFamily="49" charset="0"/>
+                        </a:rPr>
+                        <a:t>AkkaUtils</a:t>
+                      </a:r>
+                      <a:r>
+                        <a:rPr lang="en-US" altLang="zh-CN" sz="1100" dirty="0">
+                          <a:latin typeface="Courier New" panose="02070309020205020404" pitchFamily="49" charset="0"/>
+                          <a:cs typeface="Courier New" panose="02070309020205020404" pitchFamily="49" charset="0"/>
+                        </a:rPr>
+                        <a:t>. &lt;</a:t>
+                      </a:r>
+                      <a:r>
+                        <a:rPr lang="en-US" altLang="zh-CN" sz="1100" dirty="0" err="1">
+                          <a:latin typeface="Courier New" panose="02070309020205020404" pitchFamily="49" charset="0"/>
+                          <a:cs typeface="Courier New" panose="02070309020205020404" pitchFamily="49" charset="0"/>
+                        </a:rPr>
+                        <a:t>JobManagerMessages.ConnectionInformation</a:t>
+                      </a:r>
+                      <a:r>
+                        <a:rPr lang="en-US" altLang="zh-CN" sz="1100" dirty="0">
+                          <a:latin typeface="Courier New" panose="02070309020205020404" pitchFamily="49" charset="0"/>
+                          <a:cs typeface="Courier New" panose="02070309020205020404" pitchFamily="49" charset="0"/>
+                        </a:rPr>
+                        <a:t>&gt;ask(</a:t>
+                      </a:r>
+                      <a:r>
+                        <a:rPr lang="en-US" altLang="zh-CN" sz="1100" dirty="0" err="1">
+                          <a:latin typeface="Courier New" panose="02070309020205020404" pitchFamily="49" charset="0"/>
+                          <a:cs typeface="Courier New" panose="02070309020205020404" pitchFamily="49" charset="0"/>
+                        </a:rPr>
+                        <a:t>channelLookup</a:t>
+                      </a:r>
+                      <a:r>
+                        <a:rPr lang="en-US" altLang="zh-CN" sz="1100" dirty="0">
+                          <a:latin typeface="Courier New" panose="02070309020205020404" pitchFamily="49" charset="0"/>
+                          <a:cs typeface="Courier New" panose="02070309020205020404" pitchFamily="49" charset="0"/>
+                        </a:rPr>
+                        <a:t>, new </a:t>
+                      </a:r>
+                      <a:r>
+                        <a:rPr lang="en-US" altLang="zh-CN" sz="1100" dirty="0" err="1">
+                          <a:latin typeface="Courier New" panose="02070309020205020404" pitchFamily="49" charset="0"/>
+                          <a:cs typeface="Courier New" panose="02070309020205020404" pitchFamily="49" charset="0"/>
+                        </a:rPr>
+                        <a:t>JobManagerMessages.LookupConnectionInformation</a:t>
+                      </a:r>
+                      <a:r>
+                        <a:rPr lang="en-US" altLang="zh-CN" sz="1100" dirty="0">
+                          <a:latin typeface="Courier New" panose="02070309020205020404" pitchFamily="49" charset="0"/>
+                          <a:cs typeface="Courier New" panose="02070309020205020404" pitchFamily="49" charset="0"/>
+                        </a:rPr>
+                        <a:t>(</a:t>
+                      </a:r>
+                      <a:r>
+                        <a:rPr lang="en-US" altLang="zh-CN" sz="1100" dirty="0" err="1">
+                          <a:latin typeface="Courier New" panose="02070309020205020404" pitchFamily="49" charset="0"/>
+                          <a:cs typeface="Courier New" panose="02070309020205020404" pitchFamily="49" charset="0"/>
+                        </a:rPr>
+                        <a:t>connectionInfo</a:t>
+                      </a:r>
+                      <a:r>
+                        <a:rPr lang="en-US" altLang="zh-CN" sz="1100" dirty="0">
+                          <a:latin typeface="Courier New" panose="02070309020205020404" pitchFamily="49" charset="0"/>
+                          <a:cs typeface="Courier New" panose="02070309020205020404" pitchFamily="49" charset="0"/>
+                        </a:rPr>
+                        <a:t>, </a:t>
+                      </a:r>
+                      <a:r>
+                        <a:rPr lang="en-US" altLang="zh-CN" sz="1100" dirty="0" err="1">
+                          <a:latin typeface="Courier New" panose="02070309020205020404" pitchFamily="49" charset="0"/>
+                          <a:cs typeface="Courier New" panose="02070309020205020404" pitchFamily="49" charset="0"/>
+                        </a:rPr>
+                        <a:t>jobID</a:t>
+                      </a:r>
+                      <a:r>
+                        <a:rPr lang="en-US" altLang="zh-CN" sz="1100" dirty="0">
+                          <a:latin typeface="Courier New" panose="02070309020205020404" pitchFamily="49" charset="0"/>
+                          <a:cs typeface="Courier New" panose="02070309020205020404" pitchFamily="49" charset="0"/>
+                        </a:rPr>
+                        <a:t>, </a:t>
+                      </a:r>
+                      <a:r>
+                        <a:rPr lang="en-US" altLang="zh-CN" sz="1100" dirty="0" err="1">
+                          <a:latin typeface="Courier New" panose="02070309020205020404" pitchFamily="49" charset="0"/>
+                          <a:cs typeface="Courier New" panose="02070309020205020404" pitchFamily="49" charset="0"/>
+                        </a:rPr>
+                        <a:t>sourceChannelID</a:t>
+                      </a:r>
+                      <a:r>
+                        <a:rPr lang="en-US" altLang="zh-CN" sz="1100" dirty="0">
+                          <a:latin typeface="Courier New" panose="02070309020205020404" pitchFamily="49" charset="0"/>
+                          <a:cs typeface="Courier New" panose="02070309020205020404" pitchFamily="49" charset="0"/>
+                        </a:rPr>
+                        <a:t>), timeout).response();</a:t>
+                      </a:r>
+                    </a:p>
+                    <a:p>
+                      <a:pPr marR="0" algn="l" rtl="0"/>
+                      <a:r>
+                        <a:rPr lang="en-US" altLang="zh-CN" sz="1100" dirty="0">
+                          <a:solidFill>
+                            <a:srgbClr val="C00000"/>
+                          </a:solidFill>
+                          <a:latin typeface="Courier New" panose="02070309020205020404" pitchFamily="49" charset="0"/>
+                          <a:cs typeface="Courier New" panose="02070309020205020404" pitchFamily="49" charset="0"/>
+                        </a:rPr>
+                        <a:t>-  }catch(</a:t>
+                      </a:r>
+                      <a:r>
+                        <a:rPr lang="en-US" altLang="zh-CN" sz="1100" dirty="0" err="1">
+                          <a:solidFill>
+                            <a:srgbClr val="C00000"/>
+                          </a:solidFill>
+                          <a:latin typeface="Courier New" panose="02070309020205020404" pitchFamily="49" charset="0"/>
+                          <a:cs typeface="Courier New" panose="02070309020205020404" pitchFamily="49" charset="0"/>
+                        </a:rPr>
+                        <a:t>IOException</a:t>
+                      </a:r>
+                      <a:r>
+                        <a:rPr lang="en-US" altLang="zh-CN" sz="1100" dirty="0">
+                          <a:solidFill>
+                            <a:srgbClr val="C00000"/>
+                          </a:solidFill>
+                          <a:latin typeface="Courier New" panose="02070309020205020404" pitchFamily="49" charset="0"/>
+                          <a:cs typeface="Courier New" panose="02070309020205020404" pitchFamily="49" charset="0"/>
+                        </a:rPr>
+                        <a:t> </a:t>
+                      </a:r>
+                      <a:r>
+                        <a:rPr lang="en-US" altLang="zh-CN" sz="1100" dirty="0" err="1">
+                          <a:solidFill>
+                            <a:srgbClr val="C00000"/>
+                          </a:solidFill>
+                          <a:latin typeface="Courier New" panose="02070309020205020404" pitchFamily="49" charset="0"/>
+                          <a:cs typeface="Courier New" panose="02070309020205020404" pitchFamily="49" charset="0"/>
+                        </a:rPr>
+                        <a:t>ioe</a:t>
+                      </a:r>
+                      <a:r>
+                        <a:rPr lang="en-US" altLang="zh-CN" sz="1100" dirty="0">
+                          <a:solidFill>
+                            <a:srgbClr val="C00000"/>
+                          </a:solidFill>
+                          <a:latin typeface="Courier New" panose="02070309020205020404" pitchFamily="49" charset="0"/>
+                          <a:cs typeface="Courier New" panose="02070309020205020404" pitchFamily="49" charset="0"/>
+                        </a:rPr>
+                        <a:t>) {</a:t>
+                      </a:r>
+                    </a:p>
+                    <a:p>
+                      <a:pPr marR="0" algn="l" rtl="0"/>
+                      <a:r>
+                        <a:rPr lang="en-US" altLang="zh-CN" sz="1100" dirty="0">
+                          <a:solidFill>
+                            <a:srgbClr val="C00000"/>
+                          </a:solidFill>
+                          <a:latin typeface="Courier New" panose="02070309020205020404" pitchFamily="49" charset="0"/>
+                          <a:cs typeface="Courier New" panose="02070309020205020404" pitchFamily="49" charset="0"/>
+                        </a:rPr>
+                        <a:t>-    throw </a:t>
+                      </a:r>
+                      <a:r>
+                        <a:rPr lang="en-US" altLang="zh-CN" sz="1100" dirty="0" err="1">
+                          <a:solidFill>
+                            <a:srgbClr val="C00000"/>
+                          </a:solidFill>
+                          <a:latin typeface="Courier New" panose="02070309020205020404" pitchFamily="49" charset="0"/>
+                          <a:cs typeface="Courier New" panose="02070309020205020404" pitchFamily="49" charset="0"/>
+                        </a:rPr>
+                        <a:t>ioe</a:t>
+                      </a:r>
+                      <a:r>
+                        <a:rPr lang="en-US" altLang="zh-CN" sz="1100" dirty="0">
+                          <a:solidFill>
+                            <a:srgbClr val="C00000"/>
+                          </a:solidFill>
+                          <a:latin typeface="Courier New" panose="02070309020205020404" pitchFamily="49" charset="0"/>
+                          <a:cs typeface="Courier New" panose="02070309020205020404" pitchFamily="49" charset="0"/>
+                        </a:rPr>
+                        <a:t>;</a:t>
+                      </a:r>
+                    </a:p>
+                    <a:p>
+                      <a:pPr marR="0" algn="l" rtl="0"/>
+                      <a:r>
+                        <a:rPr lang="en-US" altLang="zh-CN" sz="1100" dirty="0">
+                          <a:solidFill>
+                            <a:srgbClr val="C00000"/>
+                          </a:solidFill>
+                          <a:latin typeface="Courier New" panose="02070309020205020404" pitchFamily="49" charset="0"/>
+                          <a:cs typeface="Courier New" panose="02070309020205020404" pitchFamily="49" charset="0"/>
+                        </a:rPr>
+                        <a:t>-  }</a:t>
+                      </a:r>
+                    </a:p>
+                    <a:p>
+                      <a:pPr marR="0" algn="l" rtl="0"/>
+                      <a:r>
+                        <a:rPr lang="en-US" altLang="zh-CN" sz="1100" dirty="0">
+                          <a:solidFill>
+                            <a:srgbClr val="C00000"/>
+                          </a:solidFill>
+                          <a:latin typeface="Courier New" panose="02070309020205020404" pitchFamily="49" charset="0"/>
+                          <a:cs typeface="Courier New" panose="02070309020205020404" pitchFamily="49" charset="0"/>
+                        </a:rPr>
+                        <a:t>-}</a:t>
+                      </a:r>
+                    </a:p>
+                  </a:txBody>
+                  <a:tcPr/>
+                </a:tc>
+                <a:tc>
+                  <a:txBody>
+                    <a:bodyPr/>
+                    <a:lstStyle/>
+                    <a:p>
+                      <a:pPr marL="0" marR="0" indent="0" algn="l" rtl="0">
+                        <a:buFontTx/>
+                        <a:buNone/>
+                      </a:pPr>
+                      <a:endParaRPr lang="en-US" altLang="zh-CN" sz="1100" dirty="0">
+                        <a:latin typeface="Courier New" panose="02070309020205020404" pitchFamily="49" charset="0"/>
+                        <a:cs typeface="Courier New" panose="02070309020205020404" pitchFamily="49" charset="0"/>
+                      </a:endParaRPr>
+                    </a:p>
+                    <a:p>
+                      <a:pPr marL="0" marR="0" indent="0" algn="l" rtl="0">
+                        <a:buFontTx/>
+                        <a:buNone/>
+                      </a:pPr>
+                      <a:endParaRPr lang="en-US" altLang="zh-CN" sz="1100" dirty="0">
+                        <a:latin typeface="Courier New" panose="02070309020205020404" pitchFamily="49" charset="0"/>
+                        <a:cs typeface="Courier New" panose="02070309020205020404" pitchFamily="49" charset="0"/>
+                      </a:endParaRPr>
+                    </a:p>
+                    <a:p>
+                      <a:pPr marL="0" marR="0" indent="0" algn="l" rtl="0">
+                        <a:buFontTx/>
+                        <a:buNone/>
+                      </a:pPr>
+                      <a:r>
+                        <a:rPr lang="en-US" altLang="zh-CN" sz="1100" dirty="0" err="1">
+                          <a:latin typeface="Courier New" panose="02070309020205020404" pitchFamily="49" charset="0"/>
+                          <a:cs typeface="Courier New" panose="02070309020205020404" pitchFamily="49" charset="0"/>
+                        </a:rPr>
+                        <a:t>lookupResponse</a:t>
+                      </a:r>
+                      <a:r>
+                        <a:rPr lang="en-US" altLang="zh-CN" sz="1100" dirty="0">
+                          <a:latin typeface="Courier New" panose="02070309020205020404" pitchFamily="49" charset="0"/>
+                          <a:cs typeface="Courier New" panose="02070309020205020404" pitchFamily="49" charset="0"/>
+                        </a:rPr>
+                        <a:t> = </a:t>
+                      </a:r>
+                      <a:r>
+                        <a:rPr lang="en-US" altLang="zh-CN" sz="1100" dirty="0" err="1">
+                          <a:latin typeface="Courier New" panose="02070309020205020404" pitchFamily="49" charset="0"/>
+                          <a:cs typeface="Courier New" panose="02070309020205020404" pitchFamily="49" charset="0"/>
+                        </a:rPr>
+                        <a:t>AkkaUtils</a:t>
+                      </a:r>
+                      <a:r>
+                        <a:rPr lang="en-US" altLang="zh-CN" sz="1100" dirty="0">
+                          <a:latin typeface="Courier New" panose="02070309020205020404" pitchFamily="49" charset="0"/>
+                          <a:cs typeface="Courier New" panose="02070309020205020404" pitchFamily="49" charset="0"/>
+                        </a:rPr>
+                        <a:t>. &lt;</a:t>
+                      </a:r>
+                      <a:r>
+                        <a:rPr lang="en-US" altLang="zh-CN" sz="1100" dirty="0" err="1">
+                          <a:latin typeface="Courier New" panose="02070309020205020404" pitchFamily="49" charset="0"/>
+                          <a:cs typeface="Courier New" panose="02070309020205020404" pitchFamily="49" charset="0"/>
+                        </a:rPr>
+                        <a:t>JobManagerMessages.ConnectionInformation</a:t>
+                      </a:r>
+                      <a:r>
+                        <a:rPr lang="en-US" altLang="zh-CN" sz="1100" dirty="0">
+                          <a:latin typeface="Courier New" panose="02070309020205020404" pitchFamily="49" charset="0"/>
+                          <a:cs typeface="Courier New" panose="02070309020205020404" pitchFamily="49" charset="0"/>
+                        </a:rPr>
+                        <a:t>&gt;ask(</a:t>
+                      </a:r>
+                      <a:r>
+                        <a:rPr lang="en-US" altLang="zh-CN" sz="1100" dirty="0" err="1">
+                          <a:latin typeface="Courier New" panose="02070309020205020404" pitchFamily="49" charset="0"/>
+                          <a:cs typeface="Courier New" panose="02070309020205020404" pitchFamily="49" charset="0"/>
+                        </a:rPr>
+                        <a:t>channelLookup</a:t>
+                      </a:r>
+                      <a:r>
+                        <a:rPr lang="en-US" altLang="zh-CN" sz="1100" dirty="0">
+                          <a:latin typeface="Courier New" panose="02070309020205020404" pitchFamily="49" charset="0"/>
+                          <a:cs typeface="Courier New" panose="02070309020205020404" pitchFamily="49" charset="0"/>
+                        </a:rPr>
+                        <a:t>, new </a:t>
+                      </a:r>
+                      <a:r>
+                        <a:rPr lang="en-US" altLang="zh-CN" sz="1100" dirty="0" err="1">
+                          <a:latin typeface="Courier New" panose="02070309020205020404" pitchFamily="49" charset="0"/>
+                          <a:cs typeface="Courier New" panose="02070309020205020404" pitchFamily="49" charset="0"/>
+                        </a:rPr>
+                        <a:t>JobManagerMessages.LookupConnectionInformation</a:t>
+                      </a:r>
+                      <a:r>
+                        <a:rPr lang="en-US" altLang="zh-CN" sz="1100" dirty="0">
+                          <a:latin typeface="Courier New" panose="02070309020205020404" pitchFamily="49" charset="0"/>
+                          <a:cs typeface="Courier New" panose="02070309020205020404" pitchFamily="49" charset="0"/>
+                        </a:rPr>
+                        <a:t>(  </a:t>
+                      </a:r>
+                      <a:r>
+                        <a:rPr lang="en-US" altLang="zh-CN" sz="1100" dirty="0" err="1">
+                          <a:latin typeface="Courier New" panose="02070309020205020404" pitchFamily="49" charset="0"/>
+                          <a:cs typeface="Courier New" panose="02070309020205020404" pitchFamily="49" charset="0"/>
+                        </a:rPr>
+                        <a:t>connectionInfo</a:t>
+                      </a:r>
+                      <a:r>
+                        <a:rPr lang="en-US" altLang="zh-CN" sz="1100" dirty="0">
+                          <a:latin typeface="Courier New" panose="02070309020205020404" pitchFamily="49" charset="0"/>
+                          <a:cs typeface="Courier New" panose="02070309020205020404" pitchFamily="49" charset="0"/>
+                        </a:rPr>
+                        <a:t>, </a:t>
+                      </a:r>
+                      <a:r>
+                        <a:rPr lang="en-US" altLang="zh-CN" sz="1100" dirty="0" err="1">
+                          <a:latin typeface="Courier New" panose="02070309020205020404" pitchFamily="49" charset="0"/>
+                          <a:cs typeface="Courier New" panose="02070309020205020404" pitchFamily="49" charset="0"/>
+                        </a:rPr>
+                        <a:t>jobID</a:t>
+                      </a:r>
+                      <a:r>
+                        <a:rPr lang="en-US" altLang="zh-CN" sz="1100" dirty="0">
+                          <a:latin typeface="Courier New" panose="02070309020205020404" pitchFamily="49" charset="0"/>
+                          <a:cs typeface="Courier New" panose="02070309020205020404" pitchFamily="49" charset="0"/>
+                        </a:rPr>
+                        <a:t>, </a:t>
+                      </a:r>
+                      <a:r>
+                        <a:rPr lang="en-US" altLang="zh-CN" sz="1100" dirty="0" err="1">
+                          <a:latin typeface="Courier New" panose="02070309020205020404" pitchFamily="49" charset="0"/>
+                          <a:cs typeface="Courier New" panose="02070309020205020404" pitchFamily="49" charset="0"/>
+                        </a:rPr>
+                        <a:t>sourceChannelID</a:t>
+                      </a:r>
+                      <a:r>
+                        <a:rPr lang="en-US" altLang="zh-CN" sz="1100" dirty="0">
+                          <a:latin typeface="Courier New" panose="02070309020205020404" pitchFamily="49" charset="0"/>
+                          <a:cs typeface="Courier New" panose="02070309020205020404" pitchFamily="49" charset="0"/>
+                        </a:rPr>
+                        <a:t>), timeout).response();</a:t>
+                      </a:r>
+                    </a:p>
+                  </a:txBody>
+                  <a:tcPr/>
+                </a:tc>
+                <a:tc>
+                  <a:txBody>
+                    <a:bodyPr/>
+                    <a:lstStyle/>
+                    <a:p>
+                      <a:pPr marR="0" algn="l" rtl="0"/>
+                      <a:r>
+                        <a:rPr lang="en-US" altLang="zh-CN" sz="1100" dirty="0">
+                          <a:latin typeface="Courier New" panose="02070309020205020404" pitchFamily="49" charset="0"/>
+                          <a:cs typeface="Courier New" panose="02070309020205020404" pitchFamily="49" charset="0"/>
+                        </a:rPr>
+                        <a:t>synchronized (</a:t>
+                      </a:r>
+                      <a:r>
+                        <a:rPr lang="en-US" altLang="zh-CN" sz="1100" dirty="0" err="1">
+                          <a:latin typeface="Courier New" panose="02070309020205020404" pitchFamily="49" charset="0"/>
+                          <a:cs typeface="Courier New" panose="02070309020205020404" pitchFamily="49" charset="0"/>
+                        </a:rPr>
+                        <a:t>obj</a:t>
+                      </a:r>
+                      <a:r>
+                        <a:rPr lang="en-US" altLang="zh-CN" sz="1100" dirty="0">
+                          <a:latin typeface="Courier New" panose="02070309020205020404" pitchFamily="49" charset="0"/>
+                          <a:cs typeface="Courier New" panose="02070309020205020404" pitchFamily="49" charset="0"/>
+                        </a:rPr>
+                        <a:t>) {</a:t>
+                      </a:r>
+                    </a:p>
+                    <a:p>
+                      <a:pPr marR="0" algn="l" rtl="0"/>
+                      <a:r>
+                        <a:rPr lang="en-US" altLang="zh-CN" sz="1100" dirty="0">
+                          <a:latin typeface="Courier New" panose="02070309020205020404" pitchFamily="49" charset="0"/>
+                          <a:cs typeface="Courier New" panose="02070309020205020404" pitchFamily="49" charset="0"/>
+                        </a:rPr>
+                        <a:t>  ...</a:t>
+                      </a:r>
+                    </a:p>
+                    <a:p>
+                      <a:pPr marR="0" algn="l" rtl="0"/>
+                      <a:r>
+                        <a:rPr lang="en-US" altLang="zh-CN" sz="1100" dirty="0">
+                          <a:latin typeface="Courier New" panose="02070309020205020404" pitchFamily="49" charset="0"/>
+                          <a:cs typeface="Courier New" panose="02070309020205020404" pitchFamily="49" charset="0"/>
+                        </a:rPr>
+                        <a:t>}</a:t>
+                      </a:r>
+                      <a:endParaRPr lang="zh-CN" altLang="en-US" sz="1100" dirty="0">
+                        <a:latin typeface="Courier New" panose="02070309020205020404" pitchFamily="49" charset="0"/>
+                        <a:cs typeface="Courier New" panose="02070309020205020404" pitchFamily="49" charset="0"/>
+                      </a:endParaRPr>
+                    </a:p>
+                  </a:txBody>
+                  <a:tcPr anchor="ctr"/>
+                </a:tc>
+                <a:tc>
+                  <a:txBody>
+                    <a:bodyPr/>
+                    <a:lstStyle/>
+                    <a:p>
+                      <a:pPr marR="0" algn="l" rtl="0"/>
+                      <a:r>
+                        <a:rPr lang="en-US" altLang="zh-CN" sz="1100" dirty="0">
+                          <a:latin typeface="Courier New" panose="02070309020205020404" pitchFamily="49" charset="0"/>
+                          <a:cs typeface="Courier New" panose="02070309020205020404" pitchFamily="49" charset="0"/>
+                        </a:rPr>
+                        <a:t>...</a:t>
+                      </a:r>
+                      <a:endParaRPr lang="zh-CN" altLang="en-US" sz="1100" dirty="0">
+                        <a:latin typeface="Courier New" panose="02070309020205020404" pitchFamily="49" charset="0"/>
+                        <a:cs typeface="Courier New" panose="02070309020205020404" pitchFamily="49" charset="0"/>
+                      </a:endParaRPr>
+                    </a:p>
+                  </a:txBody>
+                  <a:tcPr anchor="ctr"/>
+                </a:tc>
+              </a:tr>
+              <a:tr h="1441938">
+                <a:tc>
+                  <a:txBody>
+                    <a:bodyPr/>
+                    <a:lstStyle/>
+                    <a:p>
+                      <a:pPr marR="0" algn="ctr" rtl="0"/>
+                      <a:r>
+                        <a:rPr lang="en-US" altLang="zh-CN" sz="1100" dirty="0" smtClean="0">
+                          <a:latin typeface="Times New Roman" panose="02020603050405020304" pitchFamily="18" charset="0"/>
+                          <a:cs typeface="Times New Roman" panose="02020603050405020304" pitchFamily="18" charset="0"/>
+                        </a:rPr>
+                        <a:t>6</a:t>
+                      </a:r>
+                      <a:endParaRPr lang="zh-CN" altLang="en-US" sz="1100" dirty="0">
+                        <a:latin typeface="Times New Roman" panose="02020603050405020304" pitchFamily="18" charset="0"/>
+                        <a:cs typeface="Times New Roman" panose="02020603050405020304" pitchFamily="18" charset="0"/>
+                      </a:endParaRPr>
+                    </a:p>
+                  </a:txBody>
+                  <a:tcPr anchor="ctr"/>
+                </a:tc>
+                <a:tc>
+                  <a:txBody>
+                    <a:bodyPr/>
+                    <a:lstStyle/>
+                    <a:p>
+                      <a:pPr marR="0" algn="l" rtl="0"/>
+                      <a:r>
+                        <a:rPr lang="en-US" altLang="zh-CN" sz="1100" dirty="0">
+                          <a:solidFill>
+                            <a:schemeClr val="tx1"/>
+                          </a:solidFill>
+                          <a:latin typeface="Courier New" panose="02070309020205020404" pitchFamily="49" charset="0"/>
+                          <a:cs typeface="Courier New" panose="02070309020205020404" pitchFamily="49" charset="0"/>
+                        </a:rPr>
+                        <a:t> synchronized (buffers) {</a:t>
+                      </a:r>
+                    </a:p>
+                    <a:p>
+                      <a:pPr marR="0" algn="l" rtl="0"/>
+                      <a:r>
+                        <a:rPr lang="en-US" altLang="zh-CN" sz="1100" dirty="0">
+                          <a:solidFill>
+                            <a:schemeClr val="tx1"/>
+                          </a:solidFill>
+                          <a:latin typeface="Courier New" panose="02070309020205020404" pitchFamily="49" charset="0"/>
+                          <a:cs typeface="Courier New" panose="02070309020205020404" pitchFamily="49" charset="0"/>
+                        </a:rPr>
+                        <a:t>   if (...) {</a:t>
+                      </a:r>
+                    </a:p>
+                    <a:p>
+                      <a:pPr marR="0" algn="l" rtl="0"/>
+                      <a:r>
+                        <a:rPr lang="en-US" altLang="zh-CN" sz="1100" dirty="0">
+                          <a:solidFill>
+                            <a:srgbClr val="C00000"/>
+                          </a:solidFill>
+                          <a:latin typeface="Courier New" panose="02070309020205020404" pitchFamily="49" charset="0"/>
+                          <a:cs typeface="Courier New" panose="02070309020205020404" pitchFamily="49" charset="0"/>
+                        </a:rPr>
+                        <a:t>-    if (</a:t>
+                      </a:r>
+                      <a:r>
+                        <a:rPr lang="en-US" altLang="zh-CN" sz="1100" dirty="0" err="1">
+                          <a:solidFill>
+                            <a:srgbClr val="C00000"/>
+                          </a:solidFill>
+                          <a:latin typeface="Courier New" panose="02070309020205020404" pitchFamily="49" charset="0"/>
+                          <a:cs typeface="Courier New" panose="02070309020205020404" pitchFamily="49" charset="0"/>
+                        </a:rPr>
+                        <a:t>spillWriter</a:t>
+                      </a:r>
+                      <a:r>
+                        <a:rPr lang="en-US" altLang="zh-CN" sz="1100" dirty="0">
+                          <a:solidFill>
+                            <a:srgbClr val="C00000"/>
+                          </a:solidFill>
+                          <a:latin typeface="Courier New" panose="02070309020205020404" pitchFamily="49" charset="0"/>
+                          <a:cs typeface="Courier New" panose="02070309020205020404" pitchFamily="49" charset="0"/>
+                        </a:rPr>
+                        <a:t> != null) {</a:t>
+                      </a:r>
+                    </a:p>
+                    <a:p>
+                      <a:pPr marR="0" algn="l" rtl="0"/>
+                      <a:r>
+                        <a:rPr lang="en-US" altLang="zh-CN" sz="1100" dirty="0">
+                          <a:solidFill>
+                            <a:srgbClr val="C00000"/>
+                          </a:solidFill>
+                          <a:latin typeface="Courier New" panose="02070309020205020404" pitchFamily="49" charset="0"/>
+                          <a:cs typeface="Courier New" panose="02070309020205020404" pitchFamily="49" charset="0"/>
+                        </a:rPr>
+                        <a:t>-      </a:t>
+                      </a:r>
+                      <a:r>
+                        <a:rPr lang="en-US" altLang="zh-CN" sz="1100" dirty="0" err="1">
+                          <a:solidFill>
+                            <a:srgbClr val="C00000"/>
+                          </a:solidFill>
+                          <a:latin typeface="Courier New" panose="02070309020205020404" pitchFamily="49" charset="0"/>
+                          <a:cs typeface="Courier New" panose="02070309020205020404" pitchFamily="49" charset="0"/>
+                        </a:rPr>
+                        <a:t>spillWriter.close</a:t>
+                      </a:r>
+                      <a:r>
+                        <a:rPr lang="en-US" altLang="zh-CN" sz="1100" dirty="0">
+                          <a:solidFill>
+                            <a:srgbClr val="C00000"/>
+                          </a:solidFill>
+                          <a:latin typeface="Courier New" panose="02070309020205020404" pitchFamily="49" charset="0"/>
+                          <a:cs typeface="Courier New" panose="02070309020205020404" pitchFamily="49" charset="0"/>
+                        </a:rPr>
+                        <a:t>();</a:t>
+                      </a:r>
+                    </a:p>
+                    <a:p>
+                      <a:pPr marR="0" algn="l" rtl="0"/>
+                      <a:r>
+                        <a:rPr lang="en-US" altLang="zh-CN" sz="1100" dirty="0">
+                          <a:solidFill>
+                            <a:srgbClr val="C00000"/>
+                          </a:solidFill>
+                          <a:latin typeface="Courier New" panose="02070309020205020404" pitchFamily="49" charset="0"/>
+                          <a:cs typeface="Courier New" panose="02070309020205020404" pitchFamily="49" charset="0"/>
+                        </a:rPr>
+                        <a:t>-    }</a:t>
+                      </a:r>
+                    </a:p>
+                    <a:p>
+                      <a:pPr marR="0" algn="l" rtl="0"/>
+                      <a:r>
+                        <a:rPr lang="en-US" altLang="zh-CN" sz="1100" dirty="0">
+                          <a:solidFill>
+                            <a:schemeClr val="tx1"/>
+                          </a:solidFill>
+                          <a:latin typeface="Courier New" panose="02070309020205020404" pitchFamily="49" charset="0"/>
+                          <a:cs typeface="Courier New" panose="02070309020205020404" pitchFamily="49" charset="0"/>
+                        </a:rPr>
+                        <a:t>     </a:t>
+                      </a:r>
+                      <a:r>
+                        <a:rPr lang="en-US" altLang="zh-CN" sz="1100" dirty="0" err="1">
+                          <a:solidFill>
+                            <a:schemeClr val="tx1"/>
+                          </a:solidFill>
+                          <a:latin typeface="Courier New" panose="02070309020205020404" pitchFamily="49" charset="0"/>
+                          <a:cs typeface="Courier New" panose="02070309020205020404" pitchFamily="49" charset="0"/>
+                        </a:rPr>
+                        <a:t>isFinished</a:t>
+                      </a:r>
+                      <a:r>
+                        <a:rPr lang="en-US" altLang="zh-CN" sz="1100" dirty="0">
+                          <a:solidFill>
+                            <a:schemeClr val="tx1"/>
+                          </a:solidFill>
+                          <a:latin typeface="Courier New" panose="02070309020205020404" pitchFamily="49" charset="0"/>
+                          <a:cs typeface="Courier New" panose="02070309020205020404" pitchFamily="49" charset="0"/>
+                        </a:rPr>
+                        <a:t> = true;</a:t>
+                      </a:r>
+                    </a:p>
+                    <a:p>
+                      <a:pPr marR="0" algn="l" rtl="0"/>
+                      <a:r>
+                        <a:rPr lang="en-US" altLang="zh-CN" sz="1100" dirty="0">
+                          <a:solidFill>
+                            <a:schemeClr val="tx1"/>
+                          </a:solidFill>
+                          <a:latin typeface="Courier New" panose="02070309020205020404" pitchFamily="49" charset="0"/>
+                          <a:cs typeface="Courier New" panose="02070309020205020404" pitchFamily="49" charset="0"/>
+                        </a:rPr>
+                        <a:t>   }</a:t>
+                      </a:r>
+                    </a:p>
+                    <a:p>
+                      <a:pPr marR="0" algn="l" rtl="0"/>
+                      <a:r>
+                        <a:rPr lang="en-US" altLang="zh-CN" sz="1100" dirty="0">
+                          <a:solidFill>
+                            <a:schemeClr val="tx1"/>
+                          </a:solidFill>
+                          <a:latin typeface="Courier New" panose="02070309020205020404" pitchFamily="49" charset="0"/>
+                          <a:cs typeface="Courier New" panose="02070309020205020404" pitchFamily="49" charset="0"/>
+                        </a:rPr>
+                        <a:t> }</a:t>
+                      </a:r>
+                    </a:p>
+                  </a:txBody>
+                  <a:tcPr/>
+                </a:tc>
+                <a:tc>
+                  <a:txBody>
+                    <a:bodyPr/>
+                    <a:lstStyle/>
+                    <a:p>
+                      <a:pPr marR="0" algn="l" rtl="0"/>
+                      <a:r>
+                        <a:rPr lang="en-US" altLang="zh-CN" sz="1100" dirty="0">
+                          <a:latin typeface="Courier New" panose="02070309020205020404" pitchFamily="49" charset="0"/>
+                          <a:cs typeface="Courier New" panose="02070309020205020404" pitchFamily="49" charset="0"/>
+                        </a:rPr>
+                        <a:t> synchronized (buffers) {</a:t>
+                      </a:r>
+                    </a:p>
+                    <a:p>
+                      <a:pPr marR="0" algn="l" rtl="0"/>
+                      <a:r>
+                        <a:rPr lang="en-US" altLang="zh-CN" sz="1100" dirty="0">
+                          <a:latin typeface="Courier New" panose="02070309020205020404" pitchFamily="49" charset="0"/>
+                          <a:cs typeface="Courier New" panose="02070309020205020404" pitchFamily="49" charset="0"/>
+                        </a:rPr>
+                        <a:t>   if (...) {</a:t>
+                      </a:r>
+                    </a:p>
+                    <a:p>
+                      <a:pPr marR="0" algn="l" rtl="0"/>
+                      <a:r>
+                        <a:rPr lang="en-US" altLang="zh-CN" sz="1100" dirty="0">
+                          <a:latin typeface="Courier New" panose="02070309020205020404" pitchFamily="49" charset="0"/>
+                          <a:cs typeface="Courier New" panose="02070309020205020404" pitchFamily="49" charset="0"/>
+                        </a:rPr>
+                        <a:t>     </a:t>
+                      </a:r>
+                      <a:r>
+                        <a:rPr lang="en-US" altLang="zh-CN" sz="1100" dirty="0" err="1">
+                          <a:latin typeface="Courier New" panose="02070309020205020404" pitchFamily="49" charset="0"/>
+                          <a:cs typeface="Courier New" panose="02070309020205020404" pitchFamily="49" charset="0"/>
+                        </a:rPr>
+                        <a:t>isFinished</a:t>
+                      </a:r>
+                      <a:r>
+                        <a:rPr lang="en-US" altLang="zh-CN" sz="1100" dirty="0">
+                          <a:latin typeface="Courier New" panose="02070309020205020404" pitchFamily="49" charset="0"/>
+                          <a:cs typeface="Courier New" panose="02070309020205020404" pitchFamily="49" charset="0"/>
+                        </a:rPr>
+                        <a:t> = true;</a:t>
+                      </a:r>
+                    </a:p>
+                    <a:p>
+                      <a:pPr marR="0" algn="l" rtl="0"/>
+                      <a:r>
+                        <a:rPr lang="en-US" altLang="zh-CN" sz="1100" dirty="0">
+                          <a:latin typeface="Courier New" panose="02070309020205020404" pitchFamily="49" charset="0"/>
+                          <a:cs typeface="Courier New" panose="02070309020205020404" pitchFamily="49" charset="0"/>
+                        </a:rPr>
+                        <a:t>   }</a:t>
+                      </a:r>
+                    </a:p>
+                    <a:p>
+                      <a:pPr marR="0" algn="l" rtl="0"/>
+                      <a:r>
+                        <a:rPr lang="en-US" altLang="zh-CN" sz="1100" dirty="0">
+                          <a:latin typeface="Courier New" panose="02070309020205020404" pitchFamily="49" charset="0"/>
+                          <a:cs typeface="Courier New" panose="02070309020205020404" pitchFamily="49" charset="0"/>
+                        </a:rPr>
+                        <a:t> }</a:t>
+                      </a:r>
+                    </a:p>
+                    <a:p>
+                      <a:pPr marR="0" algn="l" rtl="0"/>
+                      <a:r>
+                        <a:rPr lang="en-US" altLang="zh-CN" sz="1100" dirty="0">
+                          <a:solidFill>
+                            <a:srgbClr val="0070C0"/>
+                          </a:solidFill>
+                          <a:latin typeface="Courier New" panose="02070309020205020404" pitchFamily="49" charset="0"/>
+                          <a:cs typeface="Courier New" panose="02070309020205020404" pitchFamily="49" charset="0"/>
+                        </a:rPr>
+                        <a:t>+if (</a:t>
+                      </a:r>
+                      <a:r>
+                        <a:rPr lang="en-US" altLang="zh-CN" sz="1100" dirty="0" err="1">
+                          <a:solidFill>
+                            <a:srgbClr val="0070C0"/>
+                          </a:solidFill>
+                          <a:latin typeface="Courier New" panose="02070309020205020404" pitchFamily="49" charset="0"/>
+                          <a:cs typeface="Courier New" panose="02070309020205020404" pitchFamily="49" charset="0"/>
+                        </a:rPr>
+                        <a:t>spillWriter</a:t>
+                      </a:r>
+                      <a:r>
+                        <a:rPr lang="en-US" altLang="zh-CN" sz="1100" dirty="0">
+                          <a:solidFill>
+                            <a:srgbClr val="0070C0"/>
+                          </a:solidFill>
+                          <a:latin typeface="Courier New" panose="02070309020205020404" pitchFamily="49" charset="0"/>
+                          <a:cs typeface="Courier New" panose="02070309020205020404" pitchFamily="49" charset="0"/>
+                        </a:rPr>
+                        <a:t> != null) {</a:t>
+                      </a:r>
+                    </a:p>
+                    <a:p>
+                      <a:pPr marR="0" algn="l" rtl="0"/>
+                      <a:r>
+                        <a:rPr lang="en-US" altLang="zh-CN" sz="1100" dirty="0">
+                          <a:solidFill>
+                            <a:srgbClr val="0070C0"/>
+                          </a:solidFill>
+                          <a:latin typeface="Courier New" panose="02070309020205020404" pitchFamily="49" charset="0"/>
+                          <a:cs typeface="Courier New" panose="02070309020205020404" pitchFamily="49" charset="0"/>
+                        </a:rPr>
+                        <a:t>+  </a:t>
+                      </a:r>
+                      <a:r>
+                        <a:rPr lang="en-US" altLang="zh-CN" sz="1100" dirty="0" err="1">
+                          <a:solidFill>
+                            <a:srgbClr val="0070C0"/>
+                          </a:solidFill>
+                          <a:latin typeface="Courier New" panose="02070309020205020404" pitchFamily="49" charset="0"/>
+                          <a:cs typeface="Courier New" panose="02070309020205020404" pitchFamily="49" charset="0"/>
+                        </a:rPr>
+                        <a:t>spillWriter.close</a:t>
+                      </a:r>
+                      <a:r>
+                        <a:rPr lang="en-US" altLang="zh-CN" sz="1100" dirty="0">
+                          <a:solidFill>
+                            <a:srgbClr val="0070C0"/>
+                          </a:solidFill>
+                          <a:latin typeface="Courier New" panose="02070309020205020404" pitchFamily="49" charset="0"/>
+                          <a:cs typeface="Courier New" panose="02070309020205020404" pitchFamily="49" charset="0"/>
+                        </a:rPr>
+                        <a:t>();</a:t>
+                      </a:r>
+                    </a:p>
+                    <a:p>
+                      <a:pPr marR="0" algn="l" rtl="0"/>
+                      <a:r>
+                        <a:rPr lang="en-US" altLang="zh-CN" sz="1100" dirty="0">
+                          <a:solidFill>
+                            <a:srgbClr val="0070C0"/>
+                          </a:solidFill>
+                          <a:latin typeface="Courier New" panose="02070309020205020404" pitchFamily="49" charset="0"/>
+                          <a:cs typeface="Courier New" panose="02070309020205020404" pitchFamily="49" charset="0"/>
+                        </a:rPr>
+                        <a:t>+}</a:t>
+                      </a:r>
+                    </a:p>
+                  </a:txBody>
+                  <a:tcPr/>
+                </a:tc>
+                <a:tc>
+                  <a:txBody>
+                    <a:bodyPr/>
+                    <a:lstStyle/>
+                    <a:p>
+                      <a:pPr marR="0" algn="l" rtl="0"/>
+                      <a:r>
+                        <a:rPr lang="en-US" altLang="zh-CN" sz="1100" dirty="0">
+                          <a:latin typeface="Courier New" panose="02070309020205020404" pitchFamily="49" charset="0"/>
+                          <a:cs typeface="Courier New" panose="02070309020205020404" pitchFamily="49" charset="0"/>
+                        </a:rPr>
+                        <a:t>synchronized (</a:t>
+                      </a:r>
+                      <a:r>
+                        <a:rPr lang="en-US" altLang="zh-CN" sz="1100" dirty="0" err="1">
+                          <a:latin typeface="Courier New" panose="02070309020205020404" pitchFamily="49" charset="0"/>
+                          <a:cs typeface="Courier New" panose="02070309020205020404" pitchFamily="49" charset="0"/>
+                        </a:rPr>
+                        <a:t>obj</a:t>
+                      </a:r>
+                      <a:r>
+                        <a:rPr lang="en-US" altLang="zh-CN" sz="1100" dirty="0">
+                          <a:latin typeface="Courier New" panose="02070309020205020404" pitchFamily="49" charset="0"/>
+                          <a:cs typeface="Courier New" panose="02070309020205020404" pitchFamily="49" charset="0"/>
+                        </a:rPr>
+                        <a:t>) {</a:t>
+                      </a:r>
+                    </a:p>
+                    <a:p>
+                      <a:pPr marR="0" algn="l" rtl="0"/>
+                      <a:r>
+                        <a:rPr lang="en-US" altLang="zh-CN" sz="1100" dirty="0">
+                          <a:latin typeface="Courier New" panose="02070309020205020404" pitchFamily="49" charset="0"/>
+                          <a:cs typeface="Courier New" panose="02070309020205020404" pitchFamily="49" charset="0"/>
+                        </a:rPr>
+                        <a:t>  statements1</a:t>
+                      </a:r>
+                    </a:p>
+                    <a:p>
+                      <a:pPr marR="0" algn="l" rtl="0"/>
+                      <a:r>
+                        <a:rPr lang="en-US" altLang="zh-CN" sz="1100" dirty="0">
+                          <a:latin typeface="Courier New" panose="02070309020205020404" pitchFamily="49" charset="0"/>
+                          <a:cs typeface="Courier New" panose="02070309020205020404" pitchFamily="49" charset="0"/>
+                        </a:rPr>
+                        <a:t>  statements2</a:t>
+                      </a:r>
+                    </a:p>
+                    <a:p>
+                      <a:pPr marR="0" algn="l" rtl="0"/>
+                      <a:r>
+                        <a:rPr lang="en-US" altLang="zh-CN" sz="1100" dirty="0">
+                          <a:latin typeface="Courier New" panose="02070309020205020404" pitchFamily="49" charset="0"/>
+                          <a:cs typeface="Courier New" panose="02070309020205020404" pitchFamily="49" charset="0"/>
+                        </a:rPr>
+                        <a:t>}</a:t>
+                      </a:r>
+                      <a:endParaRPr lang="zh-CN" altLang="en-US" sz="1100" dirty="0">
+                        <a:latin typeface="Courier New" panose="02070309020205020404" pitchFamily="49" charset="0"/>
+                        <a:cs typeface="Courier New" panose="02070309020205020404" pitchFamily="49" charset="0"/>
+                      </a:endParaRPr>
+                    </a:p>
+                  </a:txBody>
+                  <a:tcPr anchor="ctr"/>
+                </a:tc>
+                <a:tc>
+                  <a:txBody>
+                    <a:bodyPr/>
+                    <a:lstStyle/>
+                    <a:p>
+                      <a:pPr marR="0" algn="l" rtl="0"/>
+                      <a:r>
+                        <a:rPr lang="en-US" altLang="zh-CN" sz="1100" dirty="0">
+                          <a:latin typeface="Courier New" panose="02070309020205020404" pitchFamily="49" charset="0"/>
+                          <a:cs typeface="Courier New" panose="02070309020205020404" pitchFamily="49" charset="0"/>
+                        </a:rPr>
+                        <a:t>synchronized (</a:t>
+                      </a:r>
+                      <a:r>
+                        <a:rPr lang="en-US" altLang="zh-CN" sz="1100" dirty="0" err="1">
+                          <a:latin typeface="Courier New" panose="02070309020205020404" pitchFamily="49" charset="0"/>
+                          <a:cs typeface="Courier New" panose="02070309020205020404" pitchFamily="49" charset="0"/>
+                        </a:rPr>
+                        <a:t>obj</a:t>
+                      </a:r>
+                      <a:r>
+                        <a:rPr lang="en-US" altLang="zh-CN" sz="1100" dirty="0">
+                          <a:latin typeface="Courier New" panose="02070309020205020404" pitchFamily="49" charset="0"/>
+                          <a:cs typeface="Courier New" panose="02070309020205020404" pitchFamily="49" charset="0"/>
+                        </a:rPr>
+                        <a:t>) {</a:t>
+                      </a:r>
+                    </a:p>
+                    <a:p>
+                      <a:pPr marR="0" algn="l" rtl="0"/>
+                      <a:r>
+                        <a:rPr lang="en-US" altLang="zh-CN" sz="1100" dirty="0">
+                          <a:latin typeface="Courier New" panose="02070309020205020404" pitchFamily="49" charset="0"/>
+                          <a:cs typeface="Courier New" panose="02070309020205020404" pitchFamily="49" charset="0"/>
+                        </a:rPr>
+                        <a:t>  </a:t>
+                      </a:r>
+                      <a:r>
+                        <a:rPr lang="en-US" altLang="zh-CN" sz="1100" dirty="0" smtClean="0">
+                          <a:latin typeface="Courier New" panose="02070309020205020404" pitchFamily="49" charset="0"/>
+                          <a:cs typeface="Courier New" panose="02070309020205020404" pitchFamily="49" charset="0"/>
+                        </a:rPr>
+                        <a:t>statements2</a:t>
+                      </a:r>
+                      <a:endParaRPr lang="en-US" altLang="zh-CN" sz="1100" dirty="0">
+                        <a:latin typeface="Courier New" panose="02070309020205020404" pitchFamily="49" charset="0"/>
+                        <a:cs typeface="Courier New" panose="02070309020205020404" pitchFamily="49" charset="0"/>
+                      </a:endParaRPr>
+                    </a:p>
+                    <a:p>
+                      <a:pPr marR="0" algn="l" rtl="0"/>
+                      <a:r>
+                        <a:rPr lang="en-US" altLang="zh-CN" sz="1100" dirty="0">
+                          <a:latin typeface="Courier New" panose="02070309020205020404" pitchFamily="49" charset="0"/>
+                          <a:cs typeface="Courier New" panose="02070309020205020404" pitchFamily="49" charset="0"/>
+                        </a:rPr>
+                        <a:t>}</a:t>
+                      </a:r>
+                    </a:p>
+                    <a:p>
+                      <a:pPr marR="0" algn="l" rtl="0"/>
+                      <a:r>
+                        <a:rPr lang="en-US" altLang="zh-CN" sz="1100" dirty="0" smtClean="0">
+                          <a:latin typeface="Courier New" panose="02070309020205020404" pitchFamily="49" charset="0"/>
+                          <a:cs typeface="Courier New" panose="02070309020205020404" pitchFamily="49" charset="0"/>
+                        </a:rPr>
+                        <a:t>statements1</a:t>
+                      </a:r>
+                      <a:endParaRPr lang="zh-CN" altLang="en-US" sz="1100" dirty="0">
+                        <a:latin typeface="Courier New" panose="02070309020205020404" pitchFamily="49" charset="0"/>
+                        <a:cs typeface="Courier New" panose="02070309020205020404" pitchFamily="49" charset="0"/>
+                      </a:endParaRPr>
+                    </a:p>
+                  </a:txBody>
+                  <a:tcPr anchor="ctr"/>
+                </a:tc>
               </a:tr>
               <a:tr h="1477478">
                 <a:tc>
@@ -6248,15 +7566,15 @@
                     <a:p>
                       <a:pPr marR="0" algn="ctr" rtl="0"/>
                       <a:r>
-                        <a:rPr lang="en-US" altLang="zh-CN" sz="1100" dirty="0">
-                          <a:latin typeface="Courier New" panose="02070309020205020404" pitchFamily="49" charset="0"/>
-                          <a:cs typeface="Courier New" panose="02070309020205020404" pitchFamily="49" charset="0"/>
-                        </a:rPr>
-                        <a:t>4</a:t>
+                        <a:rPr lang="en-US" altLang="zh-CN" sz="1100" dirty="0" smtClean="0">
+                          <a:latin typeface="Times New Roman" panose="02020603050405020304" pitchFamily="18" charset="0"/>
+                          <a:cs typeface="Times New Roman" panose="02020603050405020304" pitchFamily="18" charset="0"/>
+                        </a:rPr>
+                        <a:t>7</a:t>
                       </a:r>
                       <a:endParaRPr lang="zh-CN" altLang="en-US" sz="1100" dirty="0">
-                        <a:latin typeface="Courier New" panose="02070309020205020404" pitchFamily="49" charset="0"/>
-                        <a:cs typeface="Courier New" panose="02070309020205020404" pitchFamily="49" charset="0"/>
+                        <a:latin typeface="Times New Roman" panose="02020603050405020304" pitchFamily="18" charset="0"/>
+                        <a:cs typeface="Times New Roman" panose="02020603050405020304" pitchFamily="18" charset="0"/>
                       </a:endParaRPr>
                     </a:p>
                   </a:txBody>
@@ -6685,855 +8003,7 @@
                 </a:tc>
                 <a:extLst>
                   <a:ext uri="{0D108BD9-81ED-4DB2-BD59-A6C34878D82A}">
-                    <a16:rowId xmlns="" xmlns:a16="http://schemas.microsoft.com/office/drawing/2014/main" val="3985160712"/>
-                  </a:ext>
-                </a:extLst>
-              </a:tr>
-              <a:tr h="784459">
-                <a:tc>
-                  <a:txBody>
-                    <a:bodyPr/>
-                    <a:lstStyle/>
-                    <a:p>
-                      <a:pPr marR="0" algn="ctr" rtl="0"/>
-                      <a:r>
-                        <a:rPr lang="en-US" altLang="zh-CN" sz="1100" dirty="0">
-                          <a:latin typeface="Courier New" panose="02070309020205020404" pitchFamily="49" charset="0"/>
-                          <a:cs typeface="Courier New" panose="02070309020205020404" pitchFamily="49" charset="0"/>
-                        </a:rPr>
-                        <a:t>5</a:t>
-                      </a:r>
-                      <a:endParaRPr lang="zh-CN" altLang="en-US" sz="1100" dirty="0">
-                        <a:latin typeface="Courier New" panose="02070309020205020404" pitchFamily="49" charset="0"/>
-                        <a:cs typeface="Courier New" panose="02070309020205020404" pitchFamily="49" charset="0"/>
-                      </a:endParaRPr>
-                    </a:p>
-                  </a:txBody>
-                  <a:tcPr anchor="ctr"/>
-                </a:tc>
-                <a:tc>
-                  <a:txBody>
-                    <a:bodyPr/>
-                    <a:lstStyle/>
-                    <a:p>
-                      <a:pPr marR="0" algn="l" rtl="0"/>
-                      <a:r>
-                        <a:rPr lang="en-US" altLang="zh-CN" sz="1100" dirty="0">
-                          <a:solidFill>
-                            <a:srgbClr val="C00000"/>
-                          </a:solidFill>
-                          <a:latin typeface="Courier New" panose="02070309020205020404" pitchFamily="49" charset="0"/>
-                          <a:cs typeface="Courier New" panose="02070309020205020404" pitchFamily="49" charset="0"/>
-                        </a:rPr>
-                        <a:t>-public </a:t>
-                      </a:r>
-                      <a:r>
-                        <a:rPr lang="en-US" altLang="zh-CN" sz="1100" dirty="0" err="1">
-                          <a:solidFill>
-                            <a:srgbClr val="C00000"/>
-                          </a:solidFill>
-                          <a:latin typeface="Courier New" panose="02070309020205020404" pitchFamily="49" charset="0"/>
-                          <a:cs typeface="Courier New" panose="02070309020205020404" pitchFamily="49" charset="0"/>
-                        </a:rPr>
-                        <a:t>boolean</a:t>
-                      </a:r>
-                      <a:r>
-                        <a:rPr lang="en-US" altLang="zh-CN" sz="1100" dirty="0">
-                          <a:solidFill>
-                            <a:srgbClr val="C00000"/>
-                          </a:solidFill>
-                          <a:latin typeface="Courier New" panose="02070309020205020404" pitchFamily="49" charset="0"/>
-                          <a:cs typeface="Courier New" panose="02070309020205020404" pitchFamily="49" charset="0"/>
-                        </a:rPr>
-                        <a:t> </a:t>
-                      </a:r>
-                      <a:r>
-                        <a:rPr lang="en-US" altLang="zh-CN" sz="1100" dirty="0" err="1">
-                          <a:solidFill>
-                            <a:srgbClr val="C00000"/>
-                          </a:solidFill>
-                          <a:latin typeface="Courier New" panose="02070309020205020404" pitchFamily="49" charset="0"/>
-                          <a:cs typeface="Courier New" panose="02070309020205020404" pitchFamily="49" charset="0"/>
-                        </a:rPr>
-                        <a:t>isAccessed</a:t>
-                      </a:r>
-                      <a:r>
-                        <a:rPr lang="en-US" altLang="zh-CN" sz="1100" dirty="0">
-                          <a:solidFill>
-                            <a:srgbClr val="C00000"/>
-                          </a:solidFill>
-                          <a:latin typeface="Courier New" panose="02070309020205020404" pitchFamily="49" charset="0"/>
-                          <a:cs typeface="Courier New" panose="02070309020205020404" pitchFamily="49" charset="0"/>
-                        </a:rPr>
-                        <a:t>() {</a:t>
-                      </a:r>
-                    </a:p>
-                    <a:p>
-                      <a:pPr marR="0" algn="l" rtl="0"/>
-                      <a:r>
-                        <a:rPr lang="en-US" altLang="zh-CN" sz="1100" dirty="0">
-                          <a:latin typeface="Courier New" panose="02070309020205020404" pitchFamily="49" charset="0"/>
-                          <a:cs typeface="Courier New" panose="02070309020205020404" pitchFamily="49" charset="0"/>
-                        </a:rPr>
-                        <a:t>   return </a:t>
-                      </a:r>
-                      <a:r>
-                        <a:rPr lang="en-US" altLang="zh-CN" sz="1100" dirty="0" err="1">
-                          <a:latin typeface="Courier New" panose="02070309020205020404" pitchFamily="49" charset="0"/>
-                          <a:cs typeface="Courier New" panose="02070309020205020404" pitchFamily="49" charset="0"/>
-                        </a:rPr>
-                        <a:t>this.accessed</a:t>
-                      </a:r>
-                      <a:r>
-                        <a:rPr lang="en-US" altLang="zh-CN" sz="1100" dirty="0">
-                          <a:latin typeface="Courier New" panose="02070309020205020404" pitchFamily="49" charset="0"/>
-                          <a:cs typeface="Courier New" panose="02070309020205020404" pitchFamily="49" charset="0"/>
-                        </a:rPr>
-                        <a:t>;</a:t>
-                      </a:r>
-                    </a:p>
-                    <a:p>
-                      <a:pPr marR="0" algn="l" rtl="0"/>
-                      <a:r>
-                        <a:rPr lang="en-US" altLang="zh-CN" sz="1100" dirty="0">
-                          <a:latin typeface="Courier New" panose="02070309020205020404" pitchFamily="49" charset="0"/>
-                          <a:cs typeface="Courier New" panose="02070309020205020404" pitchFamily="49" charset="0"/>
-                        </a:rPr>
-                        <a:t> }</a:t>
-                      </a:r>
-                    </a:p>
-                  </a:txBody>
-                  <a:tcPr/>
-                </a:tc>
-                <a:tc>
-                  <a:txBody>
-                    <a:bodyPr/>
-                    <a:lstStyle/>
-                    <a:p>
-                      <a:pPr marR="0" algn="l" rtl="0"/>
-                      <a:r>
-                        <a:rPr lang="en-US" altLang="zh-CN" sz="1100" dirty="0">
-                          <a:solidFill>
-                            <a:srgbClr val="0070C0"/>
-                          </a:solidFill>
-                          <a:latin typeface="Courier New" panose="02070309020205020404" pitchFamily="49" charset="0"/>
-                          <a:cs typeface="Courier New" panose="02070309020205020404" pitchFamily="49" charset="0"/>
-                        </a:rPr>
-                        <a:t>+public synchronized </a:t>
-                      </a:r>
-                      <a:r>
-                        <a:rPr lang="en-US" altLang="zh-CN" sz="1100" dirty="0" err="1">
-                          <a:solidFill>
-                            <a:srgbClr val="0070C0"/>
-                          </a:solidFill>
-                          <a:latin typeface="Courier New" panose="02070309020205020404" pitchFamily="49" charset="0"/>
-                          <a:cs typeface="Courier New" panose="02070309020205020404" pitchFamily="49" charset="0"/>
-                        </a:rPr>
-                        <a:t>boolean</a:t>
-                      </a:r>
-                      <a:r>
-                        <a:rPr lang="en-US" altLang="zh-CN" sz="1100" dirty="0">
-                          <a:solidFill>
-                            <a:srgbClr val="0070C0"/>
-                          </a:solidFill>
-                          <a:latin typeface="Courier New" panose="02070309020205020404" pitchFamily="49" charset="0"/>
-                          <a:cs typeface="Courier New" panose="02070309020205020404" pitchFamily="49" charset="0"/>
-                        </a:rPr>
-                        <a:t> </a:t>
-                      </a:r>
-                      <a:r>
-                        <a:rPr lang="en-US" altLang="zh-CN" sz="1100" dirty="0" err="1">
-                          <a:solidFill>
-                            <a:srgbClr val="0070C0"/>
-                          </a:solidFill>
-                          <a:latin typeface="Courier New" panose="02070309020205020404" pitchFamily="49" charset="0"/>
-                          <a:cs typeface="Courier New" panose="02070309020205020404" pitchFamily="49" charset="0"/>
-                        </a:rPr>
-                        <a:t>isAccessed</a:t>
-                      </a:r>
-                      <a:r>
-                        <a:rPr lang="en-US" altLang="zh-CN" sz="1100" dirty="0">
-                          <a:solidFill>
-                            <a:srgbClr val="0070C0"/>
-                          </a:solidFill>
-                          <a:latin typeface="Courier New" panose="02070309020205020404" pitchFamily="49" charset="0"/>
-                          <a:cs typeface="Courier New" panose="02070309020205020404" pitchFamily="49" charset="0"/>
-                        </a:rPr>
-                        <a:t>() {</a:t>
-                      </a:r>
-                    </a:p>
-                    <a:p>
-                      <a:pPr marR="0" algn="l" rtl="0"/>
-                      <a:r>
-                        <a:rPr lang="en-US" altLang="zh-CN" sz="1100" dirty="0">
-                          <a:latin typeface="Courier New" panose="02070309020205020404" pitchFamily="49" charset="0"/>
-                          <a:cs typeface="Courier New" panose="02070309020205020404" pitchFamily="49" charset="0"/>
-                        </a:rPr>
-                        <a:t>   return </a:t>
-                      </a:r>
-                      <a:r>
-                        <a:rPr lang="en-US" altLang="zh-CN" sz="1100" dirty="0" err="1">
-                          <a:latin typeface="Courier New" panose="02070309020205020404" pitchFamily="49" charset="0"/>
-                          <a:cs typeface="Courier New" panose="02070309020205020404" pitchFamily="49" charset="0"/>
-                        </a:rPr>
-                        <a:t>this.accessed</a:t>
-                      </a:r>
-                      <a:r>
-                        <a:rPr lang="en-US" altLang="zh-CN" sz="1100" dirty="0">
-                          <a:latin typeface="Courier New" panose="02070309020205020404" pitchFamily="49" charset="0"/>
-                          <a:cs typeface="Courier New" panose="02070309020205020404" pitchFamily="49" charset="0"/>
-                        </a:rPr>
-                        <a:t>;</a:t>
-                      </a:r>
-                    </a:p>
-                    <a:p>
-                      <a:pPr marR="0" algn="l" rtl="0"/>
-                      <a:r>
-                        <a:rPr lang="en-US" altLang="zh-CN" sz="1100" dirty="0">
-                          <a:latin typeface="Courier New" panose="02070309020205020404" pitchFamily="49" charset="0"/>
-                          <a:cs typeface="Courier New" panose="02070309020205020404" pitchFamily="49" charset="0"/>
-                        </a:rPr>
-                        <a:t> }</a:t>
-                      </a:r>
-                      <a:endParaRPr lang="zh-CN" altLang="en-US" sz="1100" dirty="0">
-                        <a:latin typeface="Courier New" panose="02070309020205020404" pitchFamily="49" charset="0"/>
-                        <a:cs typeface="Courier New" panose="02070309020205020404" pitchFamily="49" charset="0"/>
-                      </a:endParaRPr>
-                    </a:p>
-                  </a:txBody>
-                  <a:tcPr/>
-                </a:tc>
-                <a:tc>
-                  <a:txBody>
-                    <a:bodyPr/>
-                    <a:lstStyle/>
-                    <a:p>
-                      <a:pPr marR="0" algn="l" rtl="0"/>
-                      <a:r>
-                        <a:rPr lang="en-US" altLang="zh-CN" sz="1100" dirty="0">
-                          <a:latin typeface="Courier New" panose="02070309020205020404" pitchFamily="49" charset="0"/>
-                          <a:cs typeface="Courier New" panose="02070309020205020404" pitchFamily="49" charset="0"/>
-                        </a:rPr>
-                        <a:t>void foo() {</a:t>
-                      </a:r>
-                    </a:p>
-                    <a:p>
-                      <a:pPr marR="0" algn="l" rtl="0"/>
-                      <a:r>
-                        <a:rPr lang="en-US" altLang="zh-CN" sz="1100" dirty="0">
-                          <a:latin typeface="Courier New" panose="02070309020205020404" pitchFamily="49" charset="0"/>
-                          <a:cs typeface="Courier New" panose="02070309020205020404" pitchFamily="49" charset="0"/>
-                        </a:rPr>
-                        <a:t>  ...</a:t>
-                      </a:r>
-                    </a:p>
-                    <a:p>
-                      <a:pPr marR="0" algn="l" rtl="0"/>
-                      <a:r>
-                        <a:rPr lang="en-US" altLang="zh-CN" sz="1100" dirty="0">
-                          <a:latin typeface="Courier New" panose="02070309020205020404" pitchFamily="49" charset="0"/>
-                          <a:cs typeface="Courier New" panose="02070309020205020404" pitchFamily="49" charset="0"/>
-                        </a:rPr>
-                        <a:t>}</a:t>
-                      </a:r>
-                      <a:endParaRPr lang="zh-CN" altLang="en-US" sz="1100" dirty="0">
-                        <a:latin typeface="Courier New" panose="02070309020205020404" pitchFamily="49" charset="0"/>
-                        <a:cs typeface="Courier New" panose="02070309020205020404" pitchFamily="49" charset="0"/>
-                      </a:endParaRPr>
-                    </a:p>
-                  </a:txBody>
-                  <a:tcPr anchor="ctr"/>
-                </a:tc>
-                <a:tc>
-                  <a:txBody>
-                    <a:bodyPr/>
-                    <a:lstStyle/>
-                    <a:p>
-                      <a:pPr marR="0" algn="l" rtl="0"/>
-                      <a:r>
-                        <a:rPr lang="en-US" altLang="zh-CN" sz="1100" dirty="0">
-                          <a:latin typeface="Courier New" panose="02070309020205020404" pitchFamily="49" charset="0"/>
-                          <a:cs typeface="Courier New" panose="02070309020205020404" pitchFamily="49" charset="0"/>
-                        </a:rPr>
-                        <a:t>synchronized void foo() {</a:t>
-                      </a:r>
-                    </a:p>
-                    <a:p>
-                      <a:pPr marR="0" algn="l" rtl="0"/>
-                      <a:r>
-                        <a:rPr lang="en-US" altLang="zh-CN" sz="1100" dirty="0">
-                          <a:latin typeface="Courier New" panose="02070309020205020404" pitchFamily="49" charset="0"/>
-                          <a:cs typeface="Courier New" panose="02070309020205020404" pitchFamily="49" charset="0"/>
-                        </a:rPr>
-                        <a:t>  ...</a:t>
-                      </a:r>
-                    </a:p>
-                    <a:p>
-                      <a:pPr marR="0" algn="l" rtl="0"/>
-                      <a:r>
-                        <a:rPr lang="en-US" altLang="zh-CN" sz="1100" dirty="0">
-                          <a:latin typeface="Courier New" panose="02070309020205020404" pitchFamily="49" charset="0"/>
-                          <a:cs typeface="Courier New" panose="02070309020205020404" pitchFamily="49" charset="0"/>
-                        </a:rPr>
-                        <a:t>}</a:t>
-                      </a:r>
-                      <a:endParaRPr lang="zh-CN" altLang="en-US" sz="1100" dirty="0">
-                        <a:latin typeface="Courier New" panose="02070309020205020404" pitchFamily="49" charset="0"/>
-                        <a:cs typeface="Courier New" panose="02070309020205020404" pitchFamily="49" charset="0"/>
-                      </a:endParaRPr>
-                    </a:p>
-                  </a:txBody>
-                  <a:tcPr anchor="ctr"/>
-                </a:tc>
-                <a:extLst>
-                  <a:ext uri="{0D108BD9-81ED-4DB2-BD59-A6C34878D82A}">
-                    <a16:rowId xmlns="" xmlns:a16="http://schemas.microsoft.com/office/drawing/2014/main" val="2999866162"/>
-                  </a:ext>
-                </a:extLst>
-              </a:tr>
-              <a:tr h="2170497">
-                <a:tc>
-                  <a:txBody>
-                    <a:bodyPr/>
-                    <a:lstStyle/>
-                    <a:p>
-                      <a:pPr marR="0" algn="ctr" rtl="0"/>
-                      <a:r>
-                        <a:rPr lang="en-US" altLang="zh-CN" sz="1100" dirty="0">
-                          <a:latin typeface="Courier New" panose="02070309020205020404" pitchFamily="49" charset="0"/>
-                          <a:cs typeface="Courier New" panose="02070309020205020404" pitchFamily="49" charset="0"/>
-                        </a:rPr>
-                        <a:t>6</a:t>
-                      </a:r>
-                      <a:endParaRPr lang="zh-CN" altLang="en-US" sz="1100" dirty="0">
-                        <a:latin typeface="Courier New" panose="02070309020205020404" pitchFamily="49" charset="0"/>
-                        <a:cs typeface="Courier New" panose="02070309020205020404" pitchFamily="49" charset="0"/>
-                      </a:endParaRPr>
-                    </a:p>
-                  </a:txBody>
-                  <a:tcPr anchor="ctr"/>
-                </a:tc>
-                <a:tc>
-                  <a:txBody>
-                    <a:bodyPr/>
-                    <a:lstStyle/>
-                    <a:p>
-                      <a:pPr marR="0" algn="l" rtl="0"/>
-                      <a:r>
-                        <a:rPr lang="en-US" altLang="zh-CN" sz="1100" dirty="0">
-                          <a:solidFill>
-                            <a:srgbClr val="C00000"/>
-                          </a:solidFill>
-                          <a:latin typeface="Courier New" panose="02070309020205020404" pitchFamily="49" charset="0"/>
-                          <a:cs typeface="Courier New" panose="02070309020205020404" pitchFamily="49" charset="0"/>
-                        </a:rPr>
-                        <a:t>-synchronized (</a:t>
-                      </a:r>
-                      <a:r>
-                        <a:rPr lang="en-US" altLang="zh-CN" sz="1100" dirty="0" err="1">
-                          <a:solidFill>
-                            <a:srgbClr val="C00000"/>
-                          </a:solidFill>
-                          <a:latin typeface="Courier New" panose="02070309020205020404" pitchFamily="49" charset="0"/>
-                          <a:cs typeface="Courier New" panose="02070309020205020404" pitchFamily="49" charset="0"/>
-                        </a:rPr>
-                        <a:t>this.channelLookup</a:t>
-                      </a:r>
-                      <a:r>
-                        <a:rPr lang="en-US" altLang="zh-CN" sz="1100" dirty="0">
-                          <a:solidFill>
-                            <a:srgbClr val="C00000"/>
-                          </a:solidFill>
-                          <a:latin typeface="Courier New" panose="02070309020205020404" pitchFamily="49" charset="0"/>
-                          <a:cs typeface="Courier New" panose="02070309020205020404" pitchFamily="49" charset="0"/>
-                        </a:rPr>
-                        <a:t>) {</a:t>
-                      </a:r>
-                    </a:p>
-                    <a:p>
-                      <a:pPr marR="0" algn="l" rtl="0"/>
-                      <a:r>
-                        <a:rPr lang="en-US" altLang="zh-CN" sz="1100" dirty="0">
-                          <a:solidFill>
-                            <a:srgbClr val="C00000"/>
-                          </a:solidFill>
-                          <a:latin typeface="Courier New" panose="02070309020205020404" pitchFamily="49" charset="0"/>
-                          <a:cs typeface="Courier New" panose="02070309020205020404" pitchFamily="49" charset="0"/>
-                        </a:rPr>
-                        <a:t>-  try{</a:t>
-                      </a:r>
-                    </a:p>
-                    <a:p>
-                      <a:pPr marL="0" marR="0" indent="0" algn="l" rtl="0">
-                        <a:buFontTx/>
-                        <a:buNone/>
-                      </a:pPr>
-                      <a:r>
-                        <a:rPr lang="en-US" altLang="zh-CN" sz="1100" dirty="0">
-                          <a:latin typeface="Courier New" panose="02070309020205020404" pitchFamily="49" charset="0"/>
-                          <a:cs typeface="Courier New" panose="02070309020205020404" pitchFamily="49" charset="0"/>
-                        </a:rPr>
-                        <a:t>     </a:t>
-                      </a:r>
-                      <a:r>
-                        <a:rPr lang="en-US" altLang="zh-CN" sz="1100" dirty="0" err="1">
-                          <a:latin typeface="Courier New" panose="02070309020205020404" pitchFamily="49" charset="0"/>
-                          <a:cs typeface="Courier New" panose="02070309020205020404" pitchFamily="49" charset="0"/>
-                        </a:rPr>
-                        <a:t>lookupResponse</a:t>
-                      </a:r>
-                      <a:r>
-                        <a:rPr lang="en-US" altLang="zh-CN" sz="1100" dirty="0">
-                          <a:latin typeface="Courier New" panose="02070309020205020404" pitchFamily="49" charset="0"/>
-                          <a:cs typeface="Courier New" panose="02070309020205020404" pitchFamily="49" charset="0"/>
-                        </a:rPr>
-                        <a:t> = </a:t>
-                      </a:r>
-                      <a:r>
-                        <a:rPr lang="en-US" altLang="zh-CN" sz="1100" dirty="0" err="1">
-                          <a:latin typeface="Courier New" panose="02070309020205020404" pitchFamily="49" charset="0"/>
-                          <a:cs typeface="Courier New" panose="02070309020205020404" pitchFamily="49" charset="0"/>
-                        </a:rPr>
-                        <a:t>AkkaUtils</a:t>
-                      </a:r>
-                      <a:r>
-                        <a:rPr lang="en-US" altLang="zh-CN" sz="1100" dirty="0">
-                          <a:latin typeface="Courier New" panose="02070309020205020404" pitchFamily="49" charset="0"/>
-                          <a:cs typeface="Courier New" panose="02070309020205020404" pitchFamily="49" charset="0"/>
-                        </a:rPr>
-                        <a:t>. &lt;</a:t>
-                      </a:r>
-                      <a:r>
-                        <a:rPr lang="en-US" altLang="zh-CN" sz="1100" dirty="0" err="1">
-                          <a:latin typeface="Courier New" panose="02070309020205020404" pitchFamily="49" charset="0"/>
-                          <a:cs typeface="Courier New" panose="02070309020205020404" pitchFamily="49" charset="0"/>
-                        </a:rPr>
-                        <a:t>JobManagerMessages.ConnectionInformation</a:t>
-                      </a:r>
-                      <a:r>
-                        <a:rPr lang="en-US" altLang="zh-CN" sz="1100" dirty="0">
-                          <a:latin typeface="Courier New" panose="02070309020205020404" pitchFamily="49" charset="0"/>
-                          <a:cs typeface="Courier New" panose="02070309020205020404" pitchFamily="49" charset="0"/>
-                        </a:rPr>
-                        <a:t>&gt;ask(</a:t>
-                      </a:r>
-                      <a:r>
-                        <a:rPr lang="en-US" altLang="zh-CN" sz="1100" dirty="0" err="1">
-                          <a:latin typeface="Courier New" panose="02070309020205020404" pitchFamily="49" charset="0"/>
-                          <a:cs typeface="Courier New" panose="02070309020205020404" pitchFamily="49" charset="0"/>
-                        </a:rPr>
-                        <a:t>channelLookup</a:t>
-                      </a:r>
-                      <a:r>
-                        <a:rPr lang="en-US" altLang="zh-CN" sz="1100" dirty="0">
-                          <a:latin typeface="Courier New" panose="02070309020205020404" pitchFamily="49" charset="0"/>
-                          <a:cs typeface="Courier New" panose="02070309020205020404" pitchFamily="49" charset="0"/>
-                        </a:rPr>
-                        <a:t>, new </a:t>
-                      </a:r>
-                      <a:r>
-                        <a:rPr lang="en-US" altLang="zh-CN" sz="1100" dirty="0" err="1">
-                          <a:latin typeface="Courier New" panose="02070309020205020404" pitchFamily="49" charset="0"/>
-                          <a:cs typeface="Courier New" panose="02070309020205020404" pitchFamily="49" charset="0"/>
-                        </a:rPr>
-                        <a:t>JobManagerMessages.LookupConnectionInformation</a:t>
-                      </a:r>
-                      <a:r>
-                        <a:rPr lang="en-US" altLang="zh-CN" sz="1100" dirty="0">
-                          <a:latin typeface="Courier New" panose="02070309020205020404" pitchFamily="49" charset="0"/>
-                          <a:cs typeface="Courier New" panose="02070309020205020404" pitchFamily="49" charset="0"/>
-                        </a:rPr>
-                        <a:t>(</a:t>
-                      </a:r>
-                      <a:r>
-                        <a:rPr lang="en-US" altLang="zh-CN" sz="1100" dirty="0" err="1">
-                          <a:latin typeface="Courier New" panose="02070309020205020404" pitchFamily="49" charset="0"/>
-                          <a:cs typeface="Courier New" panose="02070309020205020404" pitchFamily="49" charset="0"/>
-                        </a:rPr>
-                        <a:t>connectionInfo</a:t>
-                      </a:r>
-                      <a:r>
-                        <a:rPr lang="en-US" altLang="zh-CN" sz="1100" dirty="0">
-                          <a:latin typeface="Courier New" panose="02070309020205020404" pitchFamily="49" charset="0"/>
-                          <a:cs typeface="Courier New" panose="02070309020205020404" pitchFamily="49" charset="0"/>
-                        </a:rPr>
-                        <a:t>, </a:t>
-                      </a:r>
-                      <a:r>
-                        <a:rPr lang="en-US" altLang="zh-CN" sz="1100" dirty="0" err="1">
-                          <a:latin typeface="Courier New" panose="02070309020205020404" pitchFamily="49" charset="0"/>
-                          <a:cs typeface="Courier New" panose="02070309020205020404" pitchFamily="49" charset="0"/>
-                        </a:rPr>
-                        <a:t>jobID</a:t>
-                      </a:r>
-                      <a:r>
-                        <a:rPr lang="en-US" altLang="zh-CN" sz="1100" dirty="0">
-                          <a:latin typeface="Courier New" panose="02070309020205020404" pitchFamily="49" charset="0"/>
-                          <a:cs typeface="Courier New" panose="02070309020205020404" pitchFamily="49" charset="0"/>
-                        </a:rPr>
-                        <a:t>, </a:t>
-                      </a:r>
-                      <a:r>
-                        <a:rPr lang="en-US" altLang="zh-CN" sz="1100" dirty="0" err="1">
-                          <a:latin typeface="Courier New" panose="02070309020205020404" pitchFamily="49" charset="0"/>
-                          <a:cs typeface="Courier New" panose="02070309020205020404" pitchFamily="49" charset="0"/>
-                        </a:rPr>
-                        <a:t>sourceChannelID</a:t>
-                      </a:r>
-                      <a:r>
-                        <a:rPr lang="en-US" altLang="zh-CN" sz="1100" dirty="0">
-                          <a:latin typeface="Courier New" panose="02070309020205020404" pitchFamily="49" charset="0"/>
-                          <a:cs typeface="Courier New" panose="02070309020205020404" pitchFamily="49" charset="0"/>
-                        </a:rPr>
-                        <a:t>), timeout).response();</a:t>
-                      </a:r>
-                    </a:p>
-                    <a:p>
-                      <a:pPr marR="0" algn="l" rtl="0"/>
-                      <a:r>
-                        <a:rPr lang="en-US" altLang="zh-CN" sz="1100" dirty="0">
-                          <a:solidFill>
-                            <a:srgbClr val="C00000"/>
-                          </a:solidFill>
-                          <a:latin typeface="Courier New" panose="02070309020205020404" pitchFamily="49" charset="0"/>
-                          <a:cs typeface="Courier New" panose="02070309020205020404" pitchFamily="49" charset="0"/>
-                        </a:rPr>
-                        <a:t>-  }catch(</a:t>
-                      </a:r>
-                      <a:r>
-                        <a:rPr lang="en-US" altLang="zh-CN" sz="1100" dirty="0" err="1">
-                          <a:solidFill>
-                            <a:srgbClr val="C00000"/>
-                          </a:solidFill>
-                          <a:latin typeface="Courier New" panose="02070309020205020404" pitchFamily="49" charset="0"/>
-                          <a:cs typeface="Courier New" panose="02070309020205020404" pitchFamily="49" charset="0"/>
-                        </a:rPr>
-                        <a:t>IOException</a:t>
-                      </a:r>
-                      <a:r>
-                        <a:rPr lang="en-US" altLang="zh-CN" sz="1100" dirty="0">
-                          <a:solidFill>
-                            <a:srgbClr val="C00000"/>
-                          </a:solidFill>
-                          <a:latin typeface="Courier New" panose="02070309020205020404" pitchFamily="49" charset="0"/>
-                          <a:cs typeface="Courier New" panose="02070309020205020404" pitchFamily="49" charset="0"/>
-                        </a:rPr>
-                        <a:t> </a:t>
-                      </a:r>
-                      <a:r>
-                        <a:rPr lang="en-US" altLang="zh-CN" sz="1100" dirty="0" err="1">
-                          <a:solidFill>
-                            <a:srgbClr val="C00000"/>
-                          </a:solidFill>
-                          <a:latin typeface="Courier New" panose="02070309020205020404" pitchFamily="49" charset="0"/>
-                          <a:cs typeface="Courier New" panose="02070309020205020404" pitchFamily="49" charset="0"/>
-                        </a:rPr>
-                        <a:t>ioe</a:t>
-                      </a:r>
-                      <a:r>
-                        <a:rPr lang="en-US" altLang="zh-CN" sz="1100" dirty="0">
-                          <a:solidFill>
-                            <a:srgbClr val="C00000"/>
-                          </a:solidFill>
-                          <a:latin typeface="Courier New" panose="02070309020205020404" pitchFamily="49" charset="0"/>
-                          <a:cs typeface="Courier New" panose="02070309020205020404" pitchFamily="49" charset="0"/>
-                        </a:rPr>
-                        <a:t>) {</a:t>
-                      </a:r>
-                    </a:p>
-                    <a:p>
-                      <a:pPr marR="0" algn="l" rtl="0"/>
-                      <a:r>
-                        <a:rPr lang="en-US" altLang="zh-CN" sz="1100" dirty="0">
-                          <a:solidFill>
-                            <a:srgbClr val="C00000"/>
-                          </a:solidFill>
-                          <a:latin typeface="Courier New" panose="02070309020205020404" pitchFamily="49" charset="0"/>
-                          <a:cs typeface="Courier New" panose="02070309020205020404" pitchFamily="49" charset="0"/>
-                        </a:rPr>
-                        <a:t>-    throw </a:t>
-                      </a:r>
-                      <a:r>
-                        <a:rPr lang="en-US" altLang="zh-CN" sz="1100" dirty="0" err="1">
-                          <a:solidFill>
-                            <a:srgbClr val="C00000"/>
-                          </a:solidFill>
-                          <a:latin typeface="Courier New" panose="02070309020205020404" pitchFamily="49" charset="0"/>
-                          <a:cs typeface="Courier New" panose="02070309020205020404" pitchFamily="49" charset="0"/>
-                        </a:rPr>
-                        <a:t>ioe</a:t>
-                      </a:r>
-                      <a:r>
-                        <a:rPr lang="en-US" altLang="zh-CN" sz="1100" dirty="0">
-                          <a:solidFill>
-                            <a:srgbClr val="C00000"/>
-                          </a:solidFill>
-                          <a:latin typeface="Courier New" panose="02070309020205020404" pitchFamily="49" charset="0"/>
-                          <a:cs typeface="Courier New" panose="02070309020205020404" pitchFamily="49" charset="0"/>
-                        </a:rPr>
-                        <a:t>;</a:t>
-                      </a:r>
-                    </a:p>
-                    <a:p>
-                      <a:pPr marR="0" algn="l" rtl="0"/>
-                      <a:r>
-                        <a:rPr lang="en-US" altLang="zh-CN" sz="1100" dirty="0">
-                          <a:solidFill>
-                            <a:srgbClr val="C00000"/>
-                          </a:solidFill>
-                          <a:latin typeface="Courier New" panose="02070309020205020404" pitchFamily="49" charset="0"/>
-                          <a:cs typeface="Courier New" panose="02070309020205020404" pitchFamily="49" charset="0"/>
-                        </a:rPr>
-                        <a:t>-  }</a:t>
-                      </a:r>
-                    </a:p>
-                    <a:p>
-                      <a:pPr marR="0" algn="l" rtl="0"/>
-                      <a:r>
-                        <a:rPr lang="en-US" altLang="zh-CN" sz="1100" dirty="0">
-                          <a:solidFill>
-                            <a:srgbClr val="C00000"/>
-                          </a:solidFill>
-                          <a:latin typeface="Courier New" panose="02070309020205020404" pitchFamily="49" charset="0"/>
-                          <a:cs typeface="Courier New" panose="02070309020205020404" pitchFamily="49" charset="0"/>
-                        </a:rPr>
-                        <a:t>-}</a:t>
-                      </a:r>
-                    </a:p>
-                  </a:txBody>
-                  <a:tcPr/>
-                </a:tc>
-                <a:tc>
-                  <a:txBody>
-                    <a:bodyPr/>
-                    <a:lstStyle/>
-                    <a:p>
-                      <a:pPr marL="0" marR="0" indent="0" algn="l" rtl="0">
-                        <a:buFontTx/>
-                        <a:buNone/>
-                      </a:pPr>
-                      <a:endParaRPr lang="en-US" altLang="zh-CN" sz="1100" dirty="0">
-                        <a:latin typeface="Courier New" panose="02070309020205020404" pitchFamily="49" charset="0"/>
-                        <a:cs typeface="Courier New" panose="02070309020205020404" pitchFamily="49" charset="0"/>
-                      </a:endParaRPr>
-                    </a:p>
-                    <a:p>
-                      <a:pPr marL="0" marR="0" indent="0" algn="l" rtl="0">
-                        <a:buFontTx/>
-                        <a:buNone/>
-                      </a:pPr>
-                      <a:endParaRPr lang="en-US" altLang="zh-CN" sz="1100" dirty="0">
-                        <a:latin typeface="Courier New" panose="02070309020205020404" pitchFamily="49" charset="0"/>
-                        <a:cs typeface="Courier New" panose="02070309020205020404" pitchFamily="49" charset="0"/>
-                      </a:endParaRPr>
-                    </a:p>
-                    <a:p>
-                      <a:pPr marL="0" marR="0" indent="0" algn="l" rtl="0">
-                        <a:buFontTx/>
-                        <a:buNone/>
-                      </a:pPr>
-                      <a:r>
-                        <a:rPr lang="en-US" altLang="zh-CN" sz="1100" dirty="0" err="1">
-                          <a:latin typeface="Courier New" panose="02070309020205020404" pitchFamily="49" charset="0"/>
-                          <a:cs typeface="Courier New" panose="02070309020205020404" pitchFamily="49" charset="0"/>
-                        </a:rPr>
-                        <a:t>lookupResponse</a:t>
-                      </a:r>
-                      <a:r>
-                        <a:rPr lang="en-US" altLang="zh-CN" sz="1100" dirty="0">
-                          <a:latin typeface="Courier New" panose="02070309020205020404" pitchFamily="49" charset="0"/>
-                          <a:cs typeface="Courier New" panose="02070309020205020404" pitchFamily="49" charset="0"/>
-                        </a:rPr>
-                        <a:t> = </a:t>
-                      </a:r>
-                      <a:r>
-                        <a:rPr lang="en-US" altLang="zh-CN" sz="1100" dirty="0" err="1">
-                          <a:latin typeface="Courier New" panose="02070309020205020404" pitchFamily="49" charset="0"/>
-                          <a:cs typeface="Courier New" panose="02070309020205020404" pitchFamily="49" charset="0"/>
-                        </a:rPr>
-                        <a:t>AkkaUtils</a:t>
-                      </a:r>
-                      <a:r>
-                        <a:rPr lang="en-US" altLang="zh-CN" sz="1100" dirty="0">
-                          <a:latin typeface="Courier New" panose="02070309020205020404" pitchFamily="49" charset="0"/>
-                          <a:cs typeface="Courier New" panose="02070309020205020404" pitchFamily="49" charset="0"/>
-                        </a:rPr>
-                        <a:t>. &lt;</a:t>
-                      </a:r>
-                      <a:r>
-                        <a:rPr lang="en-US" altLang="zh-CN" sz="1100" dirty="0" err="1">
-                          <a:latin typeface="Courier New" panose="02070309020205020404" pitchFamily="49" charset="0"/>
-                          <a:cs typeface="Courier New" panose="02070309020205020404" pitchFamily="49" charset="0"/>
-                        </a:rPr>
-                        <a:t>JobManagerMessages.ConnectionInformation</a:t>
-                      </a:r>
-                      <a:r>
-                        <a:rPr lang="en-US" altLang="zh-CN" sz="1100" dirty="0">
-                          <a:latin typeface="Courier New" panose="02070309020205020404" pitchFamily="49" charset="0"/>
-                          <a:cs typeface="Courier New" panose="02070309020205020404" pitchFamily="49" charset="0"/>
-                        </a:rPr>
-                        <a:t>&gt;ask(</a:t>
-                      </a:r>
-                      <a:r>
-                        <a:rPr lang="en-US" altLang="zh-CN" sz="1100" dirty="0" err="1">
-                          <a:latin typeface="Courier New" panose="02070309020205020404" pitchFamily="49" charset="0"/>
-                          <a:cs typeface="Courier New" panose="02070309020205020404" pitchFamily="49" charset="0"/>
-                        </a:rPr>
-                        <a:t>channelLookup</a:t>
-                      </a:r>
-                      <a:r>
-                        <a:rPr lang="en-US" altLang="zh-CN" sz="1100" dirty="0">
-                          <a:latin typeface="Courier New" panose="02070309020205020404" pitchFamily="49" charset="0"/>
-                          <a:cs typeface="Courier New" panose="02070309020205020404" pitchFamily="49" charset="0"/>
-                        </a:rPr>
-                        <a:t>, new </a:t>
-                      </a:r>
-                      <a:r>
-                        <a:rPr lang="en-US" altLang="zh-CN" sz="1100" dirty="0" err="1">
-                          <a:latin typeface="Courier New" panose="02070309020205020404" pitchFamily="49" charset="0"/>
-                          <a:cs typeface="Courier New" panose="02070309020205020404" pitchFamily="49" charset="0"/>
-                        </a:rPr>
-                        <a:t>JobManagerMessages.LookupConnectionInformation</a:t>
-                      </a:r>
-                      <a:r>
-                        <a:rPr lang="en-US" altLang="zh-CN" sz="1100" dirty="0">
-                          <a:latin typeface="Courier New" panose="02070309020205020404" pitchFamily="49" charset="0"/>
-                          <a:cs typeface="Courier New" panose="02070309020205020404" pitchFamily="49" charset="0"/>
-                        </a:rPr>
-                        <a:t>(  </a:t>
-                      </a:r>
-                      <a:r>
-                        <a:rPr lang="en-US" altLang="zh-CN" sz="1100" dirty="0" err="1">
-                          <a:latin typeface="Courier New" panose="02070309020205020404" pitchFamily="49" charset="0"/>
-                          <a:cs typeface="Courier New" panose="02070309020205020404" pitchFamily="49" charset="0"/>
-                        </a:rPr>
-                        <a:t>connectionInfo</a:t>
-                      </a:r>
-                      <a:r>
-                        <a:rPr lang="en-US" altLang="zh-CN" sz="1100" dirty="0">
-                          <a:latin typeface="Courier New" panose="02070309020205020404" pitchFamily="49" charset="0"/>
-                          <a:cs typeface="Courier New" panose="02070309020205020404" pitchFamily="49" charset="0"/>
-                        </a:rPr>
-                        <a:t>, </a:t>
-                      </a:r>
-                      <a:r>
-                        <a:rPr lang="en-US" altLang="zh-CN" sz="1100" dirty="0" err="1">
-                          <a:latin typeface="Courier New" panose="02070309020205020404" pitchFamily="49" charset="0"/>
-                          <a:cs typeface="Courier New" panose="02070309020205020404" pitchFamily="49" charset="0"/>
-                        </a:rPr>
-                        <a:t>jobID</a:t>
-                      </a:r>
-                      <a:r>
-                        <a:rPr lang="en-US" altLang="zh-CN" sz="1100" dirty="0">
-                          <a:latin typeface="Courier New" panose="02070309020205020404" pitchFamily="49" charset="0"/>
-                          <a:cs typeface="Courier New" panose="02070309020205020404" pitchFamily="49" charset="0"/>
-                        </a:rPr>
-                        <a:t>, </a:t>
-                      </a:r>
-                      <a:r>
-                        <a:rPr lang="en-US" altLang="zh-CN" sz="1100" dirty="0" err="1">
-                          <a:latin typeface="Courier New" panose="02070309020205020404" pitchFamily="49" charset="0"/>
-                          <a:cs typeface="Courier New" panose="02070309020205020404" pitchFamily="49" charset="0"/>
-                        </a:rPr>
-                        <a:t>sourceChannelID</a:t>
-                      </a:r>
-                      <a:r>
-                        <a:rPr lang="en-US" altLang="zh-CN" sz="1100" dirty="0">
-                          <a:latin typeface="Courier New" panose="02070309020205020404" pitchFamily="49" charset="0"/>
-                          <a:cs typeface="Courier New" panose="02070309020205020404" pitchFamily="49" charset="0"/>
-                        </a:rPr>
-                        <a:t>), timeout).response();</a:t>
-                      </a:r>
-                    </a:p>
-                    <a:p>
-                      <a:pPr marR="0" algn="l" rtl="0"/>
-                      <a:endParaRPr lang="zh-CN" altLang="en-US" sz="1100" dirty="0">
-                        <a:latin typeface="Courier New" panose="02070309020205020404" pitchFamily="49" charset="0"/>
-                        <a:cs typeface="Courier New" panose="02070309020205020404" pitchFamily="49" charset="0"/>
-                      </a:endParaRPr>
-                    </a:p>
-                  </a:txBody>
-                  <a:tcPr/>
-                </a:tc>
-                <a:tc>
-                  <a:txBody>
-                    <a:bodyPr/>
-                    <a:lstStyle/>
-                    <a:p>
-                      <a:pPr marR="0" algn="l" rtl="0"/>
-                      <a:r>
-                        <a:rPr lang="en-US" altLang="zh-CN" sz="1100" dirty="0">
-                          <a:latin typeface="Courier New" panose="02070309020205020404" pitchFamily="49" charset="0"/>
-                          <a:cs typeface="Courier New" panose="02070309020205020404" pitchFamily="49" charset="0"/>
-                        </a:rPr>
-                        <a:t>synchronized (</a:t>
-                      </a:r>
-                      <a:r>
-                        <a:rPr lang="en-US" altLang="zh-CN" sz="1100" dirty="0" err="1">
-                          <a:latin typeface="Courier New" panose="02070309020205020404" pitchFamily="49" charset="0"/>
-                          <a:cs typeface="Courier New" panose="02070309020205020404" pitchFamily="49" charset="0"/>
-                        </a:rPr>
-                        <a:t>obj</a:t>
-                      </a:r>
-                      <a:r>
-                        <a:rPr lang="en-US" altLang="zh-CN" sz="1100" dirty="0">
-                          <a:latin typeface="Courier New" panose="02070309020205020404" pitchFamily="49" charset="0"/>
-                          <a:cs typeface="Courier New" panose="02070309020205020404" pitchFamily="49" charset="0"/>
-                        </a:rPr>
-                        <a:t>) {</a:t>
-                      </a:r>
-                    </a:p>
-                    <a:p>
-                      <a:pPr marR="0" algn="l" rtl="0"/>
-                      <a:r>
-                        <a:rPr lang="en-US" altLang="zh-CN" sz="1100" dirty="0">
-                          <a:latin typeface="Courier New" panose="02070309020205020404" pitchFamily="49" charset="0"/>
-                          <a:cs typeface="Courier New" panose="02070309020205020404" pitchFamily="49" charset="0"/>
-                        </a:rPr>
-                        <a:t>  ...</a:t>
-                      </a:r>
-                    </a:p>
-                    <a:p>
-                      <a:pPr marR="0" algn="l" rtl="0"/>
-                      <a:r>
-                        <a:rPr lang="en-US" altLang="zh-CN" sz="1100" dirty="0">
-                          <a:latin typeface="Courier New" panose="02070309020205020404" pitchFamily="49" charset="0"/>
-                          <a:cs typeface="Courier New" panose="02070309020205020404" pitchFamily="49" charset="0"/>
-                        </a:rPr>
-                        <a:t>}</a:t>
-                      </a:r>
-                      <a:endParaRPr lang="zh-CN" altLang="en-US" sz="1100" dirty="0">
-                        <a:latin typeface="Courier New" panose="02070309020205020404" pitchFamily="49" charset="0"/>
-                        <a:cs typeface="Courier New" panose="02070309020205020404" pitchFamily="49" charset="0"/>
-                      </a:endParaRPr>
-                    </a:p>
-                  </a:txBody>
-                  <a:tcPr anchor="ctr"/>
-                </a:tc>
-                <a:tc>
-                  <a:txBody>
-                    <a:bodyPr/>
-                    <a:lstStyle/>
-                    <a:p>
-                      <a:pPr marR="0" algn="l" rtl="0"/>
-                      <a:r>
-                        <a:rPr lang="en-US" altLang="zh-CN" sz="1100" dirty="0">
-                          <a:latin typeface="Courier New" panose="02070309020205020404" pitchFamily="49" charset="0"/>
-                          <a:cs typeface="Courier New" panose="02070309020205020404" pitchFamily="49" charset="0"/>
-                        </a:rPr>
-                        <a:t>...</a:t>
-                      </a:r>
-                      <a:endParaRPr lang="zh-CN" altLang="en-US" sz="1100" dirty="0">
-                        <a:latin typeface="Courier New" panose="02070309020205020404" pitchFamily="49" charset="0"/>
-                        <a:cs typeface="Courier New" panose="02070309020205020404" pitchFamily="49" charset="0"/>
-                      </a:endParaRPr>
-                    </a:p>
-                  </a:txBody>
-                  <a:tcPr anchor="ctr"/>
-                </a:tc>
-                <a:extLst>
-                  <a:ext uri="{0D108BD9-81ED-4DB2-BD59-A6C34878D82A}">
-                    <a16:rowId xmlns="" xmlns:a16="http://schemas.microsoft.com/office/drawing/2014/main" val="1148156286"/>
+                    <a16:rowId xmlns:a16="http://schemas.microsoft.com/office/drawing/2014/main" xmlns="" val="3985160712"/>
                   </a:ext>
                 </a:extLst>
               </a:tr>
@@ -7581,14 +8051,14 @@
             <p:ph idx="1"/>
             <p:extLst>
               <p:ext uri="{D42A27DB-BD31-4B8C-83A1-F6EECF244321}">
-                <p14:modId xmlns:p14="http://schemas.microsoft.com/office/powerpoint/2010/main" val="699957434"/>
+                <p14:modId xmlns:p14="http://schemas.microsoft.com/office/powerpoint/2010/main" val="702143782"/>
               </p:ext>
             </p:extLst>
           </p:nvPr>
         </p:nvGraphicFramePr>
         <p:xfrm>
-          <a:off x="1" y="3040063"/>
-          <a:ext cx="12184380" cy="8436544"/>
+          <a:off x="1" y="47626"/>
+          <a:ext cx="12184380" cy="5828098"/>
         </p:xfrm>
         <a:graphic>
           <a:graphicData uri="http://schemas.openxmlformats.org/drawingml/2006/table">
@@ -7600,14 +8070,14 @@
                 <a:gridCol w="371794">
                   <a:extLst>
                     <a:ext uri="{9D8B030D-6E8A-4147-A177-3AD203B41FA5}">
-                      <a16:colId xmlns="" xmlns:a16="http://schemas.microsoft.com/office/drawing/2014/main" val="979900478"/>
+                      <a16:colId xmlns:a16="http://schemas.microsoft.com/office/drawing/2014/main" xmlns="" val="979900478"/>
                     </a:ext>
                   </a:extLst>
                 </a:gridCol>
                 <a:gridCol w="4208859">
                   <a:extLst>
                     <a:ext uri="{9D8B030D-6E8A-4147-A177-3AD203B41FA5}">
-                      <a16:colId xmlns="" xmlns:a16="http://schemas.microsoft.com/office/drawing/2014/main" val="286836760"/>
+                      <a16:colId xmlns:a16="http://schemas.microsoft.com/office/drawing/2014/main" xmlns="" val="286836760"/>
                     </a:ext>
                   </a:extLst>
                 </a:gridCol>
@@ -7615,7 +8085,7 @@
                 <a:gridCol w="1697434">
                   <a:extLst>
                     <a:ext uri="{9D8B030D-6E8A-4147-A177-3AD203B41FA5}">
-                      <a16:colId xmlns="" xmlns:a16="http://schemas.microsoft.com/office/drawing/2014/main" val="2860468690"/>
+                      <a16:colId xmlns:a16="http://schemas.microsoft.com/office/drawing/2014/main" xmlns="" val="2860468690"/>
                     </a:ext>
                   </a:extLst>
                 </a:gridCol>
@@ -7630,14 +8100,14 @@
                       <a:pPr marR="0" algn="ctr" rtl="0"/>
                       <a:r>
                         <a:rPr lang="en-US" altLang="zh-CN" sz="1100" dirty="0">
-                          <a:latin typeface="Courier New" panose="02070309020205020404" pitchFamily="49" charset="0"/>
-                          <a:cs typeface="Courier New" panose="02070309020205020404" pitchFamily="49" charset="0"/>
+                          <a:latin typeface="Times New Roman" panose="02020603050405020304" pitchFamily="18" charset="0"/>
+                          <a:cs typeface="Times New Roman" panose="02020603050405020304" pitchFamily="18" charset="0"/>
                         </a:rPr>
                         <a:t>#</a:t>
                       </a:r>
                       <a:endParaRPr lang="zh-CN" altLang="en-US" sz="1100" dirty="0">
-                        <a:latin typeface="Courier New" panose="02070309020205020404" pitchFamily="49" charset="0"/>
-                        <a:cs typeface="Courier New" panose="02070309020205020404" pitchFamily="49" charset="0"/>
+                        <a:latin typeface="Times New Roman" panose="02020603050405020304" pitchFamily="18" charset="0"/>
+                        <a:cs typeface="Times New Roman" panose="02020603050405020304" pitchFamily="18" charset="0"/>
                       </a:endParaRPr>
                     </a:p>
                   </a:txBody>
@@ -7654,9 +8124,9 @@
                           <a:solidFill>
                             <a:schemeClr val="tx1"/>
                           </a:solidFill>
-                          <a:latin typeface="Courier New" panose="02070309020205020404" pitchFamily="49" charset="0"/>
+                          <a:latin typeface="Times New Roman" panose="02020603050405020304" pitchFamily="18" charset="0"/>
                           <a:ea typeface="+mn-ea"/>
-                          <a:cs typeface="Courier New" panose="02070309020205020404" pitchFamily="49" charset="0"/>
+                          <a:cs typeface="Times New Roman" panose="02020603050405020304" pitchFamily="18" charset="0"/>
                         </a:rPr>
                         <a:t>Source</a:t>
                       </a:r>
@@ -7682,14 +8152,14 @@
                       <a:pPr marR="0" algn="ctr" rtl="0"/>
                       <a:r>
                         <a:rPr lang="en-US" altLang="zh-CN" sz="1100" dirty="0">
-                          <a:latin typeface="Courier New" panose="02070309020205020404" pitchFamily="49" charset="0"/>
-                          <a:cs typeface="Courier New" panose="02070309020205020404" pitchFamily="49" charset="0"/>
+                          <a:latin typeface="Times New Roman" panose="02020603050405020304" pitchFamily="18" charset="0"/>
+                          <a:cs typeface="Times New Roman" panose="02020603050405020304" pitchFamily="18" charset="0"/>
                         </a:rPr>
                         <a:t>Pattern</a:t>
                       </a:r>
                       <a:endParaRPr lang="zh-CN" altLang="en-US" sz="1100" dirty="0">
-                        <a:latin typeface="Courier New" panose="02070309020205020404" pitchFamily="49" charset="0"/>
-                        <a:cs typeface="Courier New" panose="02070309020205020404" pitchFamily="49" charset="0"/>
+                        <a:latin typeface="Times New Roman" panose="02020603050405020304" pitchFamily="18" charset="0"/>
+                        <a:cs typeface="Times New Roman" panose="02020603050405020304" pitchFamily="18" charset="0"/>
                       </a:endParaRPr>
                     </a:p>
                   </a:txBody>
@@ -7707,7 +8177,7 @@
                 </a:tc>
                 <a:extLst>
                   <a:ext uri="{0D108BD9-81ED-4DB2-BD59-A6C34878D82A}">
-                    <a16:rowId xmlns="" xmlns:a16="http://schemas.microsoft.com/office/drawing/2014/main" val="255238892"/>
+                    <a16:rowId xmlns:a16="http://schemas.microsoft.com/office/drawing/2014/main" xmlns="" val="255238892"/>
                   </a:ext>
                 </a:extLst>
               </a:tr>
@@ -7733,9 +8203,9 @@
                           <a:solidFill>
                             <a:schemeClr val="tx1"/>
                           </a:solidFill>
-                          <a:latin typeface="Courier New" panose="02070309020205020404" pitchFamily="49" charset="0"/>
+                          <a:latin typeface="Times New Roman" panose="02020603050405020304" pitchFamily="18" charset="0"/>
                           <a:ea typeface="+mn-ea"/>
-                          <a:cs typeface="Courier New" panose="02070309020205020404" pitchFamily="49" charset="0"/>
+                          <a:cs typeface="Times New Roman" panose="02020603050405020304" pitchFamily="18" charset="0"/>
                         </a:rPr>
                         <a:t>Original</a:t>
                       </a:r>
@@ -7743,9 +8213,9 @@
                         <a:solidFill>
                           <a:schemeClr val="tx1"/>
                         </a:solidFill>
-                        <a:latin typeface="Courier New" panose="02070309020205020404" pitchFamily="49" charset="0"/>
+                        <a:latin typeface="Times New Roman" panose="02020603050405020304" pitchFamily="18" charset="0"/>
                         <a:ea typeface="+mn-ea"/>
-                        <a:cs typeface="Courier New" panose="02070309020205020404" pitchFamily="49" charset="0"/>
+                        <a:cs typeface="Times New Roman" panose="02020603050405020304" pitchFamily="18" charset="0"/>
                       </a:endParaRPr>
                     </a:p>
                   </a:txBody>
@@ -7762,9 +8232,9 @@
                           <a:solidFill>
                             <a:schemeClr val="tx1"/>
                           </a:solidFill>
-                          <a:latin typeface="Courier New" panose="02070309020205020404" pitchFamily="49" charset="0"/>
+                          <a:latin typeface="Times New Roman" panose="02020603050405020304" pitchFamily="18" charset="0"/>
                           <a:ea typeface="+mn-ea"/>
-                          <a:cs typeface="Courier New" panose="02070309020205020404" pitchFamily="49" charset="0"/>
+                          <a:cs typeface="Times New Roman" panose="02020603050405020304" pitchFamily="18" charset="0"/>
                         </a:rPr>
                         <a:t>Modified</a:t>
                       </a:r>
@@ -7772,9 +8242,9 @@
                         <a:solidFill>
                           <a:schemeClr val="tx1"/>
                         </a:solidFill>
-                        <a:latin typeface="Courier New" panose="02070309020205020404" pitchFamily="49" charset="0"/>
+                        <a:latin typeface="Times New Roman" panose="02020603050405020304" pitchFamily="18" charset="0"/>
                         <a:ea typeface="+mn-ea"/>
-                        <a:cs typeface="Courier New" panose="02070309020205020404" pitchFamily="49" charset="0"/>
+                        <a:cs typeface="Times New Roman" panose="02020603050405020304" pitchFamily="18" charset="0"/>
                       </a:endParaRPr>
                     </a:p>
                   </a:txBody>
@@ -7788,14 +8258,14 @@
                       <a:pPr marR="0" algn="ctr" rtl="0"/>
                       <a:r>
                         <a:rPr lang="en-US" altLang="zh-CN" sz="1100" dirty="0" smtClean="0">
-                          <a:latin typeface="Courier New" panose="02070309020205020404" pitchFamily="49" charset="0"/>
-                          <a:cs typeface="Courier New" panose="02070309020205020404" pitchFamily="49" charset="0"/>
+                          <a:latin typeface="Times New Roman" panose="02020603050405020304" pitchFamily="18" charset="0"/>
+                          <a:cs typeface="Times New Roman" panose="02020603050405020304" pitchFamily="18" charset="0"/>
                         </a:rPr>
                         <a:t>Original</a:t>
                       </a:r>
                       <a:endParaRPr lang="zh-CN" altLang="en-US" sz="1100" dirty="0">
-                        <a:latin typeface="Courier New" panose="02070309020205020404" pitchFamily="49" charset="0"/>
-                        <a:cs typeface="Courier New" panose="02070309020205020404" pitchFamily="49" charset="0"/>
+                        <a:latin typeface="Times New Roman" panose="02020603050405020304" pitchFamily="18" charset="0"/>
+                        <a:cs typeface="Times New Roman" panose="02020603050405020304" pitchFamily="18" charset="0"/>
                       </a:endParaRPr>
                     </a:p>
                   </a:txBody>
@@ -7809,14 +8279,14 @@
                       <a:pPr marR="0" algn="ctr" rtl="0"/>
                       <a:r>
                         <a:rPr lang="en-US" altLang="zh-CN" sz="1100" dirty="0" smtClean="0">
-                          <a:latin typeface="Courier New" panose="02070309020205020404" pitchFamily="49" charset="0"/>
-                          <a:cs typeface="Courier New" panose="02070309020205020404" pitchFamily="49" charset="0"/>
+                          <a:latin typeface="Times New Roman" panose="02020603050405020304" pitchFamily="18" charset="0"/>
+                          <a:cs typeface="Times New Roman" panose="02020603050405020304" pitchFamily="18" charset="0"/>
                         </a:rPr>
                         <a:t>Modified</a:t>
                       </a:r>
                       <a:endParaRPr lang="zh-CN" altLang="en-US" sz="1100" dirty="0">
-                        <a:latin typeface="Courier New" panose="02070309020205020404" pitchFamily="49" charset="0"/>
-                        <a:cs typeface="Courier New" panose="02070309020205020404" pitchFamily="49" charset="0"/>
+                        <a:latin typeface="Times New Roman" panose="02020603050405020304" pitchFamily="18" charset="0"/>
+                        <a:cs typeface="Times New Roman" panose="02020603050405020304" pitchFamily="18" charset="0"/>
                       </a:endParaRPr>
                     </a:p>
                   </a:txBody>
@@ -7831,15 +8301,15 @@
                     <a:p>
                       <a:pPr marR="0" algn="ctr" rtl="0"/>
                       <a:r>
-                        <a:rPr lang="en-US" altLang="zh-CN" sz="1100" dirty="0">
-                          <a:latin typeface="Courier New" panose="02070309020205020404" pitchFamily="49" charset="0"/>
-                          <a:cs typeface="Courier New" panose="02070309020205020404" pitchFamily="49" charset="0"/>
-                        </a:rPr>
-                        <a:t>7</a:t>
+                        <a:rPr lang="en-US" altLang="zh-CN" sz="1100" dirty="0" smtClean="0">
+                          <a:latin typeface="Times New Roman" panose="02020603050405020304" pitchFamily="18" charset="0"/>
+                          <a:cs typeface="Times New Roman" panose="02020603050405020304" pitchFamily="18" charset="0"/>
+                        </a:rPr>
+                        <a:t>8</a:t>
                       </a:r>
                       <a:endParaRPr lang="zh-CN" altLang="en-US" sz="1100" dirty="0">
-                        <a:latin typeface="Courier New" panose="02070309020205020404" pitchFamily="49" charset="0"/>
-                        <a:cs typeface="Courier New" panose="02070309020205020404" pitchFamily="49" charset="0"/>
+                        <a:latin typeface="Times New Roman" panose="02020603050405020304" pitchFamily="18" charset="0"/>
+                        <a:cs typeface="Times New Roman" panose="02020603050405020304" pitchFamily="18" charset="0"/>
                       </a:endParaRPr>
                     </a:p>
                   </a:txBody>
@@ -8784,497 +9254,7 @@
                 </a:tc>
                 <a:extLst>
                   <a:ext uri="{0D108BD9-81ED-4DB2-BD59-A6C34878D82A}">
-                    <a16:rowId xmlns="" xmlns:a16="http://schemas.microsoft.com/office/drawing/2014/main" val="719721223"/>
-                  </a:ext>
-                </a:extLst>
-              </a:tr>
-              <a:tr h="1477478">
-                <a:tc>
-                  <a:txBody>
-                    <a:bodyPr/>
-                    <a:lstStyle/>
-                    <a:p>
-                      <a:pPr marR="0" algn="ctr" rtl="0"/>
-                      <a:r>
-                        <a:rPr lang="en-US" altLang="zh-CN" sz="1100" dirty="0">
-                          <a:latin typeface="Courier New" panose="02070309020205020404" pitchFamily="49" charset="0"/>
-                          <a:cs typeface="Courier New" panose="02070309020205020404" pitchFamily="49" charset="0"/>
-                        </a:rPr>
-                        <a:t>8</a:t>
-                      </a:r>
-                      <a:endParaRPr lang="zh-CN" altLang="en-US" sz="1100" dirty="0">
-                        <a:latin typeface="Courier New" panose="02070309020205020404" pitchFamily="49" charset="0"/>
-                        <a:cs typeface="Courier New" panose="02070309020205020404" pitchFamily="49" charset="0"/>
-                      </a:endParaRPr>
-                    </a:p>
-                  </a:txBody>
-                  <a:tcPr anchor="ctr"/>
-                </a:tc>
-                <a:tc>
-                  <a:txBody>
-                    <a:bodyPr/>
-                    <a:lstStyle/>
-                    <a:p>
-                      <a:pPr marR="0" algn="l" rtl="0"/>
-                      <a:r>
-                        <a:rPr lang="en-US" altLang="zh-CN" sz="1100" dirty="0">
-                          <a:solidFill>
-                            <a:schemeClr val="tx1"/>
-                          </a:solidFill>
-                          <a:latin typeface="Courier New" panose="02070309020205020404" pitchFamily="49" charset="0"/>
-                          <a:cs typeface="Courier New" panose="02070309020205020404" pitchFamily="49" charset="0"/>
-                        </a:rPr>
-                        <a:t> synchronized (buffers) {</a:t>
-                      </a:r>
-                    </a:p>
-                    <a:p>
-                      <a:pPr marR="0" algn="l" rtl="0"/>
-                      <a:r>
-                        <a:rPr lang="en-US" altLang="zh-CN" sz="1100" dirty="0">
-                          <a:solidFill>
-                            <a:schemeClr val="tx1"/>
-                          </a:solidFill>
-                          <a:latin typeface="Courier New" panose="02070309020205020404" pitchFamily="49" charset="0"/>
-                          <a:cs typeface="Courier New" panose="02070309020205020404" pitchFamily="49" charset="0"/>
-                        </a:rPr>
-                        <a:t>   if (...) {</a:t>
-                      </a:r>
-                    </a:p>
-                    <a:p>
-                      <a:pPr marR="0" algn="l" rtl="0"/>
-                      <a:r>
-                        <a:rPr lang="en-US" altLang="zh-CN" sz="1100" dirty="0">
-                          <a:solidFill>
-                            <a:srgbClr val="C00000"/>
-                          </a:solidFill>
-                          <a:latin typeface="Courier New" panose="02070309020205020404" pitchFamily="49" charset="0"/>
-                          <a:cs typeface="Courier New" panose="02070309020205020404" pitchFamily="49" charset="0"/>
-                        </a:rPr>
-                        <a:t>-    if (</a:t>
-                      </a:r>
-                      <a:r>
-                        <a:rPr lang="en-US" altLang="zh-CN" sz="1100" dirty="0" err="1">
-                          <a:solidFill>
-                            <a:srgbClr val="C00000"/>
-                          </a:solidFill>
-                          <a:latin typeface="Courier New" panose="02070309020205020404" pitchFamily="49" charset="0"/>
-                          <a:cs typeface="Courier New" panose="02070309020205020404" pitchFamily="49" charset="0"/>
-                        </a:rPr>
-                        <a:t>spillWriter</a:t>
-                      </a:r>
-                      <a:r>
-                        <a:rPr lang="en-US" altLang="zh-CN" sz="1100" dirty="0">
-                          <a:solidFill>
-                            <a:srgbClr val="C00000"/>
-                          </a:solidFill>
-                          <a:latin typeface="Courier New" panose="02070309020205020404" pitchFamily="49" charset="0"/>
-                          <a:cs typeface="Courier New" panose="02070309020205020404" pitchFamily="49" charset="0"/>
-                        </a:rPr>
-                        <a:t> != null) {</a:t>
-                      </a:r>
-                    </a:p>
-                    <a:p>
-                      <a:pPr marR="0" algn="l" rtl="0"/>
-                      <a:r>
-                        <a:rPr lang="en-US" altLang="zh-CN" sz="1100" dirty="0">
-                          <a:solidFill>
-                            <a:srgbClr val="C00000"/>
-                          </a:solidFill>
-                          <a:latin typeface="Courier New" panose="02070309020205020404" pitchFamily="49" charset="0"/>
-                          <a:cs typeface="Courier New" panose="02070309020205020404" pitchFamily="49" charset="0"/>
-                        </a:rPr>
-                        <a:t>-      </a:t>
-                      </a:r>
-                      <a:r>
-                        <a:rPr lang="en-US" altLang="zh-CN" sz="1100" dirty="0" err="1">
-                          <a:solidFill>
-                            <a:srgbClr val="C00000"/>
-                          </a:solidFill>
-                          <a:latin typeface="Courier New" panose="02070309020205020404" pitchFamily="49" charset="0"/>
-                          <a:cs typeface="Courier New" panose="02070309020205020404" pitchFamily="49" charset="0"/>
-                        </a:rPr>
-                        <a:t>spillWriter.close</a:t>
-                      </a:r>
-                      <a:r>
-                        <a:rPr lang="en-US" altLang="zh-CN" sz="1100" dirty="0">
-                          <a:solidFill>
-                            <a:srgbClr val="C00000"/>
-                          </a:solidFill>
-                          <a:latin typeface="Courier New" panose="02070309020205020404" pitchFamily="49" charset="0"/>
-                          <a:cs typeface="Courier New" panose="02070309020205020404" pitchFamily="49" charset="0"/>
-                        </a:rPr>
-                        <a:t>();</a:t>
-                      </a:r>
-                    </a:p>
-                    <a:p>
-                      <a:pPr marR="0" algn="l" rtl="0"/>
-                      <a:r>
-                        <a:rPr lang="en-US" altLang="zh-CN" sz="1100" dirty="0">
-                          <a:solidFill>
-                            <a:srgbClr val="C00000"/>
-                          </a:solidFill>
-                          <a:latin typeface="Courier New" panose="02070309020205020404" pitchFamily="49" charset="0"/>
-                          <a:cs typeface="Courier New" panose="02070309020205020404" pitchFamily="49" charset="0"/>
-                        </a:rPr>
-                        <a:t>-    }</a:t>
-                      </a:r>
-                    </a:p>
-                    <a:p>
-                      <a:pPr marR="0" algn="l" rtl="0"/>
-                      <a:r>
-                        <a:rPr lang="en-US" altLang="zh-CN" sz="1100" dirty="0">
-                          <a:solidFill>
-                            <a:schemeClr val="tx1"/>
-                          </a:solidFill>
-                          <a:latin typeface="Courier New" panose="02070309020205020404" pitchFamily="49" charset="0"/>
-                          <a:cs typeface="Courier New" panose="02070309020205020404" pitchFamily="49" charset="0"/>
-                        </a:rPr>
-                        <a:t>     </a:t>
-                      </a:r>
-                      <a:r>
-                        <a:rPr lang="en-US" altLang="zh-CN" sz="1100" dirty="0" err="1">
-                          <a:solidFill>
-                            <a:schemeClr val="tx1"/>
-                          </a:solidFill>
-                          <a:latin typeface="Courier New" panose="02070309020205020404" pitchFamily="49" charset="0"/>
-                          <a:cs typeface="Courier New" panose="02070309020205020404" pitchFamily="49" charset="0"/>
-                        </a:rPr>
-                        <a:t>isFinished</a:t>
-                      </a:r>
-                      <a:r>
-                        <a:rPr lang="en-US" altLang="zh-CN" sz="1100" dirty="0">
-                          <a:solidFill>
-                            <a:schemeClr val="tx1"/>
-                          </a:solidFill>
-                          <a:latin typeface="Courier New" panose="02070309020205020404" pitchFamily="49" charset="0"/>
-                          <a:cs typeface="Courier New" panose="02070309020205020404" pitchFamily="49" charset="0"/>
-                        </a:rPr>
-                        <a:t> = true;</a:t>
-                      </a:r>
-                    </a:p>
-                    <a:p>
-                      <a:pPr marR="0" algn="l" rtl="0"/>
-                      <a:r>
-                        <a:rPr lang="en-US" altLang="zh-CN" sz="1100" dirty="0">
-                          <a:solidFill>
-                            <a:schemeClr val="tx1"/>
-                          </a:solidFill>
-                          <a:latin typeface="Courier New" panose="02070309020205020404" pitchFamily="49" charset="0"/>
-                          <a:cs typeface="Courier New" panose="02070309020205020404" pitchFamily="49" charset="0"/>
-                        </a:rPr>
-                        <a:t>   }</a:t>
-                      </a:r>
-                    </a:p>
-                    <a:p>
-                      <a:pPr marR="0" algn="l" rtl="0"/>
-                      <a:r>
-                        <a:rPr lang="en-US" altLang="zh-CN" sz="1100" dirty="0">
-                          <a:solidFill>
-                            <a:schemeClr val="tx1"/>
-                          </a:solidFill>
-                          <a:latin typeface="Courier New" panose="02070309020205020404" pitchFamily="49" charset="0"/>
-                          <a:cs typeface="Courier New" panose="02070309020205020404" pitchFamily="49" charset="0"/>
-                        </a:rPr>
-                        <a:t> }</a:t>
-                      </a:r>
-                    </a:p>
-                  </a:txBody>
-                  <a:tcPr/>
-                </a:tc>
-                <a:tc>
-                  <a:txBody>
-                    <a:bodyPr/>
-                    <a:lstStyle/>
-                    <a:p>
-                      <a:pPr marR="0" algn="l" rtl="0"/>
-                      <a:r>
-                        <a:rPr lang="en-US" altLang="zh-CN" sz="1100" dirty="0">
-                          <a:latin typeface="Courier New" panose="02070309020205020404" pitchFamily="49" charset="0"/>
-                          <a:cs typeface="Courier New" panose="02070309020205020404" pitchFamily="49" charset="0"/>
-                        </a:rPr>
-                        <a:t> synchronized (buffers) {</a:t>
-                      </a:r>
-                    </a:p>
-                    <a:p>
-                      <a:pPr marR="0" algn="l" rtl="0"/>
-                      <a:r>
-                        <a:rPr lang="en-US" altLang="zh-CN" sz="1100" dirty="0">
-                          <a:latin typeface="Courier New" panose="02070309020205020404" pitchFamily="49" charset="0"/>
-                          <a:cs typeface="Courier New" panose="02070309020205020404" pitchFamily="49" charset="0"/>
-                        </a:rPr>
-                        <a:t>   if (...) {</a:t>
-                      </a:r>
-                    </a:p>
-                    <a:p>
-                      <a:pPr marR="0" algn="l" rtl="0"/>
-                      <a:r>
-                        <a:rPr lang="en-US" altLang="zh-CN" sz="1100" dirty="0">
-                          <a:latin typeface="Courier New" panose="02070309020205020404" pitchFamily="49" charset="0"/>
-                          <a:cs typeface="Courier New" panose="02070309020205020404" pitchFamily="49" charset="0"/>
-                        </a:rPr>
-                        <a:t>     </a:t>
-                      </a:r>
-                      <a:r>
-                        <a:rPr lang="en-US" altLang="zh-CN" sz="1100" dirty="0" err="1">
-                          <a:latin typeface="Courier New" panose="02070309020205020404" pitchFamily="49" charset="0"/>
-                          <a:cs typeface="Courier New" panose="02070309020205020404" pitchFamily="49" charset="0"/>
-                        </a:rPr>
-                        <a:t>isFinished</a:t>
-                      </a:r>
-                      <a:r>
-                        <a:rPr lang="en-US" altLang="zh-CN" sz="1100" dirty="0">
-                          <a:latin typeface="Courier New" panose="02070309020205020404" pitchFamily="49" charset="0"/>
-                          <a:cs typeface="Courier New" panose="02070309020205020404" pitchFamily="49" charset="0"/>
-                        </a:rPr>
-                        <a:t> = true;</a:t>
-                      </a:r>
-                    </a:p>
-                    <a:p>
-                      <a:pPr marR="0" algn="l" rtl="0"/>
-                      <a:r>
-                        <a:rPr lang="en-US" altLang="zh-CN" sz="1100" dirty="0">
-                          <a:latin typeface="Courier New" panose="02070309020205020404" pitchFamily="49" charset="0"/>
-                          <a:cs typeface="Courier New" panose="02070309020205020404" pitchFamily="49" charset="0"/>
-                        </a:rPr>
-                        <a:t>   }</a:t>
-                      </a:r>
-                    </a:p>
-                    <a:p>
-                      <a:pPr marR="0" algn="l" rtl="0"/>
-                      <a:r>
-                        <a:rPr lang="en-US" altLang="zh-CN" sz="1100" dirty="0">
-                          <a:latin typeface="Courier New" panose="02070309020205020404" pitchFamily="49" charset="0"/>
-                          <a:cs typeface="Courier New" panose="02070309020205020404" pitchFamily="49" charset="0"/>
-                        </a:rPr>
-                        <a:t> }</a:t>
-                      </a:r>
-                    </a:p>
-                    <a:p>
-                      <a:pPr marR="0" algn="l" rtl="0"/>
-                      <a:r>
-                        <a:rPr lang="en-US" altLang="zh-CN" sz="1100" dirty="0">
-                          <a:solidFill>
-                            <a:srgbClr val="0070C0"/>
-                          </a:solidFill>
-                          <a:latin typeface="Courier New" panose="02070309020205020404" pitchFamily="49" charset="0"/>
-                          <a:cs typeface="Courier New" panose="02070309020205020404" pitchFamily="49" charset="0"/>
-                        </a:rPr>
-                        <a:t>+if (</a:t>
-                      </a:r>
-                      <a:r>
-                        <a:rPr lang="en-US" altLang="zh-CN" sz="1100" dirty="0" err="1">
-                          <a:solidFill>
-                            <a:srgbClr val="0070C0"/>
-                          </a:solidFill>
-                          <a:latin typeface="Courier New" panose="02070309020205020404" pitchFamily="49" charset="0"/>
-                          <a:cs typeface="Courier New" panose="02070309020205020404" pitchFamily="49" charset="0"/>
-                        </a:rPr>
-                        <a:t>spillWriter</a:t>
-                      </a:r>
-                      <a:r>
-                        <a:rPr lang="en-US" altLang="zh-CN" sz="1100" dirty="0">
-                          <a:solidFill>
-                            <a:srgbClr val="0070C0"/>
-                          </a:solidFill>
-                          <a:latin typeface="Courier New" panose="02070309020205020404" pitchFamily="49" charset="0"/>
-                          <a:cs typeface="Courier New" panose="02070309020205020404" pitchFamily="49" charset="0"/>
-                        </a:rPr>
-                        <a:t> != null) {</a:t>
-                      </a:r>
-                    </a:p>
-                    <a:p>
-                      <a:pPr marR="0" algn="l" rtl="0"/>
-                      <a:r>
-                        <a:rPr lang="en-US" altLang="zh-CN" sz="1100" dirty="0">
-                          <a:solidFill>
-                            <a:srgbClr val="0070C0"/>
-                          </a:solidFill>
-                          <a:latin typeface="Courier New" panose="02070309020205020404" pitchFamily="49" charset="0"/>
-                          <a:cs typeface="Courier New" panose="02070309020205020404" pitchFamily="49" charset="0"/>
-                        </a:rPr>
-                        <a:t>+  </a:t>
-                      </a:r>
-                      <a:r>
-                        <a:rPr lang="en-US" altLang="zh-CN" sz="1100" dirty="0" err="1">
-                          <a:solidFill>
-                            <a:srgbClr val="0070C0"/>
-                          </a:solidFill>
-                          <a:latin typeface="Courier New" panose="02070309020205020404" pitchFamily="49" charset="0"/>
-                          <a:cs typeface="Courier New" panose="02070309020205020404" pitchFamily="49" charset="0"/>
-                        </a:rPr>
-                        <a:t>spillWriter.close</a:t>
-                      </a:r>
-                      <a:r>
-                        <a:rPr lang="en-US" altLang="zh-CN" sz="1100" dirty="0">
-                          <a:solidFill>
-                            <a:srgbClr val="0070C0"/>
-                          </a:solidFill>
-                          <a:latin typeface="Courier New" panose="02070309020205020404" pitchFamily="49" charset="0"/>
-                          <a:cs typeface="Courier New" panose="02070309020205020404" pitchFamily="49" charset="0"/>
-                        </a:rPr>
-                        <a:t>();</a:t>
-                      </a:r>
-                    </a:p>
-                    <a:p>
-                      <a:pPr marR="0" algn="l" rtl="0"/>
-                      <a:r>
-                        <a:rPr lang="en-US" altLang="zh-CN" sz="1100" dirty="0">
-                          <a:solidFill>
-                            <a:srgbClr val="0070C0"/>
-                          </a:solidFill>
-                          <a:latin typeface="Courier New" panose="02070309020205020404" pitchFamily="49" charset="0"/>
-                          <a:cs typeface="Courier New" panose="02070309020205020404" pitchFamily="49" charset="0"/>
-                        </a:rPr>
-                        <a:t>+}</a:t>
-                      </a:r>
-                    </a:p>
-                  </a:txBody>
-                  <a:tcPr/>
-                </a:tc>
-                <a:tc>
-                  <a:txBody>
-                    <a:bodyPr/>
-                    <a:lstStyle/>
-                    <a:p>
-                      <a:pPr marR="0" algn="l" rtl="0"/>
-                      <a:r>
-                        <a:rPr lang="en-US" altLang="zh-CN" sz="1100" dirty="0">
-                          <a:latin typeface="Courier New" panose="02070309020205020404" pitchFamily="49" charset="0"/>
-                          <a:cs typeface="Courier New" panose="02070309020205020404" pitchFamily="49" charset="0"/>
-                        </a:rPr>
-                        <a:t>synchronized (</a:t>
-                      </a:r>
-                      <a:r>
-                        <a:rPr lang="en-US" altLang="zh-CN" sz="1100" dirty="0" err="1">
-                          <a:latin typeface="Courier New" panose="02070309020205020404" pitchFamily="49" charset="0"/>
-                          <a:cs typeface="Courier New" panose="02070309020205020404" pitchFamily="49" charset="0"/>
-                        </a:rPr>
-                        <a:t>obj</a:t>
-                      </a:r>
-                      <a:r>
-                        <a:rPr lang="en-US" altLang="zh-CN" sz="1100" dirty="0">
-                          <a:latin typeface="Courier New" panose="02070309020205020404" pitchFamily="49" charset="0"/>
-                          <a:cs typeface="Courier New" panose="02070309020205020404" pitchFamily="49" charset="0"/>
-                        </a:rPr>
-                        <a:t>) {</a:t>
-                      </a:r>
-                    </a:p>
-                    <a:p>
-                      <a:pPr marR="0" algn="l" rtl="0"/>
-                      <a:r>
-                        <a:rPr lang="en-US" altLang="zh-CN" sz="1100" dirty="0">
-                          <a:latin typeface="Courier New" panose="02070309020205020404" pitchFamily="49" charset="0"/>
-                          <a:cs typeface="Courier New" panose="02070309020205020404" pitchFamily="49" charset="0"/>
-                        </a:rPr>
-                        <a:t>  statements1</a:t>
-                      </a:r>
-                    </a:p>
-                    <a:p>
-                      <a:pPr marR="0" algn="l" rtl="0"/>
-                      <a:r>
-                        <a:rPr lang="en-US" altLang="zh-CN" sz="1100" dirty="0">
-                          <a:latin typeface="Courier New" panose="02070309020205020404" pitchFamily="49" charset="0"/>
-                          <a:cs typeface="Courier New" panose="02070309020205020404" pitchFamily="49" charset="0"/>
-                        </a:rPr>
-                        <a:t>  statements2</a:t>
-                      </a:r>
-                    </a:p>
-                    <a:p>
-                      <a:pPr marR="0" algn="l" rtl="0"/>
-                      <a:r>
-                        <a:rPr lang="en-US" altLang="zh-CN" sz="1100" dirty="0">
-                          <a:latin typeface="Courier New" panose="02070309020205020404" pitchFamily="49" charset="0"/>
-                          <a:cs typeface="Courier New" panose="02070309020205020404" pitchFamily="49" charset="0"/>
-                        </a:rPr>
-                        <a:t>}</a:t>
-                      </a:r>
-                      <a:endParaRPr lang="zh-CN" altLang="en-US" sz="1100" dirty="0">
-                        <a:latin typeface="Courier New" panose="02070309020205020404" pitchFamily="49" charset="0"/>
-                        <a:cs typeface="Courier New" panose="02070309020205020404" pitchFamily="49" charset="0"/>
-                      </a:endParaRPr>
-                    </a:p>
-                  </a:txBody>
-                  <a:tcPr anchor="ctr"/>
-                </a:tc>
-                <a:tc>
-                  <a:txBody>
-                    <a:bodyPr/>
-                    <a:lstStyle/>
-                    <a:p>
-                      <a:pPr marR="0" algn="l" rtl="0"/>
-                      <a:r>
-                        <a:rPr lang="en-US" altLang="zh-CN" sz="1100" dirty="0">
-                          <a:latin typeface="Courier New" panose="02070309020205020404" pitchFamily="49" charset="0"/>
-                          <a:cs typeface="Courier New" panose="02070309020205020404" pitchFamily="49" charset="0"/>
-                        </a:rPr>
-                        <a:t>synchronized (</a:t>
-                      </a:r>
-                      <a:r>
-                        <a:rPr lang="en-US" altLang="zh-CN" sz="1100" dirty="0" err="1">
-                          <a:latin typeface="Courier New" panose="02070309020205020404" pitchFamily="49" charset="0"/>
-                          <a:cs typeface="Courier New" panose="02070309020205020404" pitchFamily="49" charset="0"/>
-                        </a:rPr>
-                        <a:t>obj</a:t>
-                      </a:r>
-                      <a:r>
-                        <a:rPr lang="en-US" altLang="zh-CN" sz="1100" dirty="0">
-                          <a:latin typeface="Courier New" panose="02070309020205020404" pitchFamily="49" charset="0"/>
-                          <a:cs typeface="Courier New" panose="02070309020205020404" pitchFamily="49" charset="0"/>
-                        </a:rPr>
-                        <a:t>) {</a:t>
-                      </a:r>
-                    </a:p>
-                    <a:p>
-                      <a:pPr marR="0" algn="l" rtl="0"/>
-                      <a:r>
-                        <a:rPr lang="en-US" altLang="zh-CN" sz="1100" dirty="0">
-                          <a:latin typeface="Courier New" panose="02070309020205020404" pitchFamily="49" charset="0"/>
-                          <a:cs typeface="Courier New" panose="02070309020205020404" pitchFamily="49" charset="0"/>
-                        </a:rPr>
-                        <a:t>  </a:t>
-                      </a:r>
-                      <a:r>
-                        <a:rPr lang="en-US" altLang="zh-CN" sz="1100" dirty="0" smtClean="0">
-                          <a:latin typeface="Courier New" panose="02070309020205020404" pitchFamily="49" charset="0"/>
-                          <a:cs typeface="Courier New" panose="02070309020205020404" pitchFamily="49" charset="0"/>
-                        </a:rPr>
-                        <a:t>statements2</a:t>
-                      </a:r>
-                      <a:endParaRPr lang="en-US" altLang="zh-CN" sz="1100" dirty="0">
-                        <a:latin typeface="Courier New" panose="02070309020205020404" pitchFamily="49" charset="0"/>
-                        <a:cs typeface="Courier New" panose="02070309020205020404" pitchFamily="49" charset="0"/>
-                      </a:endParaRPr>
-                    </a:p>
-                    <a:p>
-                      <a:pPr marR="0" algn="l" rtl="0"/>
-                      <a:r>
-                        <a:rPr lang="en-US" altLang="zh-CN" sz="1100" dirty="0">
-                          <a:latin typeface="Courier New" panose="02070309020205020404" pitchFamily="49" charset="0"/>
-                          <a:cs typeface="Courier New" panose="02070309020205020404" pitchFamily="49" charset="0"/>
-                        </a:rPr>
-                        <a:t>}</a:t>
-                      </a:r>
-                    </a:p>
-                    <a:p>
-                      <a:pPr marR="0" algn="l" rtl="0"/>
-                      <a:r>
-                        <a:rPr lang="en-US" altLang="zh-CN" sz="1100" dirty="0" smtClean="0">
-                          <a:latin typeface="Courier New" panose="02070309020205020404" pitchFamily="49" charset="0"/>
-                          <a:cs typeface="Courier New" panose="02070309020205020404" pitchFamily="49" charset="0"/>
-                        </a:rPr>
-                        <a:t>statements1</a:t>
-                      </a:r>
-                      <a:endParaRPr lang="zh-CN" altLang="en-US" sz="1100" dirty="0">
-                        <a:latin typeface="Courier New" panose="02070309020205020404" pitchFamily="49" charset="0"/>
-                        <a:cs typeface="Courier New" panose="02070309020205020404" pitchFamily="49" charset="0"/>
-                      </a:endParaRPr>
-                    </a:p>
-                  </a:txBody>
-                  <a:tcPr anchor="ctr"/>
-                </a:tc>
-                <a:extLst>
-                  <a:ext uri="{0D108BD9-81ED-4DB2-BD59-A6C34878D82A}">
-                    <a16:rowId xmlns="" xmlns:a16="http://schemas.microsoft.com/office/drawing/2014/main" val="2936119967"/>
+                    <a16:rowId xmlns:a16="http://schemas.microsoft.com/office/drawing/2014/main" xmlns="" val="719721223"/>
                   </a:ext>
                 </a:extLst>
               </a:tr>
@@ -9287,14 +9267,14 @@
                       <a:pPr marR="0" algn="ctr" rtl="0"/>
                       <a:r>
                         <a:rPr lang="en-US" altLang="zh-CN" sz="1100" dirty="0" smtClean="0">
-                          <a:latin typeface="Courier New" panose="02070309020205020404" pitchFamily="49" charset="0"/>
-                          <a:cs typeface="Courier New" panose="02070309020205020404" pitchFamily="49" charset="0"/>
+                          <a:latin typeface="Times New Roman" panose="02020603050405020304" pitchFamily="18" charset="0"/>
+                          <a:cs typeface="Times New Roman" panose="02020603050405020304" pitchFamily="18" charset="0"/>
                         </a:rPr>
                         <a:t>9</a:t>
                       </a:r>
                       <a:endParaRPr lang="zh-CN" altLang="en-US" sz="1100" dirty="0">
-                        <a:latin typeface="Courier New" panose="02070309020205020404" pitchFamily="49" charset="0"/>
-                        <a:cs typeface="Courier New" panose="02070309020205020404" pitchFamily="49" charset="0"/>
+                        <a:latin typeface="Times New Roman" panose="02020603050405020304" pitchFamily="18" charset="0"/>
+                        <a:cs typeface="Times New Roman" panose="02020603050405020304" pitchFamily="18" charset="0"/>
                       </a:endParaRPr>
                     </a:p>
                   </a:txBody>
@@ -10014,7 +9994,7 @@
                 </a:tc>
                 <a:extLst>
                   <a:ext uri="{0D108BD9-81ED-4DB2-BD59-A6C34878D82A}">
-                    <a16:rowId xmlns="" xmlns:a16="http://schemas.microsoft.com/office/drawing/2014/main" val="3067181177"/>
+                    <a16:rowId xmlns:a16="http://schemas.microsoft.com/office/drawing/2014/main" xmlns="" val="3067181177"/>
                   </a:ext>
                 </a:extLst>
               </a:tr>
@@ -10027,14 +10007,14 @@
                       <a:pPr marR="0" algn="ctr" rtl="0"/>
                       <a:r>
                         <a:rPr lang="en-US" altLang="zh-CN" sz="1100" dirty="0" smtClean="0">
-                          <a:latin typeface="Courier New" panose="02070309020205020404" pitchFamily="49" charset="0"/>
-                          <a:cs typeface="Courier New" panose="02070309020205020404" pitchFamily="49" charset="0"/>
+                          <a:latin typeface="Times New Roman" panose="02020603050405020304" pitchFamily="18" charset="0"/>
+                          <a:cs typeface="Times New Roman" panose="02020603050405020304" pitchFamily="18" charset="0"/>
                         </a:rPr>
                         <a:t>10</a:t>
                       </a:r>
                       <a:endParaRPr lang="zh-CN" altLang="en-US" sz="1100" dirty="0">
-                        <a:latin typeface="Courier New" panose="02070309020205020404" pitchFamily="49" charset="0"/>
-                        <a:cs typeface="Courier New" panose="02070309020205020404" pitchFamily="49" charset="0"/>
+                        <a:latin typeface="Times New Roman" panose="02020603050405020304" pitchFamily="18" charset="0"/>
+                        <a:cs typeface="Times New Roman" panose="02020603050405020304" pitchFamily="18" charset="0"/>
                       </a:endParaRPr>
                     </a:p>
                   </a:txBody>
@@ -10462,431 +10442,7 @@
                 </a:tc>
                 <a:extLst>
                   <a:ext uri="{0D108BD9-81ED-4DB2-BD59-A6C34878D82A}">
-                    <a16:rowId xmlns="" xmlns:a16="http://schemas.microsoft.com/office/drawing/2014/main" val="3351539951"/>
-                  </a:ext>
-                </a:extLst>
-              </a:tr>
-              <a:tr h="1130968">
-                <a:tc>
-                  <a:txBody>
-                    <a:bodyPr/>
-                    <a:lstStyle/>
-                    <a:p>
-                      <a:pPr marR="0" algn="ctr" rtl="0"/>
-                      <a:r>
-                        <a:rPr lang="en-US" altLang="zh-CN" sz="1100" dirty="0" smtClean="0">
-                          <a:latin typeface="Courier New" panose="02070309020205020404" pitchFamily="49" charset="0"/>
-                          <a:cs typeface="Courier New" panose="02070309020205020404" pitchFamily="49" charset="0"/>
-                        </a:rPr>
-                        <a:t>11</a:t>
-                      </a:r>
-                      <a:endParaRPr lang="zh-CN" altLang="en-US" sz="1100" dirty="0">
-                        <a:latin typeface="Courier New" panose="02070309020205020404" pitchFamily="49" charset="0"/>
-                        <a:cs typeface="Courier New" panose="02070309020205020404" pitchFamily="49" charset="0"/>
-                      </a:endParaRPr>
-                    </a:p>
-                  </a:txBody>
-                  <a:tcPr anchor="ctr"/>
-                </a:tc>
-                <a:tc>
-                  <a:txBody>
-                    <a:bodyPr/>
-                    <a:lstStyle/>
-                    <a:p>
-                      <a:pPr marL="0" marR="0" indent="0" algn="l" rtl="0">
-                        <a:buFontTx/>
-                        <a:buNone/>
-                      </a:pPr>
-                      <a:r>
-                        <a:rPr lang="en-US" altLang="zh-CN" sz="1100" dirty="0">
-                          <a:solidFill>
-                            <a:srgbClr val="C00000"/>
-                          </a:solidFill>
-                          <a:latin typeface="Courier New" panose="02070309020205020404" pitchFamily="49" charset="0"/>
-                          <a:cs typeface="Courier New" panose="02070309020205020404" pitchFamily="49" charset="0"/>
-                        </a:rPr>
-                        <a:t>-private volatile long </a:t>
-                      </a:r>
-                      <a:r>
-                        <a:rPr lang="en-US" altLang="zh-CN" sz="1100" dirty="0" err="1">
-                          <a:solidFill>
-                            <a:srgbClr val="C00000"/>
-                          </a:solidFill>
-                          <a:latin typeface="Courier New" panose="02070309020205020404" pitchFamily="49" charset="0"/>
-                          <a:cs typeface="Courier New" panose="02070309020205020404" pitchFamily="49" charset="0"/>
-                        </a:rPr>
-                        <a:t>genstamp</a:t>
-                      </a:r>
-                      <a:r>
-                        <a:rPr lang="en-US" altLang="zh-CN" sz="1100" dirty="0">
-                          <a:solidFill>
-                            <a:srgbClr val="C00000"/>
-                          </a:solidFill>
-                          <a:latin typeface="Courier New" panose="02070309020205020404" pitchFamily="49" charset="0"/>
-                          <a:cs typeface="Courier New" panose="02070309020205020404" pitchFamily="49" charset="0"/>
-                        </a:rPr>
-                        <a:t>;</a:t>
-                      </a:r>
-                    </a:p>
-                    <a:p>
-                      <a:pPr marL="0" marR="0" indent="0" algn="l" rtl="0">
-                        <a:buFontTx/>
-                        <a:buNone/>
-                      </a:pPr>
-                      <a:endParaRPr lang="en-US" altLang="zh-CN" sz="1100" dirty="0">
-                        <a:solidFill>
-                          <a:srgbClr val="C00000"/>
-                        </a:solidFill>
-                        <a:latin typeface="Courier New" panose="02070309020205020404" pitchFamily="49" charset="0"/>
-                        <a:cs typeface="Courier New" panose="02070309020205020404" pitchFamily="49" charset="0"/>
-                      </a:endParaRPr>
-                    </a:p>
-                    <a:p>
-                      <a:pPr marL="0" marR="0" indent="0" algn="l" rtl="0">
-                        <a:buFontTx/>
-                        <a:buNone/>
-                      </a:pPr>
-                      <a:r>
-                        <a:rPr lang="en-US" altLang="zh-CN" sz="1100" dirty="0">
-                          <a:solidFill>
-                            <a:srgbClr val="C00000"/>
-                          </a:solidFill>
-                          <a:latin typeface="Courier New" panose="02070309020205020404" pitchFamily="49" charset="0"/>
-                          <a:cs typeface="Courier New" panose="02070309020205020404" pitchFamily="49" charset="0"/>
-                        </a:rPr>
-                        <a:t>-public synchronized long </a:t>
-                      </a:r>
-                      <a:r>
-                        <a:rPr lang="en-US" altLang="zh-CN" sz="1100" dirty="0" err="1">
-                          <a:solidFill>
-                            <a:srgbClr val="C00000"/>
-                          </a:solidFill>
-                          <a:latin typeface="Courier New" panose="02070309020205020404" pitchFamily="49" charset="0"/>
-                          <a:cs typeface="Courier New" panose="02070309020205020404" pitchFamily="49" charset="0"/>
-                        </a:rPr>
-                        <a:t>nextStamp</a:t>
-                      </a:r>
-                      <a:r>
-                        <a:rPr lang="en-US" altLang="zh-CN" sz="1100" dirty="0">
-                          <a:solidFill>
-                            <a:srgbClr val="C00000"/>
-                          </a:solidFill>
-                          <a:latin typeface="Courier New" panose="02070309020205020404" pitchFamily="49" charset="0"/>
-                          <a:cs typeface="Courier New" panose="02070309020205020404" pitchFamily="49" charset="0"/>
-                        </a:rPr>
-                        <a:t>() {</a:t>
-                      </a:r>
-                    </a:p>
-                    <a:p>
-                      <a:pPr marL="0" marR="0" indent="0" algn="l" rtl="0">
-                        <a:buFontTx/>
-                        <a:buNone/>
-                      </a:pPr>
-                      <a:r>
-                        <a:rPr lang="en-US" altLang="zh-CN" sz="1100" dirty="0">
-                          <a:solidFill>
-                            <a:srgbClr val="C00000"/>
-                          </a:solidFill>
-                          <a:latin typeface="Courier New" panose="02070309020205020404" pitchFamily="49" charset="0"/>
-                          <a:cs typeface="Courier New" panose="02070309020205020404" pitchFamily="49" charset="0"/>
-                        </a:rPr>
-                        <a:t>-  </a:t>
-                      </a:r>
-                      <a:r>
-                        <a:rPr lang="en-US" altLang="zh-CN" sz="1100" dirty="0" err="1">
-                          <a:solidFill>
-                            <a:srgbClr val="C00000"/>
-                          </a:solidFill>
-                          <a:latin typeface="Courier New" panose="02070309020205020404" pitchFamily="49" charset="0"/>
-                          <a:cs typeface="Courier New" panose="02070309020205020404" pitchFamily="49" charset="0"/>
-                        </a:rPr>
-                        <a:t>this.genstamp</a:t>
-                      </a:r>
-                      <a:r>
-                        <a:rPr lang="en-US" altLang="zh-CN" sz="1100" dirty="0">
-                          <a:solidFill>
-                            <a:srgbClr val="C00000"/>
-                          </a:solidFill>
-                          <a:latin typeface="Courier New" panose="02070309020205020404" pitchFamily="49" charset="0"/>
-                          <a:cs typeface="Courier New" panose="02070309020205020404" pitchFamily="49" charset="0"/>
-                        </a:rPr>
-                        <a:t>++;</a:t>
-                      </a:r>
-                    </a:p>
-                    <a:p>
-                      <a:pPr marL="0" marR="0" indent="0" algn="l" rtl="0">
-                        <a:buFontTx/>
-                        <a:buNone/>
-                      </a:pPr>
-                      <a:r>
-                        <a:rPr lang="en-US" altLang="zh-CN" sz="1100" dirty="0">
-                          <a:solidFill>
-                            <a:srgbClr val="C00000"/>
-                          </a:solidFill>
-                          <a:latin typeface="Courier New" panose="02070309020205020404" pitchFamily="49" charset="0"/>
-                          <a:cs typeface="Courier New" panose="02070309020205020404" pitchFamily="49" charset="0"/>
-                        </a:rPr>
-                        <a:t>-  return </a:t>
-                      </a:r>
-                      <a:r>
-                        <a:rPr lang="en-US" altLang="zh-CN" sz="1100" dirty="0" err="1">
-                          <a:solidFill>
-                            <a:srgbClr val="C00000"/>
-                          </a:solidFill>
-                          <a:latin typeface="Courier New" panose="02070309020205020404" pitchFamily="49" charset="0"/>
-                          <a:cs typeface="Courier New" panose="02070309020205020404" pitchFamily="49" charset="0"/>
-                        </a:rPr>
-                        <a:t>this.genstamp</a:t>
-                      </a:r>
-                      <a:r>
-                        <a:rPr lang="en-US" altLang="zh-CN" sz="1100" dirty="0">
-                          <a:solidFill>
-                            <a:srgbClr val="C00000"/>
-                          </a:solidFill>
-                          <a:latin typeface="Courier New" panose="02070309020205020404" pitchFamily="49" charset="0"/>
-                          <a:cs typeface="Courier New" panose="02070309020205020404" pitchFamily="49" charset="0"/>
-                        </a:rPr>
-                        <a:t>;</a:t>
-                      </a:r>
-                    </a:p>
-                    <a:p>
-                      <a:pPr marL="0" marR="0" indent="0" algn="l" rtl="0">
-                        <a:buFontTx/>
-                        <a:buNone/>
-                      </a:pPr>
-                      <a:r>
-                        <a:rPr lang="en-US" altLang="zh-CN" sz="1100" dirty="0">
-                          <a:solidFill>
-                            <a:srgbClr val="C00000"/>
-                          </a:solidFill>
-                          <a:latin typeface="Courier New" panose="02070309020205020404" pitchFamily="49" charset="0"/>
-                          <a:cs typeface="Courier New" panose="02070309020205020404" pitchFamily="49" charset="0"/>
-                        </a:rPr>
-                        <a:t> </a:t>
-                      </a:r>
-                      <a:r>
-                        <a:rPr lang="en-US" altLang="zh-CN" sz="1100" dirty="0">
-                          <a:solidFill>
-                            <a:schemeClr val="tx1"/>
-                          </a:solidFill>
-                          <a:latin typeface="Courier New" panose="02070309020205020404" pitchFamily="49" charset="0"/>
-                          <a:cs typeface="Courier New" panose="02070309020205020404" pitchFamily="49" charset="0"/>
-                        </a:rPr>
-                        <a:t>}</a:t>
-                      </a:r>
-                    </a:p>
-                  </a:txBody>
-                  <a:tcPr/>
-                </a:tc>
-                <a:tc>
-                  <a:txBody>
-                    <a:bodyPr/>
-                    <a:lstStyle/>
-                    <a:p>
-                      <a:pPr marR="0" algn="l" rtl="0"/>
-                      <a:r>
-                        <a:rPr lang="en-US" altLang="zh-CN" sz="1100" dirty="0">
-                          <a:solidFill>
-                            <a:srgbClr val="0070C0"/>
-                          </a:solidFill>
-                          <a:latin typeface="Courier New" panose="02070309020205020404" pitchFamily="49" charset="0"/>
-                          <a:cs typeface="Courier New" panose="02070309020205020404" pitchFamily="49" charset="0"/>
-                        </a:rPr>
-                        <a:t>+private </a:t>
-                      </a:r>
-                      <a:r>
-                        <a:rPr lang="en-US" altLang="zh-CN" sz="1100" dirty="0" err="1">
-                          <a:solidFill>
-                            <a:srgbClr val="0070C0"/>
-                          </a:solidFill>
-                          <a:latin typeface="Courier New" panose="02070309020205020404" pitchFamily="49" charset="0"/>
-                          <a:cs typeface="Courier New" panose="02070309020205020404" pitchFamily="49" charset="0"/>
-                        </a:rPr>
-                        <a:t>AtomicLong</a:t>
-                      </a:r>
-                      <a:r>
-                        <a:rPr lang="en-US" altLang="zh-CN" sz="1100" dirty="0">
-                          <a:solidFill>
-                            <a:srgbClr val="0070C0"/>
-                          </a:solidFill>
-                          <a:latin typeface="Courier New" panose="02070309020205020404" pitchFamily="49" charset="0"/>
-                          <a:cs typeface="Courier New" panose="02070309020205020404" pitchFamily="49" charset="0"/>
-                        </a:rPr>
-                        <a:t> </a:t>
-                      </a:r>
-                      <a:r>
-                        <a:rPr lang="en-US" altLang="zh-CN" sz="1100" dirty="0" err="1">
-                          <a:solidFill>
-                            <a:srgbClr val="0070C0"/>
-                          </a:solidFill>
-                          <a:latin typeface="Courier New" panose="02070309020205020404" pitchFamily="49" charset="0"/>
-                          <a:cs typeface="Courier New" panose="02070309020205020404" pitchFamily="49" charset="0"/>
-                        </a:rPr>
-                        <a:t>genstamp</a:t>
-                      </a:r>
-                      <a:r>
-                        <a:rPr lang="en-US" altLang="zh-CN" sz="1100" dirty="0">
-                          <a:solidFill>
-                            <a:srgbClr val="0070C0"/>
-                          </a:solidFill>
-                          <a:latin typeface="Courier New" panose="02070309020205020404" pitchFamily="49" charset="0"/>
-                          <a:cs typeface="Courier New" panose="02070309020205020404" pitchFamily="49" charset="0"/>
-                        </a:rPr>
-                        <a:t> =</a:t>
-                      </a:r>
-                    </a:p>
-                    <a:p>
-                      <a:pPr marR="0" algn="l" rtl="0"/>
-                      <a:r>
-                        <a:rPr lang="en-US" altLang="zh-CN" sz="1100" dirty="0">
-                          <a:solidFill>
-                            <a:srgbClr val="0070C0"/>
-                          </a:solidFill>
-                          <a:latin typeface="Courier New" panose="02070309020205020404" pitchFamily="49" charset="0"/>
-                          <a:cs typeface="Courier New" panose="02070309020205020404" pitchFamily="49" charset="0"/>
-                        </a:rPr>
-                        <a:t>+  new </a:t>
-                      </a:r>
-                      <a:r>
-                        <a:rPr lang="en-US" altLang="zh-CN" sz="1100" dirty="0" err="1">
-                          <a:solidFill>
-                            <a:srgbClr val="0070C0"/>
-                          </a:solidFill>
-                          <a:latin typeface="Courier New" panose="02070309020205020404" pitchFamily="49" charset="0"/>
-                          <a:cs typeface="Courier New" panose="02070309020205020404" pitchFamily="49" charset="0"/>
-                        </a:rPr>
-                        <a:t>AtomicLong</a:t>
-                      </a:r>
-                      <a:r>
-                        <a:rPr lang="en-US" altLang="zh-CN" sz="1100" dirty="0">
-                          <a:solidFill>
-                            <a:srgbClr val="0070C0"/>
-                          </a:solidFill>
-                          <a:latin typeface="Courier New" panose="02070309020205020404" pitchFamily="49" charset="0"/>
-                          <a:cs typeface="Courier New" panose="02070309020205020404" pitchFamily="49" charset="0"/>
-                        </a:rPr>
-                        <a:t>();</a:t>
-                      </a:r>
-                    </a:p>
-                    <a:p>
-                      <a:pPr marR="0" algn="l" rtl="0"/>
-                      <a:r>
-                        <a:rPr lang="en-US" altLang="zh-CN" sz="1100" dirty="0">
-                          <a:solidFill>
-                            <a:srgbClr val="0070C0"/>
-                          </a:solidFill>
-                          <a:latin typeface="Courier New" panose="02070309020205020404" pitchFamily="49" charset="0"/>
-                          <a:cs typeface="Courier New" panose="02070309020205020404" pitchFamily="49" charset="0"/>
-                        </a:rPr>
-                        <a:t>+public long </a:t>
-                      </a:r>
-                      <a:r>
-                        <a:rPr lang="en-US" altLang="zh-CN" sz="1100" dirty="0" err="1">
-                          <a:solidFill>
-                            <a:srgbClr val="0070C0"/>
-                          </a:solidFill>
-                          <a:latin typeface="Courier New" panose="02070309020205020404" pitchFamily="49" charset="0"/>
-                          <a:cs typeface="Courier New" panose="02070309020205020404" pitchFamily="49" charset="0"/>
-                        </a:rPr>
-                        <a:t>nextStamp</a:t>
-                      </a:r>
-                      <a:r>
-                        <a:rPr lang="en-US" altLang="zh-CN" sz="1100" dirty="0">
-                          <a:solidFill>
-                            <a:srgbClr val="0070C0"/>
-                          </a:solidFill>
-                          <a:latin typeface="Courier New" panose="02070309020205020404" pitchFamily="49" charset="0"/>
-                          <a:cs typeface="Courier New" panose="02070309020205020404" pitchFamily="49" charset="0"/>
-                        </a:rPr>
-                        <a:t>() {</a:t>
-                      </a:r>
-                    </a:p>
-                    <a:p>
-                      <a:pPr marR="0" algn="l" rtl="0"/>
-                      <a:r>
-                        <a:rPr lang="en-US" altLang="zh-CN" sz="1100" dirty="0">
-                          <a:solidFill>
-                            <a:srgbClr val="0070C0"/>
-                          </a:solidFill>
-                          <a:latin typeface="Courier New" panose="02070309020205020404" pitchFamily="49" charset="0"/>
-                          <a:cs typeface="Courier New" panose="02070309020205020404" pitchFamily="49" charset="0"/>
-                        </a:rPr>
-                        <a:t>+  return </a:t>
-                      </a:r>
-                      <a:r>
-                        <a:rPr lang="en-US" altLang="zh-CN" sz="1100" dirty="0" err="1">
-                          <a:solidFill>
-                            <a:srgbClr val="0070C0"/>
-                          </a:solidFill>
-                          <a:latin typeface="Courier New" panose="02070309020205020404" pitchFamily="49" charset="0"/>
-                          <a:cs typeface="Courier New" panose="02070309020205020404" pitchFamily="49" charset="0"/>
-                        </a:rPr>
-                        <a:t>genstamp.incrementAndGet</a:t>
-                      </a:r>
-                      <a:r>
-                        <a:rPr lang="en-US" altLang="zh-CN" sz="1100" dirty="0">
-                          <a:solidFill>
-                            <a:srgbClr val="0070C0"/>
-                          </a:solidFill>
-                          <a:latin typeface="Courier New" panose="02070309020205020404" pitchFamily="49" charset="0"/>
-                          <a:cs typeface="Courier New" panose="02070309020205020404" pitchFamily="49" charset="0"/>
-                        </a:rPr>
-                        <a:t>();</a:t>
-                      </a:r>
-                    </a:p>
-                    <a:p>
-                      <a:pPr marR="0" algn="l" rtl="0"/>
-                      <a:endParaRPr lang="en-US" altLang="zh-CN" sz="1100" dirty="0">
-                        <a:solidFill>
-                          <a:srgbClr val="0070C0"/>
-                        </a:solidFill>
-                        <a:latin typeface="Courier New" panose="02070309020205020404" pitchFamily="49" charset="0"/>
-                        <a:cs typeface="Courier New" panose="02070309020205020404" pitchFamily="49" charset="0"/>
-                      </a:endParaRPr>
-                    </a:p>
-                    <a:p>
-                      <a:pPr marR="0" algn="l" rtl="0"/>
-                      <a:r>
-                        <a:rPr lang="en-US" altLang="zh-CN" sz="1100" dirty="0">
-                          <a:solidFill>
-                            <a:schemeClr val="tx1"/>
-                          </a:solidFill>
-                          <a:latin typeface="Courier New" panose="02070309020205020404" pitchFamily="49" charset="0"/>
-                          <a:cs typeface="Courier New" panose="02070309020205020404" pitchFamily="49" charset="0"/>
-                        </a:rPr>
-                        <a:t>}</a:t>
-                      </a:r>
-                    </a:p>
-                  </a:txBody>
-                  <a:tcPr/>
-                </a:tc>
-                <a:tc>
-                  <a:txBody>
-                    <a:bodyPr/>
-                    <a:lstStyle/>
-                    <a:p>
-                      <a:pPr marR="0" algn="l" rtl="0"/>
-                      <a:endParaRPr lang="zh-CN" altLang="en-US" sz="1100" dirty="0">
-                        <a:latin typeface="Courier New" panose="02070309020205020404" pitchFamily="49" charset="0"/>
-                        <a:cs typeface="Courier New" panose="02070309020205020404" pitchFamily="49" charset="0"/>
-                      </a:endParaRPr>
-                    </a:p>
-                  </a:txBody>
-                  <a:tcPr anchor="ctr"/>
-                </a:tc>
-                <a:tc>
-                  <a:txBody>
-                    <a:bodyPr/>
-                    <a:lstStyle/>
-                    <a:p>
-                      <a:endParaRPr lang="zh-CN" altLang="en-US" sz="2400" dirty="0"/>
-                    </a:p>
-                  </a:txBody>
-                  <a:tcPr anchor="ctr"/>
-                </a:tc>
-                <a:extLst>
-                  <a:ext uri="{0D108BD9-81ED-4DB2-BD59-A6C34878D82A}">
-                    <a16:rowId xmlns="" xmlns:a16="http://schemas.microsoft.com/office/drawing/2014/main" val="3805773755"/>
+                    <a16:rowId xmlns:a16="http://schemas.microsoft.com/office/drawing/2014/main" xmlns="" val="3351539951"/>
                   </a:ext>
                 </a:extLst>
               </a:tr>

--- a/visio/patterns - Copy.pptx
+++ b/visio/patterns - Copy.pptx
@@ -155,7 +155,7 @@
           </a:lstStyle>
           <a:p>
             <a:r>
-              <a:rPr lang="zh-CN" altLang="en-US" smtClean="0"/>
+              <a:rPr lang="zh-CN" altLang="en-US"/>
               <a:t>单击此处编辑母版标题样式</a:t>
             </a:r>
             <a:endParaRPr lang="en-US" dirty="0"/>
@@ -220,7 +220,7 @@
           </a:lstStyle>
           <a:p>
             <a:r>
-              <a:rPr lang="zh-CN" altLang="en-US" smtClean="0"/>
+              <a:rPr lang="zh-CN" altLang="en-US"/>
               <a:t>单击此处编辑母版副标题样式</a:t>
             </a:r>
             <a:endParaRPr lang="en-US" dirty="0"/>
@@ -244,7 +244,7 @@
           <a:p>
             <a:fld id="{9A9588F4-A4CE-45D6-BF9E-2ECB20C17A22}" type="datetimeFigureOut">
               <a:rPr lang="zh-CN" altLang="en-US" smtClean="0"/>
-              <a:t>2017/4/6</a:t>
+              <a:t>2017/4/7</a:t>
             </a:fld>
             <a:endParaRPr lang="zh-CN" altLang="en-US"/>
           </a:p>
@@ -338,7 +338,7 @@
           <a:lstStyle/>
           <a:p>
             <a:r>
-              <a:rPr lang="zh-CN" altLang="en-US" smtClean="0"/>
+              <a:rPr lang="zh-CN" altLang="en-US"/>
               <a:t>单击此处编辑母版标题样式</a:t>
             </a:r>
             <a:endParaRPr lang="en-US" dirty="0"/>
@@ -362,35 +362,35 @@
           <a:p>
             <a:pPr lvl="0"/>
             <a:r>
-              <a:rPr lang="zh-CN" altLang="en-US" smtClean="0"/>
+              <a:rPr lang="zh-CN" altLang="en-US"/>
               <a:t>单击此处编辑母版文本样式</a:t>
             </a:r>
           </a:p>
           <a:p>
             <a:pPr lvl="1"/>
             <a:r>
-              <a:rPr lang="zh-CN" altLang="en-US" smtClean="0"/>
+              <a:rPr lang="zh-CN" altLang="en-US"/>
               <a:t>第二级</a:t>
             </a:r>
           </a:p>
           <a:p>
             <a:pPr lvl="2"/>
             <a:r>
-              <a:rPr lang="zh-CN" altLang="en-US" smtClean="0"/>
+              <a:rPr lang="zh-CN" altLang="en-US"/>
               <a:t>第三级</a:t>
             </a:r>
           </a:p>
           <a:p>
             <a:pPr lvl="3"/>
             <a:r>
-              <a:rPr lang="zh-CN" altLang="en-US" smtClean="0"/>
+              <a:rPr lang="zh-CN" altLang="en-US"/>
               <a:t>第四级</a:t>
             </a:r>
           </a:p>
           <a:p>
             <a:pPr lvl="4"/>
             <a:r>
-              <a:rPr lang="zh-CN" altLang="en-US" smtClean="0"/>
+              <a:rPr lang="zh-CN" altLang="en-US"/>
               <a:t>第五级</a:t>
             </a:r>
             <a:endParaRPr lang="en-US" dirty="0"/>
@@ -414,7 +414,7 @@
           <a:p>
             <a:fld id="{9A9588F4-A4CE-45D6-BF9E-2ECB20C17A22}" type="datetimeFigureOut">
               <a:rPr lang="zh-CN" altLang="en-US" smtClean="0"/>
-              <a:t>2017/4/6</a:t>
+              <a:t>2017/4/7</a:t>
             </a:fld>
             <a:endParaRPr lang="zh-CN" altLang="en-US"/>
           </a:p>
@@ -513,7 +513,7 @@
           <a:lstStyle/>
           <a:p>
             <a:r>
-              <a:rPr lang="zh-CN" altLang="en-US" smtClean="0"/>
+              <a:rPr lang="zh-CN" altLang="en-US"/>
               <a:t>单击此处编辑母版标题样式</a:t>
             </a:r>
             <a:endParaRPr lang="en-US" dirty="0"/>
@@ -542,35 +542,35 @@
           <a:p>
             <a:pPr lvl="0"/>
             <a:r>
-              <a:rPr lang="zh-CN" altLang="en-US" smtClean="0"/>
+              <a:rPr lang="zh-CN" altLang="en-US"/>
               <a:t>单击此处编辑母版文本样式</a:t>
             </a:r>
           </a:p>
           <a:p>
             <a:pPr lvl="1"/>
             <a:r>
-              <a:rPr lang="zh-CN" altLang="en-US" smtClean="0"/>
+              <a:rPr lang="zh-CN" altLang="en-US"/>
               <a:t>第二级</a:t>
             </a:r>
           </a:p>
           <a:p>
             <a:pPr lvl="2"/>
             <a:r>
-              <a:rPr lang="zh-CN" altLang="en-US" smtClean="0"/>
+              <a:rPr lang="zh-CN" altLang="en-US"/>
               <a:t>第三级</a:t>
             </a:r>
           </a:p>
           <a:p>
             <a:pPr lvl="3"/>
             <a:r>
-              <a:rPr lang="zh-CN" altLang="en-US" smtClean="0"/>
+              <a:rPr lang="zh-CN" altLang="en-US"/>
               <a:t>第四级</a:t>
             </a:r>
           </a:p>
           <a:p>
             <a:pPr lvl="4"/>
             <a:r>
-              <a:rPr lang="zh-CN" altLang="en-US" smtClean="0"/>
+              <a:rPr lang="zh-CN" altLang="en-US"/>
               <a:t>第五级</a:t>
             </a:r>
             <a:endParaRPr lang="en-US" dirty="0"/>
@@ -594,7 +594,7 @@
           <a:p>
             <a:fld id="{9A9588F4-A4CE-45D6-BF9E-2ECB20C17A22}" type="datetimeFigureOut">
               <a:rPr lang="zh-CN" altLang="en-US" smtClean="0"/>
-              <a:t>2017/4/6</a:t>
+              <a:t>2017/4/7</a:t>
             </a:fld>
             <a:endParaRPr lang="zh-CN" altLang="en-US"/>
           </a:p>
@@ -688,7 +688,7 @@
           <a:lstStyle/>
           <a:p>
             <a:r>
-              <a:rPr lang="zh-CN" altLang="en-US" smtClean="0"/>
+              <a:rPr lang="zh-CN" altLang="en-US"/>
               <a:t>单击此处编辑母版标题样式</a:t>
             </a:r>
             <a:endParaRPr lang="en-US" dirty="0"/>
@@ -712,35 +712,35 @@
           <a:p>
             <a:pPr lvl="0"/>
             <a:r>
-              <a:rPr lang="zh-CN" altLang="en-US" smtClean="0"/>
+              <a:rPr lang="zh-CN" altLang="en-US"/>
               <a:t>单击此处编辑母版文本样式</a:t>
             </a:r>
           </a:p>
           <a:p>
             <a:pPr lvl="1"/>
             <a:r>
-              <a:rPr lang="zh-CN" altLang="en-US" smtClean="0"/>
+              <a:rPr lang="zh-CN" altLang="en-US"/>
               <a:t>第二级</a:t>
             </a:r>
           </a:p>
           <a:p>
             <a:pPr lvl="2"/>
             <a:r>
-              <a:rPr lang="zh-CN" altLang="en-US" smtClean="0"/>
+              <a:rPr lang="zh-CN" altLang="en-US"/>
               <a:t>第三级</a:t>
             </a:r>
           </a:p>
           <a:p>
             <a:pPr lvl="3"/>
             <a:r>
-              <a:rPr lang="zh-CN" altLang="en-US" smtClean="0"/>
+              <a:rPr lang="zh-CN" altLang="en-US"/>
               <a:t>第四级</a:t>
             </a:r>
           </a:p>
           <a:p>
             <a:pPr lvl="4"/>
             <a:r>
-              <a:rPr lang="zh-CN" altLang="en-US" smtClean="0"/>
+              <a:rPr lang="zh-CN" altLang="en-US"/>
               <a:t>第五级</a:t>
             </a:r>
             <a:endParaRPr lang="en-US" dirty="0"/>
@@ -764,7 +764,7 @@
           <a:p>
             <a:fld id="{9A9588F4-A4CE-45D6-BF9E-2ECB20C17A22}" type="datetimeFigureOut">
               <a:rPr lang="zh-CN" altLang="en-US" smtClean="0"/>
-              <a:t>2017/4/6</a:t>
+              <a:t>2017/4/7</a:t>
             </a:fld>
             <a:endParaRPr lang="zh-CN" altLang="en-US"/>
           </a:p>
@@ -867,7 +867,7 @@
           </a:lstStyle>
           <a:p>
             <a:r>
-              <a:rPr lang="zh-CN" altLang="en-US" smtClean="0"/>
+              <a:rPr lang="zh-CN" altLang="en-US"/>
               <a:t>单击此处编辑母版标题样式</a:t>
             </a:r>
             <a:endParaRPr lang="en-US" dirty="0"/>
@@ -987,7 +987,7 @@
           <a:p>
             <a:pPr lvl="0"/>
             <a:r>
-              <a:rPr lang="zh-CN" altLang="en-US" smtClean="0"/>
+              <a:rPr lang="zh-CN" altLang="en-US"/>
               <a:t>单击此处编辑母版文本样式</a:t>
             </a:r>
           </a:p>
@@ -1010,7 +1010,7 @@
           <a:p>
             <a:fld id="{9A9588F4-A4CE-45D6-BF9E-2ECB20C17A22}" type="datetimeFigureOut">
               <a:rPr lang="zh-CN" altLang="en-US" smtClean="0"/>
-              <a:t>2017/4/6</a:t>
+              <a:t>2017/4/7</a:t>
             </a:fld>
             <a:endParaRPr lang="zh-CN" altLang="en-US"/>
           </a:p>
@@ -1104,7 +1104,7 @@
           <a:lstStyle/>
           <a:p>
             <a:r>
-              <a:rPr lang="zh-CN" altLang="en-US" smtClean="0"/>
+              <a:rPr lang="zh-CN" altLang="en-US"/>
               <a:t>单击此处编辑母版标题样式</a:t>
             </a:r>
             <a:endParaRPr lang="en-US" dirty="0"/>
@@ -1133,35 +1133,35 @@
           <a:p>
             <a:pPr lvl="0"/>
             <a:r>
-              <a:rPr lang="zh-CN" altLang="en-US" smtClean="0"/>
+              <a:rPr lang="zh-CN" altLang="en-US"/>
               <a:t>单击此处编辑母版文本样式</a:t>
             </a:r>
           </a:p>
           <a:p>
             <a:pPr lvl="1"/>
             <a:r>
-              <a:rPr lang="zh-CN" altLang="en-US" smtClean="0"/>
+              <a:rPr lang="zh-CN" altLang="en-US"/>
               <a:t>第二级</a:t>
             </a:r>
           </a:p>
           <a:p>
             <a:pPr lvl="2"/>
             <a:r>
-              <a:rPr lang="zh-CN" altLang="en-US" smtClean="0"/>
+              <a:rPr lang="zh-CN" altLang="en-US"/>
               <a:t>第三级</a:t>
             </a:r>
           </a:p>
           <a:p>
             <a:pPr lvl="3"/>
             <a:r>
-              <a:rPr lang="zh-CN" altLang="en-US" smtClean="0"/>
+              <a:rPr lang="zh-CN" altLang="en-US"/>
               <a:t>第四级</a:t>
             </a:r>
           </a:p>
           <a:p>
             <a:pPr lvl="4"/>
             <a:r>
-              <a:rPr lang="zh-CN" altLang="en-US" smtClean="0"/>
+              <a:rPr lang="zh-CN" altLang="en-US"/>
               <a:t>第五级</a:t>
             </a:r>
             <a:endParaRPr lang="en-US" dirty="0"/>
@@ -1190,35 +1190,35 @@
           <a:p>
             <a:pPr lvl="0"/>
             <a:r>
-              <a:rPr lang="zh-CN" altLang="en-US" smtClean="0"/>
+              <a:rPr lang="zh-CN" altLang="en-US"/>
               <a:t>单击此处编辑母版文本样式</a:t>
             </a:r>
           </a:p>
           <a:p>
             <a:pPr lvl="1"/>
             <a:r>
-              <a:rPr lang="zh-CN" altLang="en-US" smtClean="0"/>
+              <a:rPr lang="zh-CN" altLang="en-US"/>
               <a:t>第二级</a:t>
             </a:r>
           </a:p>
           <a:p>
             <a:pPr lvl="2"/>
             <a:r>
-              <a:rPr lang="zh-CN" altLang="en-US" smtClean="0"/>
+              <a:rPr lang="zh-CN" altLang="en-US"/>
               <a:t>第三级</a:t>
             </a:r>
           </a:p>
           <a:p>
             <a:pPr lvl="3"/>
             <a:r>
-              <a:rPr lang="zh-CN" altLang="en-US" smtClean="0"/>
+              <a:rPr lang="zh-CN" altLang="en-US"/>
               <a:t>第四级</a:t>
             </a:r>
           </a:p>
           <a:p>
             <a:pPr lvl="4"/>
             <a:r>
-              <a:rPr lang="zh-CN" altLang="en-US" smtClean="0"/>
+              <a:rPr lang="zh-CN" altLang="en-US"/>
               <a:t>第五级</a:t>
             </a:r>
             <a:endParaRPr lang="en-US" dirty="0"/>
@@ -1242,7 +1242,7 @@
           <a:p>
             <a:fld id="{9A9588F4-A4CE-45D6-BF9E-2ECB20C17A22}" type="datetimeFigureOut">
               <a:rPr lang="zh-CN" altLang="en-US" smtClean="0"/>
-              <a:t>2017/4/6</a:t>
+              <a:t>2017/4/7</a:t>
             </a:fld>
             <a:endParaRPr lang="zh-CN" altLang="en-US"/>
           </a:p>
@@ -1341,7 +1341,7 @@
           <a:lstStyle/>
           <a:p>
             <a:r>
-              <a:rPr lang="zh-CN" altLang="en-US" smtClean="0"/>
+              <a:rPr lang="zh-CN" altLang="en-US"/>
               <a:t>单击此处编辑母版标题样式</a:t>
             </a:r>
             <a:endParaRPr lang="en-US" dirty="0"/>
@@ -1407,7 +1407,7 @@
           <a:p>
             <a:pPr lvl="0"/>
             <a:r>
-              <a:rPr lang="zh-CN" altLang="en-US" smtClean="0"/>
+              <a:rPr lang="zh-CN" altLang="en-US"/>
               <a:t>单击此处编辑母版文本样式</a:t>
             </a:r>
           </a:p>
@@ -1435,35 +1435,35 @@
           <a:p>
             <a:pPr lvl="0"/>
             <a:r>
-              <a:rPr lang="zh-CN" altLang="en-US" smtClean="0"/>
+              <a:rPr lang="zh-CN" altLang="en-US"/>
               <a:t>单击此处编辑母版文本样式</a:t>
             </a:r>
           </a:p>
           <a:p>
             <a:pPr lvl="1"/>
             <a:r>
-              <a:rPr lang="zh-CN" altLang="en-US" smtClean="0"/>
+              <a:rPr lang="zh-CN" altLang="en-US"/>
               <a:t>第二级</a:t>
             </a:r>
           </a:p>
           <a:p>
             <a:pPr lvl="2"/>
             <a:r>
-              <a:rPr lang="zh-CN" altLang="en-US" smtClean="0"/>
+              <a:rPr lang="zh-CN" altLang="en-US"/>
               <a:t>第三级</a:t>
             </a:r>
           </a:p>
           <a:p>
             <a:pPr lvl="3"/>
             <a:r>
-              <a:rPr lang="zh-CN" altLang="en-US" smtClean="0"/>
+              <a:rPr lang="zh-CN" altLang="en-US"/>
               <a:t>第四级</a:t>
             </a:r>
           </a:p>
           <a:p>
             <a:pPr lvl="4"/>
             <a:r>
-              <a:rPr lang="zh-CN" altLang="en-US" smtClean="0"/>
+              <a:rPr lang="zh-CN" altLang="en-US"/>
               <a:t>第五级</a:t>
             </a:r>
             <a:endParaRPr lang="en-US" dirty="0"/>
@@ -1529,7 +1529,7 @@
           <a:p>
             <a:pPr lvl="0"/>
             <a:r>
-              <a:rPr lang="zh-CN" altLang="en-US" smtClean="0"/>
+              <a:rPr lang="zh-CN" altLang="en-US"/>
               <a:t>单击此处编辑母版文本样式</a:t>
             </a:r>
           </a:p>
@@ -1557,35 +1557,35 @@
           <a:p>
             <a:pPr lvl="0"/>
             <a:r>
-              <a:rPr lang="zh-CN" altLang="en-US" smtClean="0"/>
+              <a:rPr lang="zh-CN" altLang="en-US"/>
               <a:t>单击此处编辑母版文本样式</a:t>
             </a:r>
           </a:p>
           <a:p>
             <a:pPr lvl="1"/>
             <a:r>
-              <a:rPr lang="zh-CN" altLang="en-US" smtClean="0"/>
+              <a:rPr lang="zh-CN" altLang="en-US"/>
               <a:t>第二级</a:t>
             </a:r>
           </a:p>
           <a:p>
             <a:pPr lvl="2"/>
             <a:r>
-              <a:rPr lang="zh-CN" altLang="en-US" smtClean="0"/>
+              <a:rPr lang="zh-CN" altLang="en-US"/>
               <a:t>第三级</a:t>
             </a:r>
           </a:p>
           <a:p>
             <a:pPr lvl="3"/>
             <a:r>
-              <a:rPr lang="zh-CN" altLang="en-US" smtClean="0"/>
+              <a:rPr lang="zh-CN" altLang="en-US"/>
               <a:t>第四级</a:t>
             </a:r>
           </a:p>
           <a:p>
             <a:pPr lvl="4"/>
             <a:r>
-              <a:rPr lang="zh-CN" altLang="en-US" smtClean="0"/>
+              <a:rPr lang="zh-CN" altLang="en-US"/>
               <a:t>第五级</a:t>
             </a:r>
             <a:endParaRPr lang="en-US" dirty="0"/>
@@ -1609,7 +1609,7 @@
           <a:p>
             <a:fld id="{9A9588F4-A4CE-45D6-BF9E-2ECB20C17A22}" type="datetimeFigureOut">
               <a:rPr lang="zh-CN" altLang="en-US" smtClean="0"/>
-              <a:t>2017/4/6</a:t>
+              <a:t>2017/4/7</a:t>
             </a:fld>
             <a:endParaRPr lang="zh-CN" altLang="en-US"/>
           </a:p>
@@ -1703,7 +1703,7 @@
           <a:lstStyle/>
           <a:p>
             <a:r>
-              <a:rPr lang="zh-CN" altLang="en-US" smtClean="0"/>
+              <a:rPr lang="zh-CN" altLang="en-US"/>
               <a:t>单击此处编辑母版标题样式</a:t>
             </a:r>
             <a:endParaRPr lang="en-US" dirty="0"/>
@@ -1727,7 +1727,7 @@
           <a:p>
             <a:fld id="{9A9588F4-A4CE-45D6-BF9E-2ECB20C17A22}" type="datetimeFigureOut">
               <a:rPr lang="zh-CN" altLang="en-US" smtClean="0"/>
-              <a:t>2017/4/6</a:t>
+              <a:t>2017/4/7</a:t>
             </a:fld>
             <a:endParaRPr lang="zh-CN" altLang="en-US"/>
           </a:p>
@@ -1822,7 +1822,7 @@
           <a:p>
             <a:fld id="{9A9588F4-A4CE-45D6-BF9E-2ECB20C17A22}" type="datetimeFigureOut">
               <a:rPr lang="zh-CN" altLang="en-US" smtClean="0"/>
-              <a:t>2017/4/6</a:t>
+              <a:t>2017/4/7</a:t>
             </a:fld>
             <a:endParaRPr lang="zh-CN" altLang="en-US"/>
           </a:p>
@@ -1925,7 +1925,7 @@
           </a:lstStyle>
           <a:p>
             <a:r>
-              <a:rPr lang="zh-CN" altLang="en-US" smtClean="0"/>
+              <a:rPr lang="zh-CN" altLang="en-US"/>
               <a:t>单击此处编辑母版标题样式</a:t>
             </a:r>
             <a:endParaRPr lang="en-US" dirty="0"/>
@@ -1982,35 +1982,35 @@
           <a:p>
             <a:pPr lvl="0"/>
             <a:r>
-              <a:rPr lang="zh-CN" altLang="en-US" smtClean="0"/>
+              <a:rPr lang="zh-CN" altLang="en-US"/>
               <a:t>单击此处编辑母版文本样式</a:t>
             </a:r>
           </a:p>
           <a:p>
             <a:pPr lvl="1"/>
             <a:r>
-              <a:rPr lang="zh-CN" altLang="en-US" smtClean="0"/>
+              <a:rPr lang="zh-CN" altLang="en-US"/>
               <a:t>第二级</a:t>
             </a:r>
           </a:p>
           <a:p>
             <a:pPr lvl="2"/>
             <a:r>
-              <a:rPr lang="zh-CN" altLang="en-US" smtClean="0"/>
+              <a:rPr lang="zh-CN" altLang="en-US"/>
               <a:t>第三级</a:t>
             </a:r>
           </a:p>
           <a:p>
             <a:pPr lvl="3"/>
             <a:r>
-              <a:rPr lang="zh-CN" altLang="en-US" smtClean="0"/>
+              <a:rPr lang="zh-CN" altLang="en-US"/>
               <a:t>第四级</a:t>
             </a:r>
           </a:p>
           <a:p>
             <a:pPr lvl="4"/>
             <a:r>
-              <a:rPr lang="zh-CN" altLang="en-US" smtClean="0"/>
+              <a:rPr lang="zh-CN" altLang="en-US"/>
               <a:t>第五级</a:t>
             </a:r>
             <a:endParaRPr lang="en-US" dirty="0"/>
@@ -2076,7 +2076,7 @@
           <a:p>
             <a:pPr lvl="0"/>
             <a:r>
-              <a:rPr lang="zh-CN" altLang="en-US" smtClean="0"/>
+              <a:rPr lang="zh-CN" altLang="en-US"/>
               <a:t>单击此处编辑母版文本样式</a:t>
             </a:r>
           </a:p>
@@ -2099,7 +2099,7 @@
           <a:p>
             <a:fld id="{9A9588F4-A4CE-45D6-BF9E-2ECB20C17A22}" type="datetimeFigureOut">
               <a:rPr lang="zh-CN" altLang="en-US" smtClean="0"/>
-              <a:t>2017/4/6</a:t>
+              <a:t>2017/4/7</a:t>
             </a:fld>
             <a:endParaRPr lang="zh-CN" altLang="en-US"/>
           </a:p>
@@ -2202,7 +2202,7 @@
           </a:lstStyle>
           <a:p>
             <a:r>
-              <a:rPr lang="zh-CN" altLang="en-US" smtClean="0"/>
+              <a:rPr lang="zh-CN" altLang="en-US"/>
               <a:t>单击此处编辑母版标题样式</a:t>
             </a:r>
             <a:endParaRPr lang="en-US" dirty="0"/>
@@ -2267,7 +2267,7 @@
           </a:lstStyle>
           <a:p>
             <a:r>
-              <a:rPr lang="zh-CN" altLang="en-US" smtClean="0"/>
+              <a:rPr lang="zh-CN" altLang="en-US"/>
               <a:t>单击图标添加图片</a:t>
             </a:r>
             <a:endParaRPr lang="en-US" dirty="0"/>
@@ -2333,7 +2333,7 @@
           <a:p>
             <a:pPr lvl="0"/>
             <a:r>
-              <a:rPr lang="zh-CN" altLang="en-US" smtClean="0"/>
+              <a:rPr lang="zh-CN" altLang="en-US"/>
               <a:t>单击此处编辑母版文本样式</a:t>
             </a:r>
           </a:p>
@@ -2356,7 +2356,7 @@
           <a:p>
             <a:fld id="{9A9588F4-A4CE-45D6-BF9E-2ECB20C17A22}" type="datetimeFigureOut">
               <a:rPr lang="zh-CN" altLang="en-US" smtClean="0"/>
-              <a:t>2017/4/6</a:t>
+              <a:t>2017/4/7</a:t>
             </a:fld>
             <a:endParaRPr lang="zh-CN" altLang="en-US"/>
           </a:p>
@@ -2465,7 +2465,7 @@
           <a:lstStyle/>
           <a:p>
             <a:r>
-              <a:rPr lang="zh-CN" altLang="en-US" smtClean="0"/>
+              <a:rPr lang="zh-CN" altLang="en-US"/>
               <a:t>单击此处编辑母版标题样式</a:t>
             </a:r>
             <a:endParaRPr lang="en-US" dirty="0"/>
@@ -2499,35 +2499,35 @@
           <a:p>
             <a:pPr lvl="0"/>
             <a:r>
-              <a:rPr lang="zh-CN" altLang="en-US" smtClean="0"/>
+              <a:rPr lang="zh-CN" altLang="en-US"/>
               <a:t>单击此处编辑母版文本样式</a:t>
             </a:r>
           </a:p>
           <a:p>
             <a:pPr lvl="1"/>
             <a:r>
-              <a:rPr lang="zh-CN" altLang="en-US" smtClean="0"/>
+              <a:rPr lang="zh-CN" altLang="en-US"/>
               <a:t>第二级</a:t>
             </a:r>
           </a:p>
           <a:p>
             <a:pPr lvl="2"/>
             <a:r>
-              <a:rPr lang="zh-CN" altLang="en-US" smtClean="0"/>
+              <a:rPr lang="zh-CN" altLang="en-US"/>
               <a:t>第三级</a:t>
             </a:r>
           </a:p>
           <a:p>
             <a:pPr lvl="3"/>
             <a:r>
-              <a:rPr lang="zh-CN" altLang="en-US" smtClean="0"/>
+              <a:rPr lang="zh-CN" altLang="en-US"/>
               <a:t>第四级</a:t>
             </a:r>
           </a:p>
           <a:p>
             <a:pPr lvl="4"/>
             <a:r>
-              <a:rPr lang="zh-CN" altLang="en-US" smtClean="0"/>
+              <a:rPr lang="zh-CN" altLang="en-US"/>
               <a:t>第五级</a:t>
             </a:r>
             <a:endParaRPr lang="en-US" dirty="0"/>
@@ -2569,7 +2569,7 @@
           <a:p>
             <a:fld id="{9A9588F4-A4CE-45D6-BF9E-2ECB20C17A22}" type="datetimeFigureOut">
               <a:rPr lang="zh-CN" altLang="en-US" smtClean="0"/>
-              <a:t>2017/4/6</a:t>
+              <a:t>2017/4/7</a:t>
             </a:fld>
             <a:endParaRPr lang="zh-CN" altLang="en-US"/>
           </a:p>
@@ -2991,7 +2991,7 @@
         </p:nvGraphicFramePr>
         <p:xfrm>
           <a:off x="8" y="-4037778"/>
-          <a:ext cx="12184381" cy="14123582"/>
+          <a:ext cx="12184381" cy="14151717"/>
         </p:xfrm>
         <a:graphic>
           <a:graphicData uri="http://schemas.openxmlformats.org/drawingml/2006/table">
@@ -3003,35 +3003,35 @@
                 <a:gridCol w="371794">
                   <a:extLst>
                     <a:ext uri="{9D8B030D-6E8A-4147-A177-3AD203B41FA5}">
-                      <a16:colId xmlns:a16="http://schemas.microsoft.com/office/drawing/2014/main" xmlns="" val="1495994520"/>
+                      <a16:colId xmlns:a16="http://schemas.microsoft.com/office/drawing/2014/main" val="1495994520"/>
                     </a:ext>
                   </a:extLst>
                 </a:gridCol>
                 <a:gridCol w="4274343">
                   <a:extLst>
                     <a:ext uri="{9D8B030D-6E8A-4147-A177-3AD203B41FA5}">
-                      <a16:colId xmlns:a16="http://schemas.microsoft.com/office/drawing/2014/main" xmlns="" val="1129046455"/>
+                      <a16:colId xmlns:a16="http://schemas.microsoft.com/office/drawing/2014/main" val="1129046455"/>
                     </a:ext>
                   </a:extLst>
                 </a:gridCol>
                 <a:gridCol w="4088288">
                   <a:extLst>
                     <a:ext uri="{9D8B030D-6E8A-4147-A177-3AD203B41FA5}">
-                      <a16:colId xmlns:a16="http://schemas.microsoft.com/office/drawing/2014/main" xmlns="" val="2369603338"/>
+                      <a16:colId xmlns:a16="http://schemas.microsoft.com/office/drawing/2014/main" val="2369603338"/>
                     </a:ext>
                   </a:extLst>
                 </a:gridCol>
                 <a:gridCol w="1794988">
                   <a:extLst>
                     <a:ext uri="{9D8B030D-6E8A-4147-A177-3AD203B41FA5}">
-                      <a16:colId xmlns:a16="http://schemas.microsoft.com/office/drawing/2014/main" xmlns="" val="2935269635"/>
+                      <a16:colId xmlns:a16="http://schemas.microsoft.com/office/drawing/2014/main" val="2935269635"/>
                     </a:ext>
                   </a:extLst>
                 </a:gridCol>
                 <a:gridCol w="1654968">
                   <a:extLst>
                     <a:ext uri="{9D8B030D-6E8A-4147-A177-3AD203B41FA5}">
-                      <a16:colId xmlns:a16="http://schemas.microsoft.com/office/drawing/2014/main" xmlns="" val="3987723325"/>
+                      <a16:colId xmlns:a16="http://schemas.microsoft.com/office/drawing/2014/main" val="3987723325"/>
                     </a:ext>
                   </a:extLst>
                 </a:gridCol>
@@ -3124,7 +3124,7 @@
                 </a:tc>
                 <a:extLst>
                   <a:ext uri="{0D108BD9-81ED-4DB2-BD59-A6C34878D82A}">
-                    <a16:rowId xmlns:a16="http://schemas.microsoft.com/office/drawing/2014/main" xmlns="" val="436986935"/>
+                    <a16:rowId xmlns:a16="http://schemas.microsoft.com/office/drawing/2014/main" val="436986935"/>
                   </a:ext>
                 </a:extLst>
               </a:tr>
@@ -3225,7 +3225,7 @@
                 </a:tc>
                 <a:extLst>
                   <a:ext uri="{0D108BD9-81ED-4DB2-BD59-A6C34878D82A}">
-                    <a16:rowId xmlns:a16="http://schemas.microsoft.com/office/drawing/2014/main" xmlns="" val="2327670510"/>
+                    <a16:rowId xmlns:a16="http://schemas.microsoft.com/office/drawing/2014/main" val="2327670510"/>
                   </a:ext>
                 </a:extLst>
               </a:tr>
@@ -3898,7 +3898,7 @@
                 </a:tc>
                 <a:extLst>
                   <a:ext uri="{0D108BD9-81ED-4DB2-BD59-A6C34878D82A}">
-                    <a16:rowId xmlns:a16="http://schemas.microsoft.com/office/drawing/2014/main" xmlns="" val="491477770"/>
+                    <a16:rowId xmlns:a16="http://schemas.microsoft.com/office/drawing/2014/main" val="491477770"/>
                   </a:ext>
                 </a:extLst>
               </a:tr>
@@ -5228,7 +5228,7 @@
                 </a:tc>
                 <a:extLst>
                   <a:ext uri="{0D108BD9-81ED-4DB2-BD59-A6C34878D82A}">
-                    <a16:rowId xmlns:a16="http://schemas.microsoft.com/office/drawing/2014/main" xmlns="" val="2969912682"/>
+                    <a16:rowId xmlns:a16="http://schemas.microsoft.com/office/drawing/2014/main" val="2969912682"/>
                   </a:ext>
                 </a:extLst>
               </a:tr>
@@ -6238,7 +6238,7 @@
                 </a:tc>
                 <a:extLst>
                   <a:ext uri="{0D108BD9-81ED-4DB2-BD59-A6C34878D82A}">
-                    <a16:rowId xmlns:a16="http://schemas.microsoft.com/office/drawing/2014/main" xmlns="" val="1325939187"/>
+                    <a16:rowId xmlns:a16="http://schemas.microsoft.com/office/drawing/2014/main" val="1325939187"/>
                   </a:ext>
                 </a:extLst>
               </a:tr>
@@ -6250,7 +6250,7 @@
                     <a:p>
                       <a:pPr marR="0" algn="ctr" rtl="0"/>
                       <a:r>
-                        <a:rPr lang="en-US" altLang="zh-CN" sz="1100" dirty="0" smtClean="0">
+                        <a:rPr lang="en-US" altLang="zh-CN" sz="1100" dirty="0">
                           <a:latin typeface="Times New Roman" panose="02020603050405020304" pitchFamily="18" charset="0"/>
                           <a:cs typeface="Times New Roman" panose="02020603050405020304" pitchFamily="18" charset="0"/>
                         </a:rPr>
@@ -6538,6 +6538,11 @@
                   </a:txBody>
                   <a:tcPr anchor="ctr"/>
                 </a:tc>
+                <a:extLst>
+                  <a:ext uri="{0D108BD9-81ED-4DB2-BD59-A6C34878D82A}">
+                    <a16:rowId xmlns:a16="http://schemas.microsoft.com/office/drawing/2014/main" val="10005"/>
+                  </a:ext>
+                </a:extLst>
               </a:tr>
               <a:tr h="2117188">
                 <a:tc>
@@ -6547,7 +6552,7 @@
                     <a:p>
                       <a:pPr marR="0" algn="ctr" rtl="0"/>
                       <a:r>
-                        <a:rPr lang="en-US" altLang="zh-CN" sz="1100" dirty="0" smtClean="0">
+                        <a:rPr lang="en-US" altLang="zh-CN" sz="1100" dirty="0">
                           <a:latin typeface="Times New Roman" panose="02020603050405020304" pitchFamily="18" charset="0"/>
                           <a:cs typeface="Times New Roman" panose="02020603050405020304" pitchFamily="18" charset="0"/>
                         </a:rPr>
@@ -7072,6 +7077,11 @@
                   </a:txBody>
                   <a:tcPr anchor="ctr"/>
                 </a:tc>
+                <a:extLst>
+                  <a:ext uri="{0D108BD9-81ED-4DB2-BD59-A6C34878D82A}">
+                    <a16:rowId xmlns:a16="http://schemas.microsoft.com/office/drawing/2014/main" val="10006"/>
+                  </a:ext>
+                </a:extLst>
               </a:tr>
               <a:tr h="1441938">
                 <a:tc>
@@ -7081,7 +7091,7 @@
                     <a:p>
                       <a:pPr marR="0" algn="ctr" rtl="0"/>
                       <a:r>
-                        <a:rPr lang="en-US" altLang="zh-CN" sz="1100" dirty="0" smtClean="0">
+                        <a:rPr lang="en-US" altLang="zh-CN" sz="1100" dirty="0">
                           <a:latin typeface="Times New Roman" panose="02020603050405020304" pitchFamily="18" charset="0"/>
                           <a:cs typeface="Times New Roman" panose="02020603050405020304" pitchFamily="18" charset="0"/>
                         </a:rPr>
@@ -7516,19 +7526,8 @@
                           <a:latin typeface="Courier New" panose="02070309020205020404" pitchFamily="49" charset="0"/>
                           <a:cs typeface="Courier New" panose="02070309020205020404" pitchFamily="49" charset="0"/>
                         </a:rPr>
-                        <a:t>  </a:t>
-                      </a:r>
-                      <a:r>
-                        <a:rPr lang="en-US" altLang="zh-CN" sz="1100" dirty="0" smtClean="0">
-                          <a:latin typeface="Courier New" panose="02070309020205020404" pitchFamily="49" charset="0"/>
-                          <a:cs typeface="Courier New" panose="02070309020205020404" pitchFamily="49" charset="0"/>
-                        </a:rPr>
-                        <a:t>statements2</a:t>
-                      </a:r>
-                      <a:endParaRPr lang="en-US" altLang="zh-CN" sz="1100" dirty="0">
-                        <a:latin typeface="Courier New" panose="02070309020205020404" pitchFamily="49" charset="0"/>
-                        <a:cs typeface="Courier New" panose="02070309020205020404" pitchFamily="49" charset="0"/>
-                      </a:endParaRPr>
+                        <a:t>  statements2</a:t>
+                      </a:r>
                     </a:p>
                     <a:p>
                       <a:pPr marR="0" algn="l" rtl="0"/>
@@ -7543,7 +7542,7 @@
                     <a:p>
                       <a:pPr marR="0" algn="l" rtl="0"/>
                       <a:r>
-                        <a:rPr lang="en-US" altLang="zh-CN" sz="1100" dirty="0" smtClean="0">
+                        <a:rPr lang="en-US" altLang="zh-CN" sz="1100" dirty="0">
                           <a:latin typeface="Courier New" panose="02070309020205020404" pitchFamily="49" charset="0"/>
                           <a:cs typeface="Courier New" panose="02070309020205020404" pitchFamily="49" charset="0"/>
                         </a:rPr>
@@ -7557,6 +7556,11 @@
                   </a:txBody>
                   <a:tcPr anchor="ctr"/>
                 </a:tc>
+                <a:extLst>
+                  <a:ext uri="{0D108BD9-81ED-4DB2-BD59-A6C34878D82A}">
+                    <a16:rowId xmlns:a16="http://schemas.microsoft.com/office/drawing/2014/main" val="10007"/>
+                  </a:ext>
+                </a:extLst>
               </a:tr>
               <a:tr h="1477478">
                 <a:tc>
@@ -7566,7 +7570,7 @@
                     <a:p>
                       <a:pPr marR="0" algn="ctr" rtl="0"/>
                       <a:r>
-                        <a:rPr lang="en-US" altLang="zh-CN" sz="1100" dirty="0" smtClean="0">
+                        <a:rPr lang="en-US" altLang="zh-CN" sz="1100" dirty="0">
                           <a:latin typeface="Times New Roman" panose="02020603050405020304" pitchFamily="18" charset="0"/>
                           <a:cs typeface="Times New Roman" panose="02020603050405020304" pitchFamily="18" charset="0"/>
                         </a:rPr>
@@ -8003,7 +8007,7 @@
                 </a:tc>
                 <a:extLst>
                   <a:ext uri="{0D108BD9-81ED-4DB2-BD59-A6C34878D82A}">
-                    <a16:rowId xmlns:a16="http://schemas.microsoft.com/office/drawing/2014/main" xmlns="" val="3985160712"/>
+                    <a16:rowId xmlns:a16="http://schemas.microsoft.com/office/drawing/2014/main" val="3985160712"/>
                   </a:ext>
                 </a:extLst>
               </a:tr>
@@ -8051,7 +8055,7 @@
             <p:ph idx="1"/>
             <p:extLst>
               <p:ext uri="{D42A27DB-BD31-4B8C-83A1-F6EECF244321}">
-                <p14:modId xmlns:p14="http://schemas.microsoft.com/office/powerpoint/2010/main" val="702143782"/>
+                <p14:modId xmlns:p14="http://schemas.microsoft.com/office/powerpoint/2010/main" val="3588484437"/>
               </p:ext>
             </p:extLst>
           </p:nvPr>
@@ -8070,26 +8074,38 @@
                 <a:gridCol w="371794">
                   <a:extLst>
                     <a:ext uri="{9D8B030D-6E8A-4147-A177-3AD203B41FA5}">
-                      <a16:colId xmlns:a16="http://schemas.microsoft.com/office/drawing/2014/main" xmlns="" val="979900478"/>
+                      <a16:colId xmlns:a16="http://schemas.microsoft.com/office/drawing/2014/main" val="979900478"/>
                     </a:ext>
                   </a:extLst>
                 </a:gridCol>
                 <a:gridCol w="4208859">
                   <a:extLst>
                     <a:ext uri="{9D8B030D-6E8A-4147-A177-3AD203B41FA5}">
-                      <a16:colId xmlns:a16="http://schemas.microsoft.com/office/drawing/2014/main" xmlns="" val="286836760"/>
+                      <a16:colId xmlns:a16="http://schemas.microsoft.com/office/drawing/2014/main" val="286836760"/>
                     </a:ext>
                   </a:extLst>
                 </a:gridCol>
-                <a:gridCol w="4208859"/>
+                <a:gridCol w="4208859">
+                  <a:extLst>
+                    <a:ext uri="{9D8B030D-6E8A-4147-A177-3AD203B41FA5}">
+                      <a16:colId xmlns:a16="http://schemas.microsoft.com/office/drawing/2014/main" val="20002"/>
+                    </a:ext>
+                  </a:extLst>
+                </a:gridCol>
                 <a:gridCol w="1697434">
                   <a:extLst>
                     <a:ext uri="{9D8B030D-6E8A-4147-A177-3AD203B41FA5}">
-                      <a16:colId xmlns:a16="http://schemas.microsoft.com/office/drawing/2014/main" xmlns="" val="2860468690"/>
+                      <a16:colId xmlns:a16="http://schemas.microsoft.com/office/drawing/2014/main" val="2860468690"/>
                     </a:ext>
                   </a:extLst>
                 </a:gridCol>
-                <a:gridCol w="1697434"/>
+                <a:gridCol w="1697434">
+                  <a:extLst>
+                    <a:ext uri="{9D8B030D-6E8A-4147-A177-3AD203B41FA5}">
+                      <a16:colId xmlns:a16="http://schemas.microsoft.com/office/drawing/2014/main" val="20004"/>
+                    </a:ext>
+                  </a:extLst>
+                </a:gridCol>
               </a:tblGrid>
               <a:tr h="264695">
                 <a:tc rowSpan="2">
@@ -8177,7 +8193,7 @@
                 </a:tc>
                 <a:extLst>
                   <a:ext uri="{0D108BD9-81ED-4DB2-BD59-A6C34878D82A}">
-                    <a16:rowId xmlns:a16="http://schemas.microsoft.com/office/drawing/2014/main" xmlns="" val="255238892"/>
+                    <a16:rowId xmlns:a16="http://schemas.microsoft.com/office/drawing/2014/main" val="255238892"/>
                   </a:ext>
                 </a:extLst>
               </a:tr>
@@ -8199,7 +8215,7 @@
                     <a:p>
                       <a:pPr marR="0" algn="ctr" rtl="0"/>
                       <a:r>
-                        <a:rPr lang="en-US" altLang="zh-CN" sz="1100" kern="1200" dirty="0" smtClean="0">
+                        <a:rPr lang="en-US" altLang="zh-CN" sz="1100" kern="1200" dirty="0">
                           <a:solidFill>
                             <a:schemeClr val="tx1"/>
                           </a:solidFill>
@@ -8209,14 +8225,6 @@
                         </a:rPr>
                         <a:t>Original</a:t>
                       </a:r>
-                      <a:endParaRPr lang="en-US" altLang="zh-CN" sz="1100" kern="1200" dirty="0">
-                        <a:solidFill>
-                          <a:schemeClr val="tx1"/>
-                        </a:solidFill>
-                        <a:latin typeface="Times New Roman" panose="02020603050405020304" pitchFamily="18" charset="0"/>
-                        <a:ea typeface="+mn-ea"/>
-                        <a:cs typeface="Times New Roman" panose="02020603050405020304" pitchFamily="18" charset="0"/>
-                      </a:endParaRPr>
                     </a:p>
                   </a:txBody>
                   <a:tcPr anchor="ctr"/>
@@ -8228,7 +8236,7 @@
                     <a:p>
                       <a:pPr marR="0" algn="ctr" rtl="0"/>
                       <a:r>
-                        <a:rPr lang="en-US" altLang="zh-CN" sz="1100" kern="1200" dirty="0" smtClean="0">
+                        <a:rPr lang="en-US" altLang="zh-CN" sz="1100" kern="1200" dirty="0">
                           <a:solidFill>
                             <a:schemeClr val="tx1"/>
                           </a:solidFill>
@@ -8238,14 +8246,6 @@
                         </a:rPr>
                         <a:t>Modified</a:t>
                       </a:r>
-                      <a:endParaRPr lang="en-US" altLang="zh-CN" sz="1100" kern="1200" dirty="0">
-                        <a:solidFill>
-                          <a:schemeClr val="tx1"/>
-                        </a:solidFill>
-                        <a:latin typeface="Times New Roman" panose="02020603050405020304" pitchFamily="18" charset="0"/>
-                        <a:ea typeface="+mn-ea"/>
-                        <a:cs typeface="Times New Roman" panose="02020603050405020304" pitchFamily="18" charset="0"/>
-                      </a:endParaRPr>
                     </a:p>
                   </a:txBody>
                   <a:tcPr anchor="ctr"/>
@@ -8257,7 +8257,7 @@
                     <a:p>
                       <a:pPr marR="0" algn="ctr" rtl="0"/>
                       <a:r>
-                        <a:rPr lang="en-US" altLang="zh-CN" sz="1100" dirty="0" smtClean="0">
+                        <a:rPr lang="en-US" altLang="zh-CN" sz="1100" dirty="0">
                           <a:latin typeface="Times New Roman" panose="02020603050405020304" pitchFamily="18" charset="0"/>
                           <a:cs typeface="Times New Roman" panose="02020603050405020304" pitchFamily="18" charset="0"/>
                         </a:rPr>
@@ -8278,7 +8278,7 @@
                     <a:p>
                       <a:pPr marR="0" algn="ctr" rtl="0"/>
                       <a:r>
-                        <a:rPr lang="en-US" altLang="zh-CN" sz="1100" dirty="0" smtClean="0">
+                        <a:rPr lang="en-US" altLang="zh-CN" sz="1100" dirty="0">
                           <a:latin typeface="Times New Roman" panose="02020603050405020304" pitchFamily="18" charset="0"/>
                           <a:cs typeface="Times New Roman" panose="02020603050405020304" pitchFamily="18" charset="0"/>
                         </a:rPr>
@@ -8292,6 +8292,11 @@
                   </a:txBody>
                   <a:tcPr anchor="ctr"/>
                 </a:tc>
+                <a:extLst>
+                  <a:ext uri="{0D108BD9-81ED-4DB2-BD59-A6C34878D82A}">
+                    <a16:rowId xmlns:a16="http://schemas.microsoft.com/office/drawing/2014/main" val="10001"/>
+                  </a:ext>
+                </a:extLst>
               </a:tr>
               <a:tr h="2343752">
                 <a:tc>
@@ -8301,7 +8306,7 @@
                     <a:p>
                       <a:pPr marR="0" algn="ctr" rtl="0"/>
                       <a:r>
-                        <a:rPr lang="en-US" altLang="zh-CN" sz="1100" dirty="0" smtClean="0">
+                        <a:rPr lang="en-US" altLang="zh-CN" sz="1100" dirty="0">
                           <a:latin typeface="Times New Roman" panose="02020603050405020304" pitchFamily="18" charset="0"/>
                           <a:cs typeface="Times New Roman" panose="02020603050405020304" pitchFamily="18" charset="0"/>
                         </a:rPr>
@@ -8322,7 +8327,7 @@
                     <a:p>
                       <a:pPr marR="0" algn="l" rtl="0"/>
                       <a:r>
-                        <a:rPr lang="en-US" altLang="zh-CN" sz="1100" dirty="0" smtClean="0">
+                        <a:rPr lang="en-US" altLang="zh-CN" sz="1100" dirty="0">
                           <a:solidFill>
                             <a:srgbClr val="C00000"/>
                           </a:solidFill>
@@ -8332,7 +8337,7 @@
                         <a:t>-synchronized void </a:t>
                       </a:r>
                       <a:r>
-                        <a:rPr lang="en-US" altLang="zh-CN" sz="1100" dirty="0" err="1" smtClean="0">
+                        <a:rPr lang="en-US" altLang="zh-CN" sz="1100" dirty="0" err="1">
                           <a:solidFill>
                             <a:srgbClr val="C00000"/>
                           </a:solidFill>
@@ -8342,7 +8347,7 @@
                         <a:t>enqueue</a:t>
                       </a:r>
                       <a:r>
-                        <a:rPr lang="en-US" altLang="zh-CN" sz="1100" dirty="0" smtClean="0">
+                        <a:rPr lang="en-US" altLang="zh-CN" sz="1100" dirty="0">
                           <a:solidFill>
                             <a:srgbClr val="C00000"/>
                           </a:solidFill>
@@ -8352,7 +8357,7 @@
                         <a:t>(final long </a:t>
                       </a:r>
                       <a:r>
-                        <a:rPr lang="en-US" altLang="zh-CN" sz="1100" dirty="0" err="1" smtClean="0">
+                        <a:rPr lang="en-US" altLang="zh-CN" sz="1100" dirty="0" err="1">
                           <a:solidFill>
                             <a:srgbClr val="C00000"/>
                           </a:solidFill>
@@ -8362,7 +8367,7 @@
                         <a:t>seqno</a:t>
                       </a:r>
                       <a:r>
-                        <a:rPr lang="en-US" altLang="zh-CN" sz="1100" dirty="0" smtClean="0">
+                        <a:rPr lang="en-US" altLang="zh-CN" sz="1100" dirty="0">
                           <a:solidFill>
                             <a:srgbClr val="C00000"/>
                           </a:solidFill>
@@ -8371,7 +8376,7 @@
                         </a:rPr>
                         <a:t>,</a:t>
                       </a:r>
-                      <a:endParaRPr lang="en-US" altLang="zh-CN" sz="1100" baseline="0" dirty="0" smtClean="0">
+                      <a:endParaRPr lang="en-US" altLang="zh-CN" sz="1100" baseline="0" dirty="0">
                         <a:solidFill>
                           <a:srgbClr val="C00000"/>
                         </a:solidFill>
@@ -8385,7 +8390,7 @@
                         <a:buNone/>
                       </a:pPr>
                       <a:r>
-                        <a:rPr lang="en-US" altLang="zh-CN" sz="1100" dirty="0" smtClean="0">
+                        <a:rPr lang="en-US" altLang="zh-CN" sz="1100" dirty="0">
                           <a:solidFill>
                             <a:schemeClr val="tx1"/>
                           </a:solidFill>
@@ -8395,7 +8400,7 @@
                         <a:t>   final </a:t>
                       </a:r>
                       <a:r>
-                        <a:rPr lang="en-US" altLang="zh-CN" sz="1100" dirty="0" err="1" smtClean="0">
+                        <a:rPr lang="en-US" altLang="zh-CN" sz="1100" dirty="0" err="1">
                           <a:solidFill>
                             <a:schemeClr val="tx1"/>
                           </a:solidFill>
@@ -8405,7 +8410,7 @@
                         <a:t>boolean</a:t>
                       </a:r>
                       <a:r>
-                        <a:rPr lang="en-US" altLang="zh-CN" sz="1100" dirty="0" smtClean="0">
+                        <a:rPr lang="en-US" altLang="zh-CN" sz="1100" dirty="0">
                           <a:solidFill>
                             <a:schemeClr val="tx1"/>
                           </a:solidFill>
@@ -8415,7 +8420,7 @@
                         <a:t> </a:t>
                       </a:r>
                       <a:r>
-                        <a:rPr lang="en-US" altLang="zh-CN" sz="1100" dirty="0" err="1" smtClean="0">
+                        <a:rPr lang="en-US" altLang="zh-CN" sz="1100" dirty="0" err="1">
                           <a:solidFill>
                             <a:schemeClr val="tx1"/>
                           </a:solidFill>
@@ -8425,7 +8430,7 @@
                         <a:t>lastPacketInBlock</a:t>
                       </a:r>
                       <a:r>
-                        <a:rPr lang="en-US" altLang="zh-CN" sz="1100" dirty="0" smtClean="0">
+                        <a:rPr lang="en-US" altLang="zh-CN" sz="1100" dirty="0">
                           <a:solidFill>
                             <a:schemeClr val="tx1"/>
                           </a:solidFill>
@@ -8441,7 +8446,7 @@
                         <a:buNone/>
                       </a:pPr>
                       <a:r>
-                        <a:rPr lang="en-US" altLang="zh-CN" sz="1100" dirty="0" smtClean="0">
+                        <a:rPr lang="en-US" altLang="zh-CN" sz="1100" dirty="0">
                           <a:solidFill>
                             <a:schemeClr val="tx1"/>
                           </a:solidFill>
@@ -8451,7 +8456,7 @@
                         <a:t>   final long </a:t>
                       </a:r>
                       <a:r>
-                        <a:rPr lang="en-US" altLang="zh-CN" sz="1100" dirty="0" err="1" smtClean="0">
+                        <a:rPr lang="en-US" altLang="zh-CN" sz="1100" dirty="0" err="1">
                           <a:solidFill>
                             <a:schemeClr val="tx1"/>
                           </a:solidFill>
@@ -8461,7 +8466,7 @@
                         <a:t>offsetInBlock</a:t>
                       </a:r>
                       <a:r>
-                        <a:rPr lang="en-US" altLang="zh-CN" sz="1100" dirty="0" smtClean="0">
+                        <a:rPr lang="en-US" altLang="zh-CN" sz="1100" dirty="0">
                           <a:solidFill>
                             <a:schemeClr val="tx1"/>
                           </a:solidFill>
@@ -8477,7 +8482,7 @@
                         <a:buNone/>
                       </a:pPr>
                       <a:r>
-                        <a:rPr lang="en-US" altLang="zh-CN" sz="1100" dirty="0" smtClean="0">
+                        <a:rPr lang="en-US" altLang="zh-CN" sz="1100" dirty="0">
                           <a:solidFill>
                             <a:srgbClr val="C00000"/>
                           </a:solidFill>
@@ -8487,7 +8492,7 @@
                         <a:t>-  if</a:t>
                       </a:r>
                       <a:r>
-                        <a:rPr lang="en-US" altLang="zh-CN" sz="1100" baseline="0" dirty="0" smtClean="0">
+                        <a:rPr lang="en-US" altLang="zh-CN" sz="1100" baseline="0" dirty="0">
                           <a:solidFill>
                             <a:srgbClr val="C00000"/>
                           </a:solidFill>
@@ -8503,7 +8508,7 @@
                         <a:buNone/>
                       </a:pPr>
                       <a:r>
-                        <a:rPr lang="en-US" altLang="zh-CN" sz="1100" baseline="0" dirty="0" smtClean="0">
+                        <a:rPr lang="en-US" altLang="zh-CN" sz="1100" baseline="0" dirty="0">
                           <a:solidFill>
                             <a:schemeClr val="tx1"/>
                           </a:solidFill>
@@ -8513,7 +8518,7 @@
                         <a:t> </a:t>
                       </a:r>
                       <a:r>
-                        <a:rPr lang="en-US" altLang="zh-CN" sz="1100" dirty="0" smtClean="0">
+                        <a:rPr lang="en-US" altLang="zh-CN" sz="1100" dirty="0">
                           <a:solidFill>
                             <a:schemeClr val="tx1"/>
                           </a:solidFill>
@@ -8523,7 +8528,7 @@
                         <a:t>    final</a:t>
                       </a:r>
                       <a:r>
-                        <a:rPr lang="en-US" altLang="zh-CN" sz="1100" baseline="0" dirty="0" smtClean="0">
+                        <a:rPr lang="en-US" altLang="zh-CN" sz="1100" baseline="0" dirty="0">
                           <a:solidFill>
                             <a:schemeClr val="tx1"/>
                           </a:solidFill>
@@ -8539,7 +8544,7 @@
                         <a:buNone/>
                       </a:pPr>
                       <a:r>
-                        <a:rPr lang="en-US" altLang="zh-CN" sz="1100" baseline="0" dirty="0" smtClean="0">
+                        <a:rPr lang="en-US" altLang="zh-CN" sz="1100" baseline="0" dirty="0">
                           <a:solidFill>
                             <a:schemeClr val="tx1"/>
                           </a:solidFill>
@@ -8549,7 +8554,7 @@
                         <a:t>     </a:t>
                       </a:r>
                       <a:r>
-                        <a:rPr lang="en-US" altLang="zh-CN" sz="1100" baseline="0" dirty="0" err="1" smtClean="0">
+                        <a:rPr lang="en-US" altLang="zh-CN" sz="1100" baseline="0" dirty="0" err="1">
                           <a:solidFill>
                             <a:schemeClr val="tx1"/>
                           </a:solidFill>
@@ -8559,7 +8564,7 @@
                         <a:t>LOG.debug</a:t>
                       </a:r>
                       <a:r>
-                        <a:rPr lang="en-US" altLang="zh-CN" sz="1100" baseline="0" dirty="0" smtClean="0">
+                        <a:rPr lang="en-US" altLang="zh-CN" sz="1100" baseline="0" dirty="0">
                           <a:solidFill>
                             <a:schemeClr val="tx1"/>
                           </a:solidFill>
@@ -8574,7 +8579,7 @@
                         <a:buFontTx/>
                         <a:buNone/>
                       </a:pPr>
-                      <a:endParaRPr lang="en-US" altLang="zh-CN" sz="1100" baseline="0" dirty="0" smtClean="0">
+                      <a:endParaRPr lang="en-US" altLang="zh-CN" sz="1100" baseline="0" dirty="0">
                         <a:solidFill>
                           <a:schemeClr val="tx1"/>
                         </a:solidFill>
@@ -8587,7 +8592,7 @@
                         <a:buFontTx/>
                         <a:buNone/>
                       </a:pPr>
-                      <a:endParaRPr lang="en-US" altLang="zh-CN" sz="1100" baseline="0" dirty="0" smtClean="0">
+                      <a:endParaRPr lang="en-US" altLang="zh-CN" sz="1100" baseline="0" dirty="0">
                         <a:solidFill>
                           <a:schemeClr val="tx1"/>
                         </a:solidFill>
@@ -8601,7 +8606,7 @@
                         <a:buNone/>
                       </a:pPr>
                       <a:r>
-                        <a:rPr lang="en-US" altLang="zh-CN" sz="1100" baseline="0" dirty="0" smtClean="0">
+                        <a:rPr lang="en-US" altLang="zh-CN" sz="1100" baseline="0" dirty="0">
                           <a:solidFill>
                             <a:schemeClr val="tx1"/>
                           </a:solidFill>
@@ -8611,7 +8616,7 @@
                         <a:t>     </a:t>
                       </a:r>
                       <a:r>
-                        <a:rPr lang="en-US" altLang="zh-CN" sz="1100" baseline="0" dirty="0" err="1" smtClean="0">
+                        <a:rPr lang="en-US" altLang="zh-CN" sz="1100" baseline="0" dirty="0" err="1">
                           <a:solidFill>
                             <a:schemeClr val="tx1"/>
                           </a:solidFill>
@@ -8621,7 +8626,7 @@
                         <a:t>ackQueue.addLast</a:t>
                       </a:r>
                       <a:r>
-                        <a:rPr lang="en-US" altLang="zh-CN" sz="1100" baseline="0" dirty="0" smtClean="0">
+                        <a:rPr lang="en-US" altLang="zh-CN" sz="1100" baseline="0" dirty="0">
                           <a:solidFill>
                             <a:schemeClr val="tx1"/>
                           </a:solidFill>
@@ -8637,7 +8642,7 @@
                         <a:buNone/>
                       </a:pPr>
                       <a:r>
-                        <a:rPr lang="en-US" altLang="zh-CN" sz="1100" baseline="0" dirty="0" smtClean="0">
+                        <a:rPr lang="en-US" altLang="zh-CN" sz="1100" baseline="0" dirty="0">
                           <a:solidFill>
                             <a:schemeClr val="tx1"/>
                           </a:solidFill>
@@ -8647,7 +8652,7 @@
                         <a:t>     </a:t>
                       </a:r>
                       <a:r>
-                        <a:rPr lang="en-US" altLang="zh-CN" sz="1100" baseline="0" dirty="0" err="1" smtClean="0">
+                        <a:rPr lang="en-US" altLang="zh-CN" sz="1100" baseline="0" dirty="0" err="1">
                           <a:solidFill>
                             <a:schemeClr val="tx1"/>
                           </a:solidFill>
@@ -8657,7 +8662,7 @@
                         <a:t>notifyAll</a:t>
                       </a:r>
                       <a:r>
-                        <a:rPr lang="en-US" altLang="zh-CN" sz="1100" baseline="0" dirty="0" smtClean="0">
+                        <a:rPr lang="en-US" altLang="zh-CN" sz="1100" baseline="0" dirty="0">
                           <a:solidFill>
                             <a:schemeClr val="tx1"/>
                           </a:solidFill>
@@ -8673,7 +8678,7 @@
                         <a:buNone/>
                       </a:pPr>
                       <a:r>
-                        <a:rPr lang="en-US" altLang="zh-CN" sz="1100" baseline="0" dirty="0" smtClean="0">
+                        <a:rPr lang="en-US" altLang="zh-CN" sz="1100" baseline="0" dirty="0">
                           <a:solidFill>
                             <a:schemeClr val="tx1"/>
                           </a:solidFill>
@@ -8683,7 +8688,7 @@
                         <a:t> </a:t>
                       </a:r>
                       <a:r>
-                        <a:rPr lang="en-US" altLang="zh-CN" sz="1100" dirty="0" smtClean="0">
+                        <a:rPr lang="en-US" altLang="zh-CN" sz="1100" dirty="0">
                           <a:solidFill>
                             <a:schemeClr val="tx1"/>
                           </a:solidFill>
@@ -8699,7 +8704,7 @@
                         <a:buNone/>
                       </a:pPr>
                       <a:r>
-                        <a:rPr lang="en-US" altLang="zh-CN" sz="1100" dirty="0" smtClean="0">
+                        <a:rPr lang="en-US" altLang="zh-CN" sz="1100" dirty="0">
                           <a:solidFill>
                             <a:schemeClr val="tx1"/>
                           </a:solidFill>
@@ -8719,7 +8724,7 @@
                     <a:p>
                       <a:pPr marR="0" algn="l" rtl="0"/>
                       <a:r>
-                        <a:rPr lang="en-US" altLang="zh-CN" sz="1100" dirty="0" smtClean="0">
+                        <a:rPr lang="en-US" altLang="zh-CN" sz="1100" dirty="0">
                           <a:solidFill>
                             <a:srgbClr val="0070C0"/>
                           </a:solidFill>
@@ -8729,7 +8734,7 @@
                         <a:t>+void </a:t>
                       </a:r>
                       <a:r>
-                        <a:rPr lang="en-US" altLang="zh-CN" sz="1100" dirty="0" err="1" smtClean="0">
+                        <a:rPr lang="en-US" altLang="zh-CN" sz="1100" dirty="0" err="1">
                           <a:solidFill>
                             <a:srgbClr val="0070C0"/>
                           </a:solidFill>
@@ -8739,7 +8744,7 @@
                         <a:t>enqueue</a:t>
                       </a:r>
                       <a:r>
-                        <a:rPr lang="en-US" altLang="zh-CN" sz="1100" dirty="0" smtClean="0">
+                        <a:rPr lang="en-US" altLang="zh-CN" sz="1100" dirty="0">
                           <a:solidFill>
                             <a:srgbClr val="0070C0"/>
                           </a:solidFill>
@@ -8749,7 +8754,7 @@
                         <a:t>(final long </a:t>
                       </a:r>
                       <a:r>
-                        <a:rPr lang="en-US" altLang="zh-CN" sz="1100" dirty="0" err="1" smtClean="0">
+                        <a:rPr lang="en-US" altLang="zh-CN" sz="1100" dirty="0" err="1">
                           <a:solidFill>
                             <a:srgbClr val="0070C0"/>
                           </a:solidFill>
@@ -8759,7 +8764,7 @@
                         <a:t>seqno</a:t>
                       </a:r>
                       <a:r>
-                        <a:rPr lang="en-US" altLang="zh-CN" sz="1100" dirty="0" smtClean="0">
+                        <a:rPr lang="en-US" altLang="zh-CN" sz="1100" dirty="0">
                           <a:solidFill>
                             <a:srgbClr val="0070C0"/>
                           </a:solidFill>
@@ -8775,7 +8780,7 @@
                         <a:buNone/>
                       </a:pPr>
                       <a:r>
-                        <a:rPr lang="en-US" altLang="zh-CN" sz="1100" dirty="0" smtClean="0">
+                        <a:rPr lang="en-US" altLang="zh-CN" sz="1100" dirty="0">
                           <a:solidFill>
                             <a:schemeClr val="tx1"/>
                           </a:solidFill>
@@ -8785,7 +8790,7 @@
                         <a:t>   final </a:t>
                       </a:r>
                       <a:r>
-                        <a:rPr lang="en-US" altLang="zh-CN" sz="1100" dirty="0" err="1" smtClean="0">
+                        <a:rPr lang="en-US" altLang="zh-CN" sz="1100" dirty="0" err="1">
                           <a:solidFill>
                             <a:schemeClr val="tx1"/>
                           </a:solidFill>
@@ -8795,7 +8800,7 @@
                         <a:t>boolean</a:t>
                       </a:r>
                       <a:r>
-                        <a:rPr lang="en-US" altLang="zh-CN" sz="1100" dirty="0" smtClean="0">
+                        <a:rPr lang="en-US" altLang="zh-CN" sz="1100" dirty="0">
                           <a:solidFill>
                             <a:schemeClr val="tx1"/>
                           </a:solidFill>
@@ -8805,7 +8810,7 @@
                         <a:t> </a:t>
                       </a:r>
                       <a:r>
-                        <a:rPr lang="en-US" altLang="zh-CN" sz="1100" dirty="0" err="1" smtClean="0">
+                        <a:rPr lang="en-US" altLang="zh-CN" sz="1100" dirty="0" err="1">
                           <a:solidFill>
                             <a:schemeClr val="tx1"/>
                           </a:solidFill>
@@ -8815,7 +8820,7 @@
                         <a:t>lastPacketInBlock</a:t>
                       </a:r>
                       <a:r>
-                        <a:rPr lang="en-US" altLang="zh-CN" sz="1100" dirty="0" smtClean="0">
+                        <a:rPr lang="en-US" altLang="zh-CN" sz="1100" dirty="0">
                           <a:solidFill>
                             <a:schemeClr val="tx1"/>
                           </a:solidFill>
@@ -8831,7 +8836,7 @@
                         <a:buNone/>
                       </a:pPr>
                       <a:r>
-                        <a:rPr lang="en-US" altLang="zh-CN" sz="1100" dirty="0" smtClean="0">
+                        <a:rPr lang="en-US" altLang="zh-CN" sz="1100" dirty="0">
                           <a:solidFill>
                             <a:schemeClr val="tx1"/>
                           </a:solidFill>
@@ -8841,7 +8846,7 @@
                         <a:t>   final long </a:t>
                       </a:r>
                       <a:r>
-                        <a:rPr lang="en-US" altLang="zh-CN" sz="1100" dirty="0" err="1" smtClean="0">
+                        <a:rPr lang="en-US" altLang="zh-CN" sz="1100" dirty="0" err="1">
                           <a:solidFill>
                             <a:schemeClr val="tx1"/>
                           </a:solidFill>
@@ -8851,7 +8856,7 @@
                         <a:t>offsetInBlock</a:t>
                       </a:r>
                       <a:r>
-                        <a:rPr lang="en-US" altLang="zh-CN" sz="1100" dirty="0" smtClean="0">
+                        <a:rPr lang="en-US" altLang="zh-CN" sz="1100" dirty="0">
                           <a:solidFill>
                             <a:schemeClr val="tx1"/>
                           </a:solidFill>
@@ -8866,7 +8871,7 @@
                         <a:buFontTx/>
                         <a:buNone/>
                       </a:pPr>
-                      <a:endParaRPr lang="en-US" altLang="zh-CN" sz="1100" dirty="0" smtClean="0">
+                      <a:endParaRPr lang="en-US" altLang="zh-CN" sz="1100" dirty="0">
                         <a:solidFill>
                           <a:schemeClr val="tx1"/>
                         </a:solidFill>
@@ -8893,7 +8898,7 @@
                         <a:defRPr/>
                       </a:pPr>
                       <a:r>
-                        <a:rPr lang="en-US" altLang="zh-CN" sz="1100" dirty="0" smtClean="0">
+                        <a:rPr lang="en-US" altLang="zh-CN" sz="1100" dirty="0">
                           <a:solidFill>
                             <a:schemeClr val="tx1"/>
                           </a:solidFill>
@@ -8903,7 +8908,7 @@
                         <a:t>   final </a:t>
                       </a:r>
                       <a:r>
-                        <a:rPr lang="en-US" altLang="zh-CN" sz="1100" baseline="0" dirty="0" smtClean="0">
+                        <a:rPr lang="en-US" altLang="zh-CN" sz="1100" baseline="0" dirty="0">
                           <a:solidFill>
                             <a:schemeClr val="tx1"/>
                           </a:solidFill>
@@ -8919,21 +8924,21 @@
                         <a:buNone/>
                       </a:pPr>
                       <a:r>
-                        <a:rPr lang="en-US" altLang="zh-CN" sz="1100" dirty="0" smtClean="0">
+                        <a:rPr lang="en-US" altLang="zh-CN" sz="1100" dirty="0">
                           <a:latin typeface="Courier New" panose="02070309020205020404" pitchFamily="49" charset="0"/>
                           <a:cs typeface="Courier New" panose="02070309020205020404" pitchFamily="49" charset="0"/>
                         </a:rPr>
                         <a:t>   </a:t>
                       </a:r>
                       <a:r>
-                        <a:rPr lang="en-US" altLang="zh-CN" sz="1100" dirty="0" err="1" smtClean="0">
+                        <a:rPr lang="en-US" altLang="zh-CN" sz="1100" dirty="0" err="1">
                           <a:latin typeface="Courier New" panose="02070309020205020404" pitchFamily="49" charset="0"/>
                           <a:cs typeface="Courier New" panose="02070309020205020404" pitchFamily="49" charset="0"/>
                         </a:rPr>
                         <a:t>LOG.debug</a:t>
                       </a:r>
                       <a:r>
-                        <a:rPr lang="en-US" altLang="zh-CN" sz="1100" dirty="0" smtClean="0">
+                        <a:rPr lang="en-US" altLang="zh-CN" sz="1100" dirty="0">
                           <a:latin typeface="Courier New" panose="02070309020205020404" pitchFamily="49" charset="0"/>
                           <a:cs typeface="Courier New" panose="02070309020205020404" pitchFamily="49" charset="0"/>
                         </a:rPr>
@@ -8946,7 +8951,7 @@
                         <a:buNone/>
                       </a:pPr>
                       <a:r>
-                        <a:rPr lang="en-US" altLang="zh-CN" sz="1100" dirty="0" smtClean="0">
+                        <a:rPr lang="en-US" altLang="zh-CN" sz="1100" dirty="0">
                           <a:solidFill>
                             <a:srgbClr val="0070C0"/>
                           </a:solidFill>
@@ -8956,7 +8961,7 @@
                         <a:t>+  synchronized</a:t>
                       </a:r>
                       <a:r>
-                        <a:rPr lang="en-US" altLang="zh-CN" sz="1100" baseline="0" dirty="0" smtClean="0">
+                        <a:rPr lang="en-US" altLang="zh-CN" sz="1100" baseline="0" dirty="0">
                           <a:solidFill>
                             <a:srgbClr val="0070C0"/>
                           </a:solidFill>
@@ -8972,7 +8977,7 @@
                         <a:buNone/>
                       </a:pPr>
                       <a:r>
-                        <a:rPr lang="en-US" altLang="zh-CN" sz="1100" baseline="0" dirty="0" smtClean="0">
+                        <a:rPr lang="en-US" altLang="zh-CN" sz="1100" baseline="0" dirty="0">
                           <a:solidFill>
                             <a:srgbClr val="0070C0"/>
                           </a:solidFill>
@@ -8988,19 +8993,19 @@
                         <a:buNone/>
                       </a:pPr>
                       <a:r>
-                        <a:rPr lang="en-US" altLang="zh-CN" sz="1100" dirty="0" smtClean="0">
-                          <a:solidFill>
-                            <a:srgbClr val="0070C0"/>
-                          </a:solidFill>
-                          <a:latin typeface="Courier New" panose="02070309020205020404" pitchFamily="49" charset="0"/>
-                          <a:cs typeface="Courier New" panose="02070309020205020404" pitchFamily="49" charset="0"/>
-                        </a:rPr>
-                        <a:t>+      </a:t>
-                      </a:r>
-                      <a:r>
-                        <a:rPr lang="en-US" altLang="zh-CN" sz="1100" dirty="0" err="1" smtClean="0">
-                          <a:solidFill>
-                            <a:srgbClr val="0070C0"/>
+                        <a:rPr lang="en-US" altLang="zh-CN" sz="1100" dirty="0">
+                          <a:solidFill>
+                            <a:schemeClr val="tx1"/>
+                          </a:solidFill>
+                          <a:latin typeface="Courier New" panose="02070309020205020404" pitchFamily="49" charset="0"/>
+                          <a:cs typeface="Courier New" panose="02070309020205020404" pitchFamily="49" charset="0"/>
+                        </a:rPr>
+                        <a:t>       </a:t>
+                      </a:r>
+                      <a:r>
+                        <a:rPr lang="en-US" altLang="zh-CN" sz="1100" dirty="0" err="1">
+                          <a:solidFill>
+                            <a:schemeClr val="tx1"/>
                           </a:solidFill>
                           <a:latin typeface="Courier New" panose="02070309020205020404" pitchFamily="49" charset="0"/>
                           <a:cs typeface="Courier New" panose="02070309020205020404" pitchFamily="49" charset="0"/>
@@ -9008,9 +9013,9 @@
                         <a:t>ackQueue.addLast</a:t>
                       </a:r>
                       <a:r>
-                        <a:rPr lang="en-US" altLang="zh-CN" sz="1100" dirty="0" smtClean="0">
-                          <a:solidFill>
-                            <a:srgbClr val="0070C0"/>
+                        <a:rPr lang="en-US" altLang="zh-CN" sz="1100" dirty="0">
+                          <a:solidFill>
+                            <a:schemeClr val="tx1"/>
                           </a:solidFill>
                           <a:latin typeface="Courier New" panose="02070309020205020404" pitchFamily="49" charset="0"/>
                           <a:cs typeface="Courier New" panose="02070309020205020404" pitchFamily="49" charset="0"/>
@@ -9024,19 +9029,19 @@
                         <a:buNone/>
                       </a:pPr>
                       <a:r>
-                        <a:rPr lang="en-US" altLang="zh-CN" sz="1100" dirty="0" smtClean="0">
-                          <a:solidFill>
-                            <a:srgbClr val="0070C0"/>
-                          </a:solidFill>
-                          <a:latin typeface="Courier New" panose="02070309020205020404" pitchFamily="49" charset="0"/>
-                          <a:cs typeface="Courier New" panose="02070309020205020404" pitchFamily="49" charset="0"/>
-                        </a:rPr>
-                        <a:t>+      </a:t>
-                      </a:r>
-                      <a:r>
-                        <a:rPr lang="en-US" altLang="zh-CN" sz="1100" dirty="0" err="1" smtClean="0">
-                          <a:solidFill>
-                            <a:srgbClr val="0070C0"/>
+                        <a:rPr lang="en-US" altLang="zh-CN" sz="1100">
+                          <a:solidFill>
+                            <a:schemeClr val="tx1"/>
+                          </a:solidFill>
+                          <a:latin typeface="Courier New" panose="02070309020205020404" pitchFamily="49" charset="0"/>
+                          <a:cs typeface="Courier New" panose="02070309020205020404" pitchFamily="49" charset="0"/>
+                        </a:rPr>
+                        <a:t>       </a:t>
+                      </a:r>
+                      <a:r>
+                        <a:rPr lang="en-US" altLang="zh-CN" sz="1100" dirty="0" err="1">
+                          <a:solidFill>
+                            <a:schemeClr val="tx1"/>
                           </a:solidFill>
                           <a:latin typeface="Courier New" panose="02070309020205020404" pitchFamily="49" charset="0"/>
                           <a:cs typeface="Courier New" panose="02070309020205020404" pitchFamily="49" charset="0"/>
@@ -9044,9 +9049,9 @@
                         <a:t>notifyAll</a:t>
                       </a:r>
                       <a:r>
-                        <a:rPr lang="en-US" altLang="zh-CN" sz="1100" dirty="0" smtClean="0">
-                          <a:solidFill>
-                            <a:srgbClr val="0070C0"/>
+                        <a:rPr lang="en-US" altLang="zh-CN" sz="1100" dirty="0">
+                          <a:solidFill>
+                            <a:schemeClr val="tx1"/>
                           </a:solidFill>
                           <a:latin typeface="Courier New" panose="02070309020205020404" pitchFamily="49" charset="0"/>
                           <a:cs typeface="Courier New" panose="02070309020205020404" pitchFamily="49" charset="0"/>
@@ -9060,7 +9065,7 @@
                         <a:buNone/>
                       </a:pPr>
                       <a:r>
-                        <a:rPr lang="en-US" altLang="zh-CN" sz="1100" dirty="0" smtClean="0">
+                        <a:rPr lang="en-US" altLang="zh-CN" sz="1100" dirty="0">
                           <a:solidFill>
                             <a:schemeClr val="tx1"/>
                           </a:solidFill>
@@ -9076,7 +9081,7 @@
                         <a:buNone/>
                       </a:pPr>
                       <a:r>
-                        <a:rPr lang="en-US" altLang="zh-CN" sz="1100" dirty="0" smtClean="0">
+                        <a:rPr lang="en-US" altLang="zh-CN" sz="1100" dirty="0">
                           <a:solidFill>
                             <a:schemeClr val="tx1"/>
                           </a:solidFill>
@@ -9092,7 +9097,7 @@
                         <a:buNone/>
                       </a:pPr>
                       <a:r>
-                        <a:rPr lang="en-US" altLang="zh-CN" sz="1100" dirty="0" smtClean="0">
+                        <a:rPr lang="en-US" altLang="zh-CN" sz="1100" dirty="0">
                           <a:solidFill>
                             <a:schemeClr val="tx1"/>
                           </a:solidFill>
@@ -9119,28 +9124,28 @@
                     <a:p>
                       <a:pPr marR="0" algn="l" rtl="0"/>
                       <a:r>
-                        <a:rPr lang="en-US" altLang="zh-CN" sz="1100" dirty="0" smtClean="0">
+                        <a:rPr lang="en-US" altLang="zh-CN" sz="1100" dirty="0">
                           <a:latin typeface="Courier New" panose="02070309020205020404" pitchFamily="49" charset="0"/>
                           <a:cs typeface="Courier New" panose="02070309020205020404" pitchFamily="49" charset="0"/>
                         </a:rPr>
                         <a:t>synchronized</a:t>
                       </a:r>
                       <a:r>
-                        <a:rPr lang="en-US" altLang="zh-CN" sz="1100" baseline="0" dirty="0" smtClean="0">
+                        <a:rPr lang="en-US" altLang="zh-CN" sz="1100" baseline="0" dirty="0">
                           <a:latin typeface="Courier New" panose="02070309020205020404" pitchFamily="49" charset="0"/>
                           <a:cs typeface="Courier New" panose="02070309020205020404" pitchFamily="49" charset="0"/>
                         </a:rPr>
                         <a:t> (</a:t>
                       </a:r>
                       <a:r>
-                        <a:rPr lang="en-US" altLang="zh-CN" sz="1100" baseline="0" dirty="0" err="1" smtClean="0">
+                        <a:rPr lang="en-US" altLang="zh-CN" sz="1100" baseline="0" dirty="0" err="1">
                           <a:latin typeface="Courier New" panose="02070309020205020404" pitchFamily="49" charset="0"/>
                           <a:cs typeface="Courier New" panose="02070309020205020404" pitchFamily="49" charset="0"/>
                         </a:rPr>
                         <a:t>obj</a:t>
                       </a:r>
                       <a:r>
-                        <a:rPr lang="en-US" altLang="zh-CN" sz="1100" baseline="0" dirty="0" smtClean="0">
+                        <a:rPr lang="en-US" altLang="zh-CN" sz="1100" baseline="0" dirty="0">
                           <a:latin typeface="Courier New" panose="02070309020205020404" pitchFamily="49" charset="0"/>
                           <a:cs typeface="Courier New" panose="02070309020205020404" pitchFamily="49" charset="0"/>
                         </a:rPr>
@@ -9150,7 +9155,7 @@
                     <a:p>
                       <a:pPr marR="0" algn="l" rtl="0"/>
                       <a:r>
-                        <a:rPr lang="en-US" altLang="zh-CN" sz="1100" baseline="0" dirty="0" smtClean="0">
+                        <a:rPr lang="en-US" altLang="zh-CN" sz="1100" baseline="0" dirty="0">
                           <a:latin typeface="Courier New" panose="02070309020205020404" pitchFamily="49" charset="0"/>
                           <a:cs typeface="Courier New" panose="02070309020205020404" pitchFamily="49" charset="0"/>
                         </a:rPr>
@@ -9160,7 +9165,7 @@
                     <a:p>
                       <a:pPr marR="0" algn="l" rtl="0"/>
                       <a:r>
-                        <a:rPr lang="en-US" altLang="zh-CN" sz="1100" baseline="0" dirty="0" smtClean="0">
+                        <a:rPr lang="en-US" altLang="zh-CN" sz="1100" baseline="0" dirty="0">
                           <a:latin typeface="Courier New" panose="02070309020205020404" pitchFamily="49" charset="0"/>
                           <a:cs typeface="Courier New" panose="02070309020205020404" pitchFamily="49" charset="0"/>
                         </a:rPr>
@@ -9170,7 +9175,7 @@
                     <a:p>
                       <a:pPr marR="0" algn="l" rtl="0"/>
                       <a:r>
-                        <a:rPr lang="en-US" altLang="zh-CN" sz="1100" baseline="0" dirty="0" smtClean="0">
+                        <a:rPr lang="en-US" altLang="zh-CN" sz="1100" baseline="0" dirty="0">
                           <a:latin typeface="Courier New" panose="02070309020205020404" pitchFamily="49" charset="0"/>
                           <a:cs typeface="Courier New" panose="02070309020205020404" pitchFamily="49" charset="0"/>
                         </a:rPr>
@@ -9191,7 +9196,7 @@
                     <a:p>
                       <a:pPr marR="0" algn="l" rtl="0"/>
                       <a:r>
-                        <a:rPr lang="en-US" altLang="zh-CN" sz="1100" dirty="0" smtClean="0">
+                        <a:rPr lang="en-US" altLang="zh-CN" sz="1100" dirty="0">
                           <a:latin typeface="Courier New" panose="02070309020205020404" pitchFamily="49" charset="0"/>
                           <a:cs typeface="Courier New" panose="02070309020205020404" pitchFamily="49" charset="0"/>
                         </a:rPr>
@@ -9201,28 +9206,28 @@
                     <a:p>
                       <a:pPr marR="0" algn="l" rtl="0"/>
                       <a:r>
-                        <a:rPr lang="en-US" altLang="zh-CN" sz="1100" dirty="0" smtClean="0">
+                        <a:rPr lang="en-US" altLang="zh-CN" sz="1100" dirty="0">
                           <a:latin typeface="Courier New" panose="02070309020205020404" pitchFamily="49" charset="0"/>
                           <a:cs typeface="Courier New" panose="02070309020205020404" pitchFamily="49" charset="0"/>
                         </a:rPr>
                         <a:t>synchronized</a:t>
                       </a:r>
                       <a:r>
-                        <a:rPr lang="en-US" altLang="zh-CN" sz="1100" baseline="0" dirty="0" smtClean="0">
+                        <a:rPr lang="en-US" altLang="zh-CN" sz="1100" baseline="0" dirty="0">
                           <a:latin typeface="Courier New" panose="02070309020205020404" pitchFamily="49" charset="0"/>
                           <a:cs typeface="Courier New" panose="02070309020205020404" pitchFamily="49" charset="0"/>
                         </a:rPr>
                         <a:t> (</a:t>
                       </a:r>
                       <a:r>
-                        <a:rPr lang="en-US" altLang="zh-CN" sz="1100" baseline="0" dirty="0" err="1" smtClean="0">
+                        <a:rPr lang="en-US" altLang="zh-CN" sz="1100" baseline="0" dirty="0" err="1">
                           <a:latin typeface="Courier New" panose="02070309020205020404" pitchFamily="49" charset="0"/>
                           <a:cs typeface="Courier New" panose="02070309020205020404" pitchFamily="49" charset="0"/>
                         </a:rPr>
                         <a:t>obj</a:t>
                       </a:r>
                       <a:r>
-                        <a:rPr lang="en-US" altLang="zh-CN" sz="1100" baseline="0" dirty="0" smtClean="0">
+                        <a:rPr lang="en-US" altLang="zh-CN" sz="1100" baseline="0" dirty="0">
                           <a:latin typeface="Courier New" panose="02070309020205020404" pitchFamily="49" charset="0"/>
                           <a:cs typeface="Courier New" panose="02070309020205020404" pitchFamily="49" charset="0"/>
                         </a:rPr>
@@ -9232,7 +9237,7 @@
                     <a:p>
                       <a:pPr marR="0" algn="l" rtl="0"/>
                       <a:r>
-                        <a:rPr lang="en-US" altLang="zh-CN" sz="1100" baseline="0" dirty="0" smtClean="0">
+                        <a:rPr lang="en-US" altLang="zh-CN" sz="1100" baseline="0" dirty="0">
                           <a:latin typeface="Courier New" panose="02070309020205020404" pitchFamily="49" charset="0"/>
                           <a:cs typeface="Courier New" panose="02070309020205020404" pitchFamily="49" charset="0"/>
                         </a:rPr>
@@ -9242,7 +9247,7 @@
                     <a:p>
                       <a:pPr marR="0" algn="l" rtl="0"/>
                       <a:r>
-                        <a:rPr lang="en-US" altLang="zh-CN" sz="1100" baseline="0" dirty="0" smtClean="0">
+                        <a:rPr lang="en-US" altLang="zh-CN" sz="1100" baseline="0" dirty="0">
                           <a:latin typeface="Courier New" panose="02070309020205020404" pitchFamily="49" charset="0"/>
                           <a:cs typeface="Courier New" panose="02070309020205020404" pitchFamily="49" charset="0"/>
                         </a:rPr>
@@ -9254,7 +9259,7 @@
                 </a:tc>
                 <a:extLst>
                   <a:ext uri="{0D108BD9-81ED-4DB2-BD59-A6C34878D82A}">
-                    <a16:rowId xmlns:a16="http://schemas.microsoft.com/office/drawing/2014/main" xmlns="" val="719721223"/>
+                    <a16:rowId xmlns:a16="http://schemas.microsoft.com/office/drawing/2014/main" val="719721223"/>
                   </a:ext>
                 </a:extLst>
               </a:tr>
@@ -9266,7 +9271,7 @@
                     <a:p>
                       <a:pPr marR="0" algn="ctr" rtl="0"/>
                       <a:r>
-                        <a:rPr lang="en-US" altLang="zh-CN" sz="1100" dirty="0" smtClean="0">
+                        <a:rPr lang="en-US" altLang="zh-CN" sz="1100" dirty="0">
                           <a:latin typeface="Times New Roman" panose="02020603050405020304" pitchFamily="18" charset="0"/>
                           <a:cs typeface="Times New Roman" panose="02020603050405020304" pitchFamily="18" charset="0"/>
                         </a:rPr>
@@ -9287,7 +9292,7 @@
                     <a:p>
                       <a:pPr marR="0" algn="l" rtl="0"/>
                       <a:r>
-                        <a:rPr lang="en-US" altLang="zh-CN" sz="1100" dirty="0" smtClean="0">
+                        <a:rPr lang="en-US" altLang="zh-CN" sz="1100" dirty="0">
                           <a:solidFill>
                             <a:srgbClr val="C00000"/>
                           </a:solidFill>
@@ -9462,24 +9467,73 @@
                     <a:p>
                       <a:pPr marR="0" algn="l" rtl="0"/>
                       <a:r>
-                        <a:rPr lang="en-US" altLang="zh-CN" sz="1100" dirty="0" smtClean="0">
+                        <a:rPr lang="en-US" altLang="zh-CN" sz="1100" dirty="0">
                           <a:solidFill>
                             <a:schemeClr val="tx1"/>
                           </a:solidFill>
                           <a:latin typeface="Courier New" panose="02070309020205020404" pitchFamily="49" charset="0"/>
                           <a:cs typeface="Courier New" panose="02070309020205020404" pitchFamily="49" charset="0"/>
                         </a:rPr>
-                        <a:t> synchronized </a:t>
-                      </a:r>
-                      <a:r>
-                        <a:rPr lang="en-US" altLang="zh-CN" sz="1100" dirty="0">
+                        <a:t> synchronized void </a:t>
+                      </a:r>
+                      <a:r>
+                        <a:rPr lang="en-US" altLang="zh-CN" sz="1100" dirty="0" err="1">
                           <a:solidFill>
                             <a:schemeClr val="tx1"/>
                           </a:solidFill>
                           <a:latin typeface="Courier New" panose="02070309020205020404" pitchFamily="49" charset="0"/>
                           <a:cs typeface="Courier New" panose="02070309020205020404" pitchFamily="49" charset="0"/>
                         </a:rPr>
-                        <a:t>void </a:t>
+                        <a:t>setupMembership</a:t>
+                      </a:r>
+                      <a:r>
+                        <a:rPr lang="en-US" altLang="zh-CN" sz="1100" dirty="0">
+                          <a:solidFill>
+                            <a:schemeClr val="tx1"/>
+                          </a:solidFill>
+                          <a:latin typeface="Courier New" panose="02070309020205020404" pitchFamily="49" charset="0"/>
+                          <a:cs typeface="Courier New" panose="02070309020205020404" pitchFamily="49" charset="0"/>
+                        </a:rPr>
+                        <a:t>() {</a:t>
+                      </a:r>
+                    </a:p>
+                    <a:p>
+                      <a:pPr marR="0" algn="l" rtl="0"/>
+                      <a:r>
+                        <a:rPr lang="en-US" altLang="zh-CN" sz="1100" dirty="0">
+                          <a:solidFill>
+                            <a:schemeClr val="tx1"/>
+                          </a:solidFill>
+                          <a:latin typeface="Courier New" panose="02070309020205020404" pitchFamily="49" charset="0"/>
+                          <a:cs typeface="Courier New" panose="02070309020205020404" pitchFamily="49" charset="0"/>
+                        </a:rPr>
+                        <a:t>   if ( membership == null ) {</a:t>
+                      </a:r>
+                    </a:p>
+                    <a:p>
+                      <a:pPr marR="0" algn="l" rtl="0"/>
+                      <a:r>
+                        <a:rPr lang="en-US" altLang="zh-CN" sz="1100" dirty="0">
+                          <a:solidFill>
+                            <a:schemeClr val="tx1"/>
+                          </a:solidFill>
+                          <a:latin typeface="Courier New" panose="02070309020205020404" pitchFamily="49" charset="0"/>
+                          <a:cs typeface="Courier New" panose="02070309020205020404" pitchFamily="49" charset="0"/>
+                        </a:rPr>
+                        <a:t>     membership = new Membership(</a:t>
+                      </a:r>
+                    </a:p>
+                    <a:p>
+                      <a:pPr marR="0" algn="l" rtl="0"/>
+                      <a:r>
+                        <a:rPr lang="en-US" altLang="zh-CN" sz="1100" dirty="0">
+                          <a:solidFill>
+                            <a:schemeClr val="tx1"/>
+                          </a:solidFill>
+                          <a:latin typeface="Courier New" panose="02070309020205020404" pitchFamily="49" charset="0"/>
+                          <a:cs typeface="Courier New" panose="02070309020205020404" pitchFamily="49" charset="0"/>
+                        </a:rPr>
+                        <a:t>       </a:t>
                       </a:r>
                       <a:r>
                         <a:rPr lang="en-US" altLang="zh-CN" sz="1100" dirty="0" err="1">
@@ -9489,7 +9543,7 @@
                           <a:latin typeface="Courier New" panose="02070309020205020404" pitchFamily="49" charset="0"/>
                           <a:cs typeface="Courier New" panose="02070309020205020404" pitchFamily="49" charset="0"/>
                         </a:rPr>
-                        <a:t>setupMembership</a:t>
+                        <a:t>super.getLocalMember</a:t>
                       </a:r>
                       <a:r>
                         <a:rPr lang="en-US" altLang="zh-CN" sz="1100" dirty="0">
@@ -9499,86 +9553,7 @@
                           <a:latin typeface="Courier New" panose="02070309020205020404" pitchFamily="49" charset="0"/>
                           <a:cs typeface="Courier New" panose="02070309020205020404" pitchFamily="49" charset="0"/>
                         </a:rPr>
-                        <a:t>() {</a:t>
-                      </a:r>
-                    </a:p>
-                    <a:p>
-                      <a:pPr marR="0" algn="l" rtl="0"/>
-                      <a:r>
-                        <a:rPr lang="en-US" altLang="zh-CN" sz="1100" dirty="0">
-                          <a:solidFill>
-                            <a:schemeClr val="tx1"/>
-                          </a:solidFill>
-                          <a:latin typeface="Courier New" panose="02070309020205020404" pitchFamily="49" charset="0"/>
-                          <a:cs typeface="Courier New" panose="02070309020205020404" pitchFamily="49" charset="0"/>
-                        </a:rPr>
-                        <a:t>   if ( membership == null ) {</a:t>
-                      </a:r>
-                    </a:p>
-                    <a:p>
-                      <a:pPr marR="0" algn="l" rtl="0"/>
-                      <a:r>
-                        <a:rPr lang="en-US" altLang="zh-CN" sz="1100" dirty="0">
-                          <a:solidFill>
-                            <a:schemeClr val="tx1"/>
-                          </a:solidFill>
-                          <a:latin typeface="Courier New" panose="02070309020205020404" pitchFamily="49" charset="0"/>
-                          <a:cs typeface="Courier New" panose="02070309020205020404" pitchFamily="49" charset="0"/>
-                        </a:rPr>
-                        <a:t>     membership = new Membership</a:t>
-                      </a:r>
-                      <a:r>
-                        <a:rPr lang="en-US" altLang="zh-CN" sz="1100" dirty="0" smtClean="0">
-                          <a:solidFill>
-                            <a:schemeClr val="tx1"/>
-                          </a:solidFill>
-                          <a:latin typeface="Courier New" panose="02070309020205020404" pitchFamily="49" charset="0"/>
-                          <a:cs typeface="Courier New" panose="02070309020205020404" pitchFamily="49" charset="0"/>
-                        </a:rPr>
-                        <a:t>(</a:t>
-                      </a:r>
-                    </a:p>
-                    <a:p>
-                      <a:pPr marR="0" algn="l" rtl="0"/>
-                      <a:r>
-                        <a:rPr lang="en-US" altLang="zh-CN" sz="1100" dirty="0" smtClean="0">
-                          <a:solidFill>
-                            <a:schemeClr val="tx1"/>
-                          </a:solidFill>
-                          <a:latin typeface="Courier New" panose="02070309020205020404" pitchFamily="49" charset="0"/>
-                          <a:cs typeface="Courier New" panose="02070309020205020404" pitchFamily="49" charset="0"/>
-                        </a:rPr>
-                        <a:t>       </a:t>
-                      </a:r>
-                      <a:r>
-                        <a:rPr lang="en-US" altLang="zh-CN" sz="1100" dirty="0" err="1" smtClean="0">
-                          <a:solidFill>
-                            <a:schemeClr val="tx1"/>
-                          </a:solidFill>
-                          <a:latin typeface="Courier New" panose="02070309020205020404" pitchFamily="49" charset="0"/>
-                          <a:cs typeface="Courier New" panose="02070309020205020404" pitchFamily="49" charset="0"/>
-                        </a:rPr>
-                        <a:t>super.getLocalMember</a:t>
-                      </a:r>
-                      <a:r>
-                        <a:rPr lang="en-US" altLang="zh-CN" sz="1100" dirty="0" smtClean="0">
-                          <a:solidFill>
-                            <a:schemeClr val="tx1"/>
-                          </a:solidFill>
-                          <a:latin typeface="Courier New" panose="02070309020205020404" pitchFamily="49" charset="0"/>
-                          <a:cs typeface="Courier New" panose="02070309020205020404" pitchFamily="49" charset="0"/>
-                        </a:rPr>
-                        <a:t>(true</a:t>
-                      </a:r>
-                      <a:r>
-                        <a:rPr lang="en-US" altLang="zh-CN" sz="1100" dirty="0">
-                          <a:solidFill>
-                            <a:schemeClr val="tx1"/>
-                          </a:solidFill>
-                          <a:latin typeface="Courier New" panose="02070309020205020404" pitchFamily="49" charset="0"/>
-                          <a:cs typeface="Courier New" panose="02070309020205020404" pitchFamily="49" charset="0"/>
-                        </a:rPr>
-                        <a:t>));</a:t>
+                        <a:t>(true));</a:t>
                       </a:r>
                     </a:p>
                     <a:p>
@@ -9617,52 +9592,72 @@
                     <a:p>
                       <a:pPr marR="0" algn="l" rtl="0"/>
                       <a:r>
-                        <a:rPr lang="en-US" altLang="zh-CN" sz="1100" dirty="0" smtClean="0">
+                        <a:rPr lang="en-US" altLang="zh-CN" sz="1100" dirty="0">
                           <a:solidFill>
                             <a:srgbClr val="0070C0"/>
                           </a:solidFill>
                           <a:latin typeface="Courier New" panose="02070309020205020404" pitchFamily="49" charset="0"/>
                           <a:cs typeface="Courier New" panose="02070309020205020404" pitchFamily="49" charset="0"/>
                         </a:rPr>
-                        <a:t>+volatile </a:t>
-                      </a:r>
-                      <a:r>
-                        <a:rPr lang="en-US" altLang="zh-CN" sz="1100" dirty="0">
+                        <a:t>+volatile Membership </a:t>
+                      </a:r>
+                      <a:r>
+                        <a:rPr lang="en-US" altLang="zh-CN" sz="1100" dirty="0" err="1">
                           <a:solidFill>
                             <a:srgbClr val="0070C0"/>
                           </a:solidFill>
                           <a:latin typeface="Courier New" panose="02070309020205020404" pitchFamily="49" charset="0"/>
                           <a:cs typeface="Courier New" panose="02070309020205020404" pitchFamily="49" charset="0"/>
                         </a:rPr>
-                        <a:t>Membership </a:t>
+                        <a:t>membership</a:t>
+                      </a:r>
+                      <a:r>
+                        <a:rPr lang="en-US" altLang="zh-CN" sz="1100" dirty="0">
+                          <a:solidFill>
+                            <a:srgbClr val="0070C0"/>
+                          </a:solidFill>
+                          <a:latin typeface="Courier New" panose="02070309020205020404" pitchFamily="49" charset="0"/>
+                          <a:cs typeface="Courier New" panose="02070309020205020404" pitchFamily="49" charset="0"/>
+                        </a:rPr>
+                        <a:t> = null;</a:t>
+                      </a:r>
+                    </a:p>
+                    <a:p>
+                      <a:pPr marR="0" algn="l" rtl="0"/>
+                      <a:r>
+                        <a:rPr lang="en-US" altLang="zh-CN" sz="1100" dirty="0">
+                          <a:solidFill>
+                            <a:srgbClr val="0070C0"/>
+                          </a:solidFill>
+                          <a:latin typeface="Courier New" panose="02070309020205020404" pitchFamily="49" charset="0"/>
+                          <a:cs typeface="Courier New" panose="02070309020205020404" pitchFamily="49" charset="0"/>
+                        </a:rPr>
+                        <a:t> </a:t>
+                      </a:r>
+                      <a:r>
+                        <a:rPr lang="en-US" altLang="zh-CN" sz="1100" dirty="0">
+                          <a:solidFill>
+                            <a:schemeClr val="tx1"/>
+                          </a:solidFill>
+                          <a:latin typeface="Courier New" panose="02070309020205020404" pitchFamily="49" charset="0"/>
+                          <a:cs typeface="Courier New" panose="02070309020205020404" pitchFamily="49" charset="0"/>
+                        </a:rPr>
+                        <a:t>public </a:t>
                       </a:r>
                       <a:r>
                         <a:rPr lang="en-US" altLang="zh-CN" sz="1100" dirty="0" err="1">
                           <a:solidFill>
-                            <a:srgbClr val="0070C0"/>
-                          </a:solidFill>
-                          <a:latin typeface="Courier New" panose="02070309020205020404" pitchFamily="49" charset="0"/>
-                          <a:cs typeface="Courier New" panose="02070309020205020404" pitchFamily="49" charset="0"/>
-                        </a:rPr>
-                        <a:t>membership</a:t>
-                      </a:r>
-                      <a:r>
-                        <a:rPr lang="en-US" altLang="zh-CN" sz="1100" dirty="0">
-                          <a:solidFill>
-                            <a:srgbClr val="0070C0"/>
-                          </a:solidFill>
-                          <a:latin typeface="Courier New" panose="02070309020205020404" pitchFamily="49" charset="0"/>
-                          <a:cs typeface="Courier New" panose="02070309020205020404" pitchFamily="49" charset="0"/>
-                        </a:rPr>
-                        <a:t> = null;</a:t>
-                      </a:r>
-                    </a:p>
-                    <a:p>
-                      <a:pPr marR="0" algn="l" rtl="0"/>
-                      <a:r>
-                        <a:rPr lang="en-US" altLang="zh-CN" sz="1100" dirty="0">
-                          <a:solidFill>
-                            <a:srgbClr val="0070C0"/>
+                            <a:schemeClr val="tx1"/>
+                          </a:solidFill>
+                          <a:latin typeface="Courier New" panose="02070309020205020404" pitchFamily="49" charset="0"/>
+                          <a:cs typeface="Courier New" panose="02070309020205020404" pitchFamily="49" charset="0"/>
+                        </a:rPr>
+                        <a:t>boolean</a:t>
+                      </a:r>
+                      <a:r>
+                        <a:rPr lang="en-US" altLang="zh-CN" sz="1100" dirty="0">
+                          <a:solidFill>
+                            <a:schemeClr val="tx1"/>
                           </a:solidFill>
                           <a:latin typeface="Courier New" panose="02070309020205020404" pitchFamily="49" charset="0"/>
                           <a:cs typeface="Courier New" panose="02070309020205020404" pitchFamily="49" charset="0"/>
@@ -9670,14 +9665,37 @@
                         <a:t> </a:t>
                       </a:r>
                       <a:r>
-                        <a:rPr lang="en-US" altLang="zh-CN" sz="1100" dirty="0">
+                        <a:rPr lang="en-US" altLang="zh-CN" sz="1100" dirty="0" err="1">
                           <a:solidFill>
                             <a:schemeClr val="tx1"/>
                           </a:solidFill>
                           <a:latin typeface="Courier New" panose="02070309020205020404" pitchFamily="49" charset="0"/>
                           <a:cs typeface="Courier New" panose="02070309020205020404" pitchFamily="49" charset="0"/>
                         </a:rPr>
-                        <a:t>public </a:t>
+                        <a:t>hasMembers</a:t>
+                      </a:r>
+                      <a:r>
+                        <a:rPr lang="en-US" altLang="zh-CN" sz="1100" dirty="0">
+                          <a:solidFill>
+                            <a:schemeClr val="tx1"/>
+                          </a:solidFill>
+                          <a:latin typeface="Courier New" panose="02070309020205020404" pitchFamily="49" charset="0"/>
+                          <a:cs typeface="Courier New" panose="02070309020205020404" pitchFamily="49" charset="0"/>
+                        </a:rPr>
+                        <a:t>() {</a:t>
+                      </a:r>
+                    </a:p>
+                    <a:p>
+                      <a:pPr marR="0" algn="l" rtl="0"/>
+                      <a:r>
+                        <a:rPr lang="en-US" altLang="zh-CN" sz="1100" dirty="0">
+                          <a:solidFill>
+                            <a:schemeClr val="tx1"/>
+                          </a:solidFill>
+                          <a:latin typeface="Courier New" panose="02070309020205020404" pitchFamily="49" charset="0"/>
+                          <a:cs typeface="Courier New" panose="02070309020205020404" pitchFamily="49" charset="0"/>
+                        </a:rPr>
+                        <a:t>   if (membership == null) </a:t>
                       </a:r>
                       <a:r>
                         <a:rPr lang="en-US" altLang="zh-CN" sz="1100" dirty="0" err="1">
@@ -9687,7 +9705,7 @@
                           <a:latin typeface="Courier New" panose="02070309020205020404" pitchFamily="49" charset="0"/>
                           <a:cs typeface="Courier New" panose="02070309020205020404" pitchFamily="49" charset="0"/>
                         </a:rPr>
-                        <a:t>boolean</a:t>
+                        <a:t>setupMembership</a:t>
                       </a:r>
                       <a:r>
                         <a:rPr lang="en-US" altLang="zh-CN" sz="1100" dirty="0">
@@ -9697,7 +9715,20 @@
                           <a:latin typeface="Courier New" panose="02070309020205020404" pitchFamily="49" charset="0"/>
                           <a:cs typeface="Courier New" panose="02070309020205020404" pitchFamily="49" charset="0"/>
                         </a:rPr>
-                        <a:t> </a:t>
+                        <a:t>();</a:t>
+                      </a:r>
+                    </a:p>
+                    <a:p>
+                      <a:pPr marR="0" algn="l" rtl="0"/>
+                      <a:r>
+                        <a:rPr lang="en-US" altLang="zh-CN" sz="1100" dirty="0">
+                          <a:solidFill>
+                            <a:schemeClr val="tx1"/>
+                          </a:solidFill>
+                          <a:latin typeface="Courier New" panose="02070309020205020404" pitchFamily="49" charset="0"/>
+                          <a:cs typeface="Courier New" panose="02070309020205020404" pitchFamily="49" charset="0"/>
+                        </a:rPr>
+                        <a:t>   return </a:t>
                       </a:r>
                       <a:r>
                         <a:rPr lang="en-US" altLang="zh-CN" sz="1100" dirty="0" err="1">
@@ -9707,7 +9738,7 @@
                           <a:latin typeface="Courier New" panose="02070309020205020404" pitchFamily="49" charset="0"/>
                           <a:cs typeface="Courier New" panose="02070309020205020404" pitchFamily="49" charset="0"/>
                         </a:rPr>
-                        <a:t>hasMembers</a:t>
+                        <a:t>membership.hasMembers</a:t>
                       </a:r>
                       <a:r>
                         <a:rPr lang="en-US" altLang="zh-CN" sz="1100" dirty="0">
@@ -9717,6 +9748,52 @@
                           <a:latin typeface="Courier New" panose="02070309020205020404" pitchFamily="49" charset="0"/>
                           <a:cs typeface="Courier New" panose="02070309020205020404" pitchFamily="49" charset="0"/>
                         </a:rPr>
+                        <a:t>();</a:t>
+                      </a:r>
+                    </a:p>
+                    <a:p>
+                      <a:pPr marR="0" algn="l" rtl="0"/>
+                      <a:r>
+                        <a:rPr lang="en-US" altLang="zh-CN" sz="1100" dirty="0">
+                          <a:solidFill>
+                            <a:schemeClr val="tx1"/>
+                          </a:solidFill>
+                          <a:latin typeface="Courier New" panose="02070309020205020404" pitchFamily="49" charset="0"/>
+                          <a:cs typeface="Courier New" panose="02070309020205020404" pitchFamily="49" charset="0"/>
+                        </a:rPr>
+                        <a:t> }</a:t>
+                      </a:r>
+                    </a:p>
+                    <a:p>
+                      <a:pPr marR="0" algn="l" rtl="0"/>
+                      <a:r>
+                        <a:rPr lang="en-US" altLang="zh-CN" sz="1100" dirty="0">
+                          <a:solidFill>
+                            <a:schemeClr val="tx1"/>
+                          </a:solidFill>
+                          <a:latin typeface="Courier New" panose="02070309020205020404" pitchFamily="49" charset="0"/>
+                          <a:cs typeface="Courier New" panose="02070309020205020404" pitchFamily="49" charset="0"/>
+                        </a:rPr>
+                        <a:t> synchronized void </a:t>
+                      </a:r>
+                      <a:r>
+                        <a:rPr lang="en-US" altLang="zh-CN" sz="1100" dirty="0" err="1">
+                          <a:solidFill>
+                            <a:schemeClr val="tx1"/>
+                          </a:solidFill>
+                          <a:latin typeface="Courier New" panose="02070309020205020404" pitchFamily="49" charset="0"/>
+                          <a:cs typeface="Courier New" panose="02070309020205020404" pitchFamily="49" charset="0"/>
+                        </a:rPr>
+                        <a:t>setupMembership</a:t>
+                      </a:r>
+                      <a:r>
+                        <a:rPr lang="en-US" altLang="zh-CN" sz="1100" dirty="0">
+                          <a:solidFill>
+                            <a:schemeClr val="tx1"/>
+                          </a:solidFill>
+                          <a:latin typeface="Courier New" panose="02070309020205020404" pitchFamily="49" charset="0"/>
+                          <a:cs typeface="Courier New" panose="02070309020205020404" pitchFamily="49" charset="0"/>
+                        </a:rPr>
                         <a:t>() {</a:t>
                       </a:r>
                     </a:p>
@@ -9730,7 +9807,33 @@
                           <a:latin typeface="Courier New" panose="02070309020205020404" pitchFamily="49" charset="0"/>
                           <a:cs typeface="Courier New" panose="02070309020205020404" pitchFamily="49" charset="0"/>
                         </a:rPr>
-                        <a:t>   if (membership == null) </a:t>
+                        <a:t>   if ( membership == null ) {</a:t>
+                      </a:r>
+                    </a:p>
+                    <a:p>
+                      <a:pPr marR="0" algn="l" rtl="0"/>
+                      <a:r>
+                        <a:rPr lang="en-US" altLang="zh-CN" sz="1100" dirty="0">
+                          <a:solidFill>
+                            <a:schemeClr val="tx1"/>
+                          </a:solidFill>
+                          <a:latin typeface="Courier New" panose="02070309020205020404" pitchFamily="49" charset="0"/>
+                          <a:cs typeface="Courier New" panose="02070309020205020404" pitchFamily="49" charset="0"/>
+                        </a:rPr>
+                        <a:t>     membership = new Membership(</a:t>
+                      </a:r>
+                    </a:p>
+                    <a:p>
+                      <a:pPr marR="0" algn="l" rtl="0"/>
+                      <a:r>
+                        <a:rPr lang="en-US" altLang="zh-CN" sz="1100" dirty="0">
+                          <a:solidFill>
+                            <a:schemeClr val="tx1"/>
+                          </a:solidFill>
+                          <a:latin typeface="Courier New" panose="02070309020205020404" pitchFamily="49" charset="0"/>
+                          <a:cs typeface="Courier New" panose="02070309020205020404" pitchFamily="49" charset="0"/>
+                        </a:rPr>
+                        <a:t>       </a:t>
                       </a:r>
                       <a:r>
                         <a:rPr lang="en-US" altLang="zh-CN" sz="1100" dirty="0" err="1">
@@ -9740,7 +9843,7 @@
                           <a:latin typeface="Courier New" panose="02070309020205020404" pitchFamily="49" charset="0"/>
                           <a:cs typeface="Courier New" panose="02070309020205020404" pitchFamily="49" charset="0"/>
                         </a:rPr>
-                        <a:t>setupMembership</a:t>
+                        <a:t>super.getLocalMember</a:t>
                       </a:r>
                       <a:r>
                         <a:rPr lang="en-US" altLang="zh-CN" sz="1100" dirty="0">
@@ -9750,175 +9853,7 @@
                           <a:latin typeface="Courier New" panose="02070309020205020404" pitchFamily="49" charset="0"/>
                           <a:cs typeface="Courier New" panose="02070309020205020404" pitchFamily="49" charset="0"/>
                         </a:rPr>
-                        <a:t>();</a:t>
-                      </a:r>
-                    </a:p>
-                    <a:p>
-                      <a:pPr marR="0" algn="l" rtl="0"/>
-                      <a:r>
-                        <a:rPr lang="en-US" altLang="zh-CN" sz="1100" dirty="0">
-                          <a:solidFill>
-                            <a:schemeClr val="tx1"/>
-                          </a:solidFill>
-                          <a:latin typeface="Courier New" panose="02070309020205020404" pitchFamily="49" charset="0"/>
-                          <a:cs typeface="Courier New" panose="02070309020205020404" pitchFamily="49" charset="0"/>
-                        </a:rPr>
-                        <a:t>   return </a:t>
-                      </a:r>
-                      <a:r>
-                        <a:rPr lang="en-US" altLang="zh-CN" sz="1100" dirty="0" err="1">
-                          <a:solidFill>
-                            <a:schemeClr val="tx1"/>
-                          </a:solidFill>
-                          <a:latin typeface="Courier New" panose="02070309020205020404" pitchFamily="49" charset="0"/>
-                          <a:cs typeface="Courier New" panose="02070309020205020404" pitchFamily="49" charset="0"/>
-                        </a:rPr>
-                        <a:t>membership.hasMembers</a:t>
-                      </a:r>
-                      <a:r>
-                        <a:rPr lang="en-US" altLang="zh-CN" sz="1100" dirty="0">
-                          <a:solidFill>
-                            <a:schemeClr val="tx1"/>
-                          </a:solidFill>
-                          <a:latin typeface="Courier New" panose="02070309020205020404" pitchFamily="49" charset="0"/>
-                          <a:cs typeface="Courier New" panose="02070309020205020404" pitchFamily="49" charset="0"/>
-                        </a:rPr>
-                        <a:t>();</a:t>
-                      </a:r>
-                    </a:p>
-                    <a:p>
-                      <a:pPr marR="0" algn="l" rtl="0"/>
-                      <a:r>
-                        <a:rPr lang="en-US" altLang="zh-CN" sz="1100" dirty="0">
-                          <a:solidFill>
-                            <a:schemeClr val="tx1"/>
-                          </a:solidFill>
-                          <a:latin typeface="Courier New" panose="02070309020205020404" pitchFamily="49" charset="0"/>
-                          <a:cs typeface="Courier New" panose="02070309020205020404" pitchFamily="49" charset="0"/>
-                        </a:rPr>
-                        <a:t> }</a:t>
-                      </a:r>
-                    </a:p>
-                    <a:p>
-                      <a:pPr marR="0" algn="l" rtl="0"/>
-                      <a:r>
-                        <a:rPr lang="en-US" altLang="zh-CN" sz="1100" dirty="0" smtClean="0">
-                          <a:solidFill>
-                            <a:schemeClr val="tx1"/>
-                          </a:solidFill>
-                          <a:latin typeface="Courier New" panose="02070309020205020404" pitchFamily="49" charset="0"/>
-                          <a:cs typeface="Courier New" panose="02070309020205020404" pitchFamily="49" charset="0"/>
-                        </a:rPr>
-                        <a:t> synchronized </a:t>
-                      </a:r>
-                      <a:r>
-                        <a:rPr lang="en-US" altLang="zh-CN" sz="1100" dirty="0">
-                          <a:solidFill>
-                            <a:schemeClr val="tx1"/>
-                          </a:solidFill>
-                          <a:latin typeface="Courier New" panose="02070309020205020404" pitchFamily="49" charset="0"/>
-                          <a:cs typeface="Courier New" panose="02070309020205020404" pitchFamily="49" charset="0"/>
-                        </a:rPr>
-                        <a:t>void </a:t>
-                      </a:r>
-                      <a:r>
-                        <a:rPr lang="en-US" altLang="zh-CN" sz="1100" dirty="0" err="1">
-                          <a:solidFill>
-                            <a:schemeClr val="tx1"/>
-                          </a:solidFill>
-                          <a:latin typeface="Courier New" panose="02070309020205020404" pitchFamily="49" charset="0"/>
-                          <a:cs typeface="Courier New" panose="02070309020205020404" pitchFamily="49" charset="0"/>
-                        </a:rPr>
-                        <a:t>setupMembership</a:t>
-                      </a:r>
-                      <a:r>
-                        <a:rPr lang="en-US" altLang="zh-CN" sz="1100" dirty="0">
-                          <a:solidFill>
-                            <a:schemeClr val="tx1"/>
-                          </a:solidFill>
-                          <a:latin typeface="Courier New" panose="02070309020205020404" pitchFamily="49" charset="0"/>
-                          <a:cs typeface="Courier New" panose="02070309020205020404" pitchFamily="49" charset="0"/>
-                        </a:rPr>
-                        <a:t>() {</a:t>
-                      </a:r>
-                    </a:p>
-                    <a:p>
-                      <a:pPr marR="0" algn="l" rtl="0"/>
-                      <a:r>
-                        <a:rPr lang="en-US" altLang="zh-CN" sz="1100" dirty="0">
-                          <a:solidFill>
-                            <a:schemeClr val="tx1"/>
-                          </a:solidFill>
-                          <a:latin typeface="Courier New" panose="02070309020205020404" pitchFamily="49" charset="0"/>
-                          <a:cs typeface="Courier New" panose="02070309020205020404" pitchFamily="49" charset="0"/>
-                        </a:rPr>
-                        <a:t>   if ( membership == null ) {</a:t>
-                      </a:r>
-                    </a:p>
-                    <a:p>
-                      <a:pPr marR="0" algn="l" rtl="0"/>
-                      <a:r>
-                        <a:rPr lang="en-US" altLang="zh-CN" sz="1100" dirty="0">
-                          <a:solidFill>
-                            <a:schemeClr val="tx1"/>
-                          </a:solidFill>
-                          <a:latin typeface="Courier New" panose="02070309020205020404" pitchFamily="49" charset="0"/>
-                          <a:cs typeface="Courier New" panose="02070309020205020404" pitchFamily="49" charset="0"/>
-                        </a:rPr>
-                        <a:t>     membership = new Membership</a:t>
-                      </a:r>
-                      <a:r>
-                        <a:rPr lang="en-US" altLang="zh-CN" sz="1100" dirty="0" smtClean="0">
-                          <a:solidFill>
-                            <a:schemeClr val="tx1"/>
-                          </a:solidFill>
-                          <a:latin typeface="Courier New" panose="02070309020205020404" pitchFamily="49" charset="0"/>
-                          <a:cs typeface="Courier New" panose="02070309020205020404" pitchFamily="49" charset="0"/>
-                        </a:rPr>
-                        <a:t>(</a:t>
-                      </a:r>
-                    </a:p>
-                    <a:p>
-                      <a:pPr marR="0" algn="l" rtl="0"/>
-                      <a:r>
-                        <a:rPr lang="en-US" altLang="zh-CN" sz="1100" dirty="0" smtClean="0">
-                          <a:solidFill>
-                            <a:schemeClr val="tx1"/>
-                          </a:solidFill>
-                          <a:latin typeface="Courier New" panose="02070309020205020404" pitchFamily="49" charset="0"/>
-                          <a:cs typeface="Courier New" panose="02070309020205020404" pitchFamily="49" charset="0"/>
-                        </a:rPr>
-                        <a:t>       </a:t>
-                      </a:r>
-                      <a:r>
-                        <a:rPr lang="en-US" altLang="zh-CN" sz="1100" dirty="0" err="1" smtClean="0">
-                          <a:solidFill>
-                            <a:schemeClr val="tx1"/>
-                          </a:solidFill>
-                          <a:latin typeface="Courier New" panose="02070309020205020404" pitchFamily="49" charset="0"/>
-                          <a:cs typeface="Courier New" panose="02070309020205020404" pitchFamily="49" charset="0"/>
-                        </a:rPr>
-                        <a:t>super.getLocalMember</a:t>
-                      </a:r>
-                      <a:r>
-                        <a:rPr lang="en-US" altLang="zh-CN" sz="1100" dirty="0" smtClean="0">
-                          <a:solidFill>
-                            <a:schemeClr val="tx1"/>
-                          </a:solidFill>
-                          <a:latin typeface="Courier New" panose="02070309020205020404" pitchFamily="49" charset="0"/>
-                          <a:cs typeface="Courier New" panose="02070309020205020404" pitchFamily="49" charset="0"/>
-                        </a:rPr>
-                        <a:t>(true</a:t>
-                      </a:r>
-                      <a:r>
-                        <a:rPr lang="en-US" altLang="zh-CN" sz="1100" dirty="0">
-                          <a:solidFill>
-                            <a:schemeClr val="tx1"/>
-                          </a:solidFill>
-                          <a:latin typeface="Courier New" panose="02070309020205020404" pitchFamily="49" charset="0"/>
-                          <a:cs typeface="Courier New" panose="02070309020205020404" pitchFamily="49" charset="0"/>
-                        </a:rPr>
-                        <a:t>));</a:t>
+                        <a:t>(true));</a:t>
                       </a:r>
                     </a:p>
                     <a:p>
@@ -9994,7 +9929,7 @@
                 </a:tc>
                 <a:extLst>
                   <a:ext uri="{0D108BD9-81ED-4DB2-BD59-A6C34878D82A}">
-                    <a16:rowId xmlns:a16="http://schemas.microsoft.com/office/drawing/2014/main" xmlns="" val="3067181177"/>
+                    <a16:rowId xmlns:a16="http://schemas.microsoft.com/office/drawing/2014/main" val="3067181177"/>
                   </a:ext>
                 </a:extLst>
               </a:tr>
@@ -10006,7 +9941,7 @@
                     <a:p>
                       <a:pPr marR="0" algn="ctr" rtl="0"/>
                       <a:r>
-                        <a:rPr lang="en-US" altLang="zh-CN" sz="1100" dirty="0" smtClean="0">
+                        <a:rPr lang="en-US" altLang="zh-CN" sz="1100" dirty="0">
                           <a:latin typeface="Times New Roman" panose="02020603050405020304" pitchFamily="18" charset="0"/>
                           <a:cs typeface="Times New Roman" panose="02020603050405020304" pitchFamily="18" charset="0"/>
                         </a:rPr>
@@ -10442,7 +10377,7 @@
                 </a:tc>
                 <a:extLst>
                   <a:ext uri="{0D108BD9-81ED-4DB2-BD59-A6C34878D82A}">
-                    <a16:rowId xmlns:a16="http://schemas.microsoft.com/office/drawing/2014/main" xmlns="" val="3351539951"/>
+                    <a16:rowId xmlns:a16="http://schemas.microsoft.com/office/drawing/2014/main" val="3351539951"/>
                   </a:ext>
                 </a:extLst>
               </a:tr>

--- a/visio/patterns - Copy.pptx
+++ b/visio/patterns - Copy.pptx
@@ -244,7 +244,7 @@
           <a:p>
             <a:fld id="{9A9588F4-A4CE-45D6-BF9E-2ECB20C17A22}" type="datetimeFigureOut">
               <a:rPr lang="zh-CN" altLang="en-US" smtClean="0"/>
-              <a:t>2017/4/7</a:t>
+              <a:t>2017/7/3</a:t>
             </a:fld>
             <a:endParaRPr lang="zh-CN" altLang="en-US"/>
           </a:p>
@@ -414,7 +414,7 @@
           <a:p>
             <a:fld id="{9A9588F4-A4CE-45D6-BF9E-2ECB20C17A22}" type="datetimeFigureOut">
               <a:rPr lang="zh-CN" altLang="en-US" smtClean="0"/>
-              <a:t>2017/4/7</a:t>
+              <a:t>2017/7/3</a:t>
             </a:fld>
             <a:endParaRPr lang="zh-CN" altLang="en-US"/>
           </a:p>
@@ -594,7 +594,7 @@
           <a:p>
             <a:fld id="{9A9588F4-A4CE-45D6-BF9E-2ECB20C17A22}" type="datetimeFigureOut">
               <a:rPr lang="zh-CN" altLang="en-US" smtClean="0"/>
-              <a:t>2017/4/7</a:t>
+              <a:t>2017/7/3</a:t>
             </a:fld>
             <a:endParaRPr lang="zh-CN" altLang="en-US"/>
           </a:p>
@@ -764,7 +764,7 @@
           <a:p>
             <a:fld id="{9A9588F4-A4CE-45D6-BF9E-2ECB20C17A22}" type="datetimeFigureOut">
               <a:rPr lang="zh-CN" altLang="en-US" smtClean="0"/>
-              <a:t>2017/4/7</a:t>
+              <a:t>2017/7/3</a:t>
             </a:fld>
             <a:endParaRPr lang="zh-CN" altLang="en-US"/>
           </a:p>
@@ -1010,7 +1010,7 @@
           <a:p>
             <a:fld id="{9A9588F4-A4CE-45D6-BF9E-2ECB20C17A22}" type="datetimeFigureOut">
               <a:rPr lang="zh-CN" altLang="en-US" smtClean="0"/>
-              <a:t>2017/4/7</a:t>
+              <a:t>2017/7/3</a:t>
             </a:fld>
             <a:endParaRPr lang="zh-CN" altLang="en-US"/>
           </a:p>
@@ -1242,7 +1242,7 @@
           <a:p>
             <a:fld id="{9A9588F4-A4CE-45D6-BF9E-2ECB20C17A22}" type="datetimeFigureOut">
               <a:rPr lang="zh-CN" altLang="en-US" smtClean="0"/>
-              <a:t>2017/4/7</a:t>
+              <a:t>2017/7/3</a:t>
             </a:fld>
             <a:endParaRPr lang="zh-CN" altLang="en-US"/>
           </a:p>
@@ -1609,7 +1609,7 @@
           <a:p>
             <a:fld id="{9A9588F4-A4CE-45D6-BF9E-2ECB20C17A22}" type="datetimeFigureOut">
               <a:rPr lang="zh-CN" altLang="en-US" smtClean="0"/>
-              <a:t>2017/4/7</a:t>
+              <a:t>2017/7/3</a:t>
             </a:fld>
             <a:endParaRPr lang="zh-CN" altLang="en-US"/>
           </a:p>
@@ -1727,7 +1727,7 @@
           <a:p>
             <a:fld id="{9A9588F4-A4CE-45D6-BF9E-2ECB20C17A22}" type="datetimeFigureOut">
               <a:rPr lang="zh-CN" altLang="en-US" smtClean="0"/>
-              <a:t>2017/4/7</a:t>
+              <a:t>2017/7/3</a:t>
             </a:fld>
             <a:endParaRPr lang="zh-CN" altLang="en-US"/>
           </a:p>
@@ -1822,7 +1822,7 @@
           <a:p>
             <a:fld id="{9A9588F4-A4CE-45D6-BF9E-2ECB20C17A22}" type="datetimeFigureOut">
               <a:rPr lang="zh-CN" altLang="en-US" smtClean="0"/>
-              <a:t>2017/4/7</a:t>
+              <a:t>2017/7/3</a:t>
             </a:fld>
             <a:endParaRPr lang="zh-CN" altLang="en-US"/>
           </a:p>
@@ -2099,7 +2099,7 @@
           <a:p>
             <a:fld id="{9A9588F4-A4CE-45D6-BF9E-2ECB20C17A22}" type="datetimeFigureOut">
               <a:rPr lang="zh-CN" altLang="en-US" smtClean="0"/>
-              <a:t>2017/4/7</a:t>
+              <a:t>2017/7/3</a:t>
             </a:fld>
             <a:endParaRPr lang="zh-CN" altLang="en-US"/>
           </a:p>
@@ -2356,7 +2356,7 @@
           <a:p>
             <a:fld id="{9A9588F4-A4CE-45D6-BF9E-2ECB20C17A22}" type="datetimeFigureOut">
               <a:rPr lang="zh-CN" altLang="en-US" smtClean="0"/>
-              <a:t>2017/4/7</a:t>
+              <a:t>2017/7/3</a:t>
             </a:fld>
             <a:endParaRPr lang="zh-CN" altLang="en-US"/>
           </a:p>
@@ -2569,7 +2569,7 @@
           <a:p>
             <a:fld id="{9A9588F4-A4CE-45D6-BF9E-2ECB20C17A22}" type="datetimeFigureOut">
               <a:rPr lang="zh-CN" altLang="en-US" smtClean="0"/>
-              <a:t>2017/4/7</a:t>
+              <a:t>2017/7/3</a:t>
             </a:fld>
             <a:endParaRPr lang="zh-CN" altLang="en-US"/>
           </a:p>
@@ -3003,35 +3003,35 @@
                 <a:gridCol w="371794">
                   <a:extLst>
                     <a:ext uri="{9D8B030D-6E8A-4147-A177-3AD203B41FA5}">
-                      <a16:colId xmlns:a16="http://schemas.microsoft.com/office/drawing/2014/main" val="1495994520"/>
+                      <a16:colId xmlns:a16="http://schemas.microsoft.com/office/drawing/2014/main" xmlns="" val="1495994520"/>
                     </a:ext>
                   </a:extLst>
                 </a:gridCol>
                 <a:gridCol w="4274343">
                   <a:extLst>
                     <a:ext uri="{9D8B030D-6E8A-4147-A177-3AD203B41FA5}">
-                      <a16:colId xmlns:a16="http://schemas.microsoft.com/office/drawing/2014/main" val="1129046455"/>
+                      <a16:colId xmlns:a16="http://schemas.microsoft.com/office/drawing/2014/main" xmlns="" val="1129046455"/>
                     </a:ext>
                   </a:extLst>
                 </a:gridCol>
                 <a:gridCol w="4088288">
                   <a:extLst>
                     <a:ext uri="{9D8B030D-6E8A-4147-A177-3AD203B41FA5}">
-                      <a16:colId xmlns:a16="http://schemas.microsoft.com/office/drawing/2014/main" val="2369603338"/>
+                      <a16:colId xmlns:a16="http://schemas.microsoft.com/office/drawing/2014/main" xmlns="" val="2369603338"/>
                     </a:ext>
                   </a:extLst>
                 </a:gridCol>
                 <a:gridCol w="1794988">
                   <a:extLst>
                     <a:ext uri="{9D8B030D-6E8A-4147-A177-3AD203B41FA5}">
-                      <a16:colId xmlns:a16="http://schemas.microsoft.com/office/drawing/2014/main" val="2935269635"/>
+                      <a16:colId xmlns:a16="http://schemas.microsoft.com/office/drawing/2014/main" xmlns="" val="2935269635"/>
                     </a:ext>
                   </a:extLst>
                 </a:gridCol>
                 <a:gridCol w="1654968">
                   <a:extLst>
                     <a:ext uri="{9D8B030D-6E8A-4147-A177-3AD203B41FA5}">
-                      <a16:colId xmlns:a16="http://schemas.microsoft.com/office/drawing/2014/main" val="3987723325"/>
+                      <a16:colId xmlns:a16="http://schemas.microsoft.com/office/drawing/2014/main" xmlns="" val="3987723325"/>
                     </a:ext>
                   </a:extLst>
                 </a:gridCol>
@@ -3124,7 +3124,7 @@
                 </a:tc>
                 <a:extLst>
                   <a:ext uri="{0D108BD9-81ED-4DB2-BD59-A6C34878D82A}">
-                    <a16:rowId xmlns:a16="http://schemas.microsoft.com/office/drawing/2014/main" val="436986935"/>
+                    <a16:rowId xmlns:a16="http://schemas.microsoft.com/office/drawing/2014/main" xmlns="" val="436986935"/>
                   </a:ext>
                 </a:extLst>
               </a:tr>
@@ -3225,7 +3225,7 @@
                 </a:tc>
                 <a:extLst>
                   <a:ext uri="{0D108BD9-81ED-4DB2-BD59-A6C34878D82A}">
-                    <a16:rowId xmlns:a16="http://schemas.microsoft.com/office/drawing/2014/main" val="2327670510"/>
+                    <a16:rowId xmlns:a16="http://schemas.microsoft.com/office/drawing/2014/main" xmlns="" val="2327670510"/>
                   </a:ext>
                 </a:extLst>
               </a:tr>
@@ -3898,7 +3898,7 @@
                 </a:tc>
                 <a:extLst>
                   <a:ext uri="{0D108BD9-81ED-4DB2-BD59-A6C34878D82A}">
-                    <a16:rowId xmlns:a16="http://schemas.microsoft.com/office/drawing/2014/main" val="491477770"/>
+                    <a16:rowId xmlns:a16="http://schemas.microsoft.com/office/drawing/2014/main" xmlns="" val="491477770"/>
                   </a:ext>
                 </a:extLst>
               </a:tr>
@@ -5228,7 +5228,7 @@
                 </a:tc>
                 <a:extLst>
                   <a:ext uri="{0D108BD9-81ED-4DB2-BD59-A6C34878D82A}">
-                    <a16:rowId xmlns:a16="http://schemas.microsoft.com/office/drawing/2014/main" val="2969912682"/>
+                    <a16:rowId xmlns:a16="http://schemas.microsoft.com/office/drawing/2014/main" xmlns="" val="2969912682"/>
                   </a:ext>
                 </a:extLst>
               </a:tr>
@@ -6238,7 +6238,7 @@
                 </a:tc>
                 <a:extLst>
                   <a:ext uri="{0D108BD9-81ED-4DB2-BD59-A6C34878D82A}">
-                    <a16:rowId xmlns:a16="http://schemas.microsoft.com/office/drawing/2014/main" val="1325939187"/>
+                    <a16:rowId xmlns:a16="http://schemas.microsoft.com/office/drawing/2014/main" xmlns="" val="1325939187"/>
                   </a:ext>
                 </a:extLst>
               </a:tr>
@@ -6540,7 +6540,7 @@
                 </a:tc>
                 <a:extLst>
                   <a:ext uri="{0D108BD9-81ED-4DB2-BD59-A6C34878D82A}">
-                    <a16:rowId xmlns:a16="http://schemas.microsoft.com/office/drawing/2014/main" val="10005"/>
+                    <a16:rowId xmlns:a16="http://schemas.microsoft.com/office/drawing/2014/main" xmlns="" val="10005"/>
                   </a:ext>
                 </a:extLst>
               </a:tr>
@@ -7079,7 +7079,7 @@
                 </a:tc>
                 <a:extLst>
                   <a:ext uri="{0D108BD9-81ED-4DB2-BD59-A6C34878D82A}">
-                    <a16:rowId xmlns:a16="http://schemas.microsoft.com/office/drawing/2014/main" val="10006"/>
+                    <a16:rowId xmlns:a16="http://schemas.microsoft.com/office/drawing/2014/main" xmlns="" val="10006"/>
                   </a:ext>
                 </a:extLst>
               </a:tr>
@@ -7558,7 +7558,7 @@
                 </a:tc>
                 <a:extLst>
                   <a:ext uri="{0D108BD9-81ED-4DB2-BD59-A6C34878D82A}">
-                    <a16:rowId xmlns:a16="http://schemas.microsoft.com/office/drawing/2014/main" val="10007"/>
+                    <a16:rowId xmlns:a16="http://schemas.microsoft.com/office/drawing/2014/main" xmlns="" val="10007"/>
                   </a:ext>
                 </a:extLst>
               </a:tr>
@@ -8007,7 +8007,7 @@
                 </a:tc>
                 <a:extLst>
                   <a:ext uri="{0D108BD9-81ED-4DB2-BD59-A6C34878D82A}">
-                    <a16:rowId xmlns:a16="http://schemas.microsoft.com/office/drawing/2014/main" val="3985160712"/>
+                    <a16:rowId xmlns:a16="http://schemas.microsoft.com/office/drawing/2014/main" xmlns="" val="3985160712"/>
                   </a:ext>
                 </a:extLst>
               </a:tr>
@@ -8055,7 +8055,7 @@
             <p:ph idx="1"/>
             <p:extLst>
               <p:ext uri="{D42A27DB-BD31-4B8C-83A1-F6EECF244321}">
-                <p14:modId xmlns:p14="http://schemas.microsoft.com/office/powerpoint/2010/main" val="3588484437"/>
+                <p14:modId xmlns:p14="http://schemas.microsoft.com/office/powerpoint/2010/main" val="2918261175"/>
               </p:ext>
             </p:extLst>
           </p:nvPr>
@@ -8074,35 +8074,35 @@
                 <a:gridCol w="371794">
                   <a:extLst>
                     <a:ext uri="{9D8B030D-6E8A-4147-A177-3AD203B41FA5}">
-                      <a16:colId xmlns:a16="http://schemas.microsoft.com/office/drawing/2014/main" val="979900478"/>
+                      <a16:colId xmlns:a16="http://schemas.microsoft.com/office/drawing/2014/main" xmlns="" val="979900478"/>
                     </a:ext>
                   </a:extLst>
                 </a:gridCol>
                 <a:gridCol w="4208859">
                   <a:extLst>
                     <a:ext uri="{9D8B030D-6E8A-4147-A177-3AD203B41FA5}">
-                      <a16:colId xmlns:a16="http://schemas.microsoft.com/office/drawing/2014/main" val="286836760"/>
+                      <a16:colId xmlns:a16="http://schemas.microsoft.com/office/drawing/2014/main" xmlns="" val="286836760"/>
                     </a:ext>
                   </a:extLst>
                 </a:gridCol>
                 <a:gridCol w="4208859">
                   <a:extLst>
                     <a:ext uri="{9D8B030D-6E8A-4147-A177-3AD203B41FA5}">
-                      <a16:colId xmlns:a16="http://schemas.microsoft.com/office/drawing/2014/main" val="20002"/>
+                      <a16:colId xmlns:a16="http://schemas.microsoft.com/office/drawing/2014/main" xmlns="" val="20002"/>
                     </a:ext>
                   </a:extLst>
                 </a:gridCol>
                 <a:gridCol w="1697434">
                   <a:extLst>
                     <a:ext uri="{9D8B030D-6E8A-4147-A177-3AD203B41FA5}">
-                      <a16:colId xmlns:a16="http://schemas.microsoft.com/office/drawing/2014/main" val="2860468690"/>
+                      <a16:colId xmlns:a16="http://schemas.microsoft.com/office/drawing/2014/main" xmlns="" val="2860468690"/>
                     </a:ext>
                   </a:extLst>
                 </a:gridCol>
                 <a:gridCol w="1697434">
                   <a:extLst>
                     <a:ext uri="{9D8B030D-6E8A-4147-A177-3AD203B41FA5}">
-                      <a16:colId xmlns:a16="http://schemas.microsoft.com/office/drawing/2014/main" val="20004"/>
+                      <a16:colId xmlns:a16="http://schemas.microsoft.com/office/drawing/2014/main" xmlns="" val="20004"/>
                     </a:ext>
                   </a:extLst>
                 </a:gridCol>
@@ -8136,7 +8136,7 @@
                     <a:p>
                       <a:pPr marR="0" algn="ctr" rtl="0"/>
                       <a:r>
-                        <a:rPr lang="en-US" altLang="zh-CN" sz="1100" kern="1200" dirty="0">
+                        <a:rPr lang="en-US" altLang="zh-CN" sz="1100" kern="1200" dirty="0" smtClean="0">
                           <a:solidFill>
                             <a:schemeClr val="tx1"/>
                           </a:solidFill>
@@ -8144,8 +8144,16 @@
                           <a:ea typeface="+mn-ea"/>
                           <a:cs typeface="Times New Roman" panose="02020603050405020304" pitchFamily="18" charset="0"/>
                         </a:rPr>
-                        <a:t>Source</a:t>
-                      </a:r>
+                        <a:t>Source Code</a:t>
+                      </a:r>
+                      <a:endParaRPr lang="en-US" altLang="zh-CN" sz="1100" kern="1200" dirty="0">
+                        <a:solidFill>
+                          <a:schemeClr val="tx1"/>
+                        </a:solidFill>
+                        <a:latin typeface="Times New Roman" panose="02020603050405020304" pitchFamily="18" charset="0"/>
+                        <a:ea typeface="+mn-ea"/>
+                        <a:cs typeface="Times New Roman" panose="02020603050405020304" pitchFamily="18" charset="0"/>
+                      </a:endParaRPr>
                     </a:p>
                   </a:txBody>
                   <a:tcPr anchor="ctr"/>
@@ -8167,11 +8175,11 @@
                     <a:p>
                       <a:pPr marR="0" algn="ctr" rtl="0"/>
                       <a:r>
-                        <a:rPr lang="en-US" altLang="zh-CN" sz="1100" dirty="0">
+                        <a:rPr lang="en-US" altLang="zh-CN" sz="1100" dirty="0" smtClean="0">
                           <a:latin typeface="Times New Roman" panose="02020603050405020304" pitchFamily="18" charset="0"/>
                           <a:cs typeface="Times New Roman" panose="02020603050405020304" pitchFamily="18" charset="0"/>
                         </a:rPr>
-                        <a:t>Pattern</a:t>
+                        <a:t>Simplified Code</a:t>
                       </a:r>
                       <a:endParaRPr lang="zh-CN" altLang="en-US" sz="1100" dirty="0">
                         <a:latin typeface="Times New Roman" panose="02020603050405020304" pitchFamily="18" charset="0"/>
@@ -8193,7 +8201,7 @@
                 </a:tc>
                 <a:extLst>
                   <a:ext uri="{0D108BD9-81ED-4DB2-BD59-A6C34878D82A}">
-                    <a16:rowId xmlns:a16="http://schemas.microsoft.com/office/drawing/2014/main" val="255238892"/>
+                    <a16:rowId xmlns:a16="http://schemas.microsoft.com/office/drawing/2014/main" xmlns="" val="255238892"/>
                   </a:ext>
                 </a:extLst>
               </a:tr>
@@ -8294,7 +8302,7 @@
                 </a:tc>
                 <a:extLst>
                   <a:ext uri="{0D108BD9-81ED-4DB2-BD59-A6C34878D82A}">
-                    <a16:rowId xmlns:a16="http://schemas.microsoft.com/office/drawing/2014/main" val="10001"/>
+                    <a16:rowId xmlns:a16="http://schemas.microsoft.com/office/drawing/2014/main" xmlns="" val="10001"/>
                   </a:ext>
                 </a:extLst>
               </a:tr>
@@ -9135,21 +9143,21 @@
                           <a:latin typeface="Courier New" panose="02070309020205020404" pitchFamily="49" charset="0"/>
                           <a:cs typeface="Courier New" panose="02070309020205020404" pitchFamily="49" charset="0"/>
                         </a:rPr>
-                        <a:t> (</a:t>
-                      </a:r>
-                      <a:r>
-                        <a:rPr lang="en-US" altLang="zh-CN" sz="1100" baseline="0" dirty="0" err="1">
-                          <a:latin typeface="Courier New" panose="02070309020205020404" pitchFamily="49" charset="0"/>
-                          <a:cs typeface="Courier New" panose="02070309020205020404" pitchFamily="49" charset="0"/>
-                        </a:rPr>
-                        <a:t>obj</a:t>
+                        <a:t> </a:t>
+                      </a:r>
+                      <a:r>
+                        <a:rPr lang="en-US" altLang="zh-CN" sz="1100" baseline="0" dirty="0" smtClean="0">
+                          <a:latin typeface="Courier New" panose="02070309020205020404" pitchFamily="49" charset="0"/>
+                          <a:cs typeface="Courier New" panose="02070309020205020404" pitchFamily="49" charset="0"/>
+                        </a:rPr>
+                        <a:t>void foo(...) </a:t>
                       </a:r>
                       <a:r>
                         <a:rPr lang="en-US" altLang="zh-CN" sz="1100" baseline="0" dirty="0">
                           <a:latin typeface="Courier New" panose="02070309020205020404" pitchFamily="49" charset="0"/>
                           <a:cs typeface="Courier New" panose="02070309020205020404" pitchFamily="49" charset="0"/>
                         </a:rPr>
-                        <a:t>) {</a:t>
+                        <a:t>{</a:t>
                       </a:r>
                     </a:p>
                     <a:p>
@@ -9259,7 +9267,7 @@
                 </a:tc>
                 <a:extLst>
                   <a:ext uri="{0D108BD9-81ED-4DB2-BD59-A6C34878D82A}">
-                    <a16:rowId xmlns:a16="http://schemas.microsoft.com/office/drawing/2014/main" val="719721223"/>
+                    <a16:rowId xmlns:a16="http://schemas.microsoft.com/office/drawing/2014/main" xmlns="" val="719721223"/>
                   </a:ext>
                 </a:extLst>
               </a:tr>
@@ -9929,7 +9937,7 @@
                 </a:tc>
                 <a:extLst>
                   <a:ext uri="{0D108BD9-81ED-4DB2-BD59-A6C34878D82A}">
-                    <a16:rowId xmlns:a16="http://schemas.microsoft.com/office/drawing/2014/main" val="3067181177"/>
+                    <a16:rowId xmlns:a16="http://schemas.microsoft.com/office/drawing/2014/main" xmlns="" val="3067181177"/>
                   </a:ext>
                 </a:extLst>
               </a:tr>
@@ -10377,7 +10385,7 @@
                 </a:tc>
                 <a:extLst>
                   <a:ext uri="{0D108BD9-81ED-4DB2-BD59-A6C34878D82A}">
-                    <a16:rowId xmlns:a16="http://schemas.microsoft.com/office/drawing/2014/main" val="3351539951"/>
+                    <a16:rowId xmlns:a16="http://schemas.microsoft.com/office/drawing/2014/main" xmlns="" val="3351539951"/>
                   </a:ext>
                 </a:extLst>
               </a:tr>
